--- a/Lectures/Lecture 2/Lecture 2.pptx
+++ b/Lectures/Lecture 2/Lecture 2.pptx
@@ -273,7 +273,7 @@
           <a:p>
             <a:fld id="{11C4ABE2-2F1A-4C31-A43A-C3E7CE49CE95}" type="datetimeFigureOut">
               <a:rPr lang="en-US" smtClean="0"/>
-              <a:t>1/12/2020</a:t>
+              <a:t>1/14/2020</a:t>
             </a:fld>
             <a:endParaRPr lang="en-US"/>
           </a:p>
@@ -471,7 +471,7 @@
           <a:p>
             <a:fld id="{11C4ABE2-2F1A-4C31-A43A-C3E7CE49CE95}" type="datetimeFigureOut">
               <a:rPr lang="en-US" smtClean="0"/>
-              <a:t>1/12/2020</a:t>
+              <a:t>1/14/2020</a:t>
             </a:fld>
             <a:endParaRPr lang="en-US"/>
           </a:p>
@@ -679,7 +679,7 @@
           <a:p>
             <a:fld id="{11C4ABE2-2F1A-4C31-A43A-C3E7CE49CE95}" type="datetimeFigureOut">
               <a:rPr lang="en-US" smtClean="0"/>
-              <a:t>1/12/2020</a:t>
+              <a:t>1/14/2020</a:t>
             </a:fld>
             <a:endParaRPr lang="en-US"/>
           </a:p>
@@ -877,7 +877,7 @@
           <a:p>
             <a:fld id="{11C4ABE2-2F1A-4C31-A43A-C3E7CE49CE95}" type="datetimeFigureOut">
               <a:rPr lang="en-US" smtClean="0"/>
-              <a:t>1/12/2020</a:t>
+              <a:t>1/14/2020</a:t>
             </a:fld>
             <a:endParaRPr lang="en-US"/>
           </a:p>
@@ -1152,7 +1152,7 @@
           <a:p>
             <a:fld id="{11C4ABE2-2F1A-4C31-A43A-C3E7CE49CE95}" type="datetimeFigureOut">
               <a:rPr lang="en-US" smtClean="0"/>
-              <a:t>1/12/2020</a:t>
+              <a:t>1/14/2020</a:t>
             </a:fld>
             <a:endParaRPr lang="en-US"/>
           </a:p>
@@ -1417,7 +1417,7 @@
           <a:p>
             <a:fld id="{11C4ABE2-2F1A-4C31-A43A-C3E7CE49CE95}" type="datetimeFigureOut">
               <a:rPr lang="en-US" smtClean="0"/>
-              <a:t>1/12/2020</a:t>
+              <a:t>1/14/2020</a:t>
             </a:fld>
             <a:endParaRPr lang="en-US"/>
           </a:p>
@@ -1829,7 +1829,7 @@
           <a:p>
             <a:fld id="{11C4ABE2-2F1A-4C31-A43A-C3E7CE49CE95}" type="datetimeFigureOut">
               <a:rPr lang="en-US" smtClean="0"/>
-              <a:t>1/12/2020</a:t>
+              <a:t>1/14/2020</a:t>
             </a:fld>
             <a:endParaRPr lang="en-US"/>
           </a:p>
@@ -1970,7 +1970,7 @@
           <a:p>
             <a:fld id="{11C4ABE2-2F1A-4C31-A43A-C3E7CE49CE95}" type="datetimeFigureOut">
               <a:rPr lang="en-US" smtClean="0"/>
-              <a:t>1/12/2020</a:t>
+              <a:t>1/14/2020</a:t>
             </a:fld>
             <a:endParaRPr lang="en-US"/>
           </a:p>
@@ -2083,7 +2083,7 @@
           <a:p>
             <a:fld id="{11C4ABE2-2F1A-4C31-A43A-C3E7CE49CE95}" type="datetimeFigureOut">
               <a:rPr lang="en-US" smtClean="0"/>
-              <a:t>1/12/2020</a:t>
+              <a:t>1/14/2020</a:t>
             </a:fld>
             <a:endParaRPr lang="en-US"/>
           </a:p>
@@ -2394,7 +2394,7 @@
           <a:p>
             <a:fld id="{11C4ABE2-2F1A-4C31-A43A-C3E7CE49CE95}" type="datetimeFigureOut">
               <a:rPr lang="en-US" smtClean="0"/>
-              <a:t>1/12/2020</a:t>
+              <a:t>1/14/2020</a:t>
             </a:fld>
             <a:endParaRPr lang="en-US"/>
           </a:p>
@@ -2682,7 +2682,7 @@
           <a:p>
             <a:fld id="{11C4ABE2-2F1A-4C31-A43A-C3E7CE49CE95}" type="datetimeFigureOut">
               <a:rPr lang="en-US" smtClean="0"/>
-              <a:t>1/12/2020</a:t>
+              <a:t>1/14/2020</a:t>
             </a:fld>
             <a:endParaRPr lang="en-US"/>
           </a:p>
@@ -2923,7 +2923,7 @@
           <a:p>
             <a:fld id="{11C4ABE2-2F1A-4C31-A43A-C3E7CE49CE95}" type="datetimeFigureOut">
               <a:rPr lang="en-US" smtClean="0"/>
-              <a:t>1/12/2020</a:t>
+              <a:t>1/14/2020</a:t>
             </a:fld>
             <a:endParaRPr lang="en-US"/>
           </a:p>
@@ -7205,8 +7205,8 @@
           </a:p>
         </p:txBody>
       </p:sp>
-      <mc:AlternateContent xmlns:mc="http://schemas.openxmlformats.org/markup-compatibility/2006">
-        <mc:Choice xmlns:a14="http://schemas.microsoft.com/office/drawing/2010/main" Requires="a14">
+      <mc:AlternateContent xmlns:mc="http://schemas.openxmlformats.org/markup-compatibility/2006" xmlns:a14="http://schemas.microsoft.com/office/drawing/2010/main">
+        <mc:Choice Requires="a14">
           <p:sp>
             <p:nvSpPr>
               <p:cNvPr id="36" name="TextBox 35">
@@ -7529,7 +7529,7 @@
             </p:txBody>
           </p:sp>
         </mc:Choice>
-        <mc:Fallback>
+        <mc:Fallback xmlns="">
           <p:sp>
             <p:nvSpPr>
               <p:cNvPr id="36" name="TextBox 35">
@@ -7941,8 +7941,8 @@
           </a:p>
         </p:txBody>
       </p:sp>
-      <mc:AlternateContent xmlns:mc="http://schemas.openxmlformats.org/markup-compatibility/2006">
-        <mc:Choice xmlns:a14="http://schemas.microsoft.com/office/drawing/2010/main" Requires="a14">
+      <mc:AlternateContent xmlns:mc="http://schemas.openxmlformats.org/markup-compatibility/2006" xmlns:a14="http://schemas.microsoft.com/office/drawing/2010/main">
+        <mc:Choice Requires="a14">
           <p:sp>
             <p:nvSpPr>
               <p:cNvPr id="40" name="TextBox 39">
@@ -7988,6 +7988,7 @@
               </a:bodyPr>
               <a:lstStyle/>
               <a:p>
+                <a:pPr/>
                 <a14:m>
                   <m:oMathPara xmlns:m="http://schemas.openxmlformats.org/officeDocument/2006/math">
                     <m:oMathParaPr>
@@ -8148,6 +8149,7 @@
                 </a:endParaRPr>
               </a:p>
               <a:p>
+                <a:pPr/>
                 <a14:m>
                   <m:oMathPara xmlns:m="http://schemas.openxmlformats.org/officeDocument/2006/math">
                     <m:oMathParaPr>
@@ -8265,16 +8267,7 @@
                           </a:solidFill>
                           <a:latin typeface="Cambria Math" panose="02040503050406030204" pitchFamily="18" charset="0"/>
                         </a:rPr>
-                        <m:t>=</m:t>
-                      </m:r>
-                      <m:r>
-                        <a:rPr lang="en-US" b="0" i="1" smtClean="0">
-                          <a:solidFill>
-                            <a:srgbClr val="404040"/>
-                          </a:solidFill>
-                          <a:latin typeface="Cambria Math" panose="02040503050406030204" pitchFamily="18" charset="0"/>
-                        </a:rPr>
-                        <m:t>20</m:t>
+                        <m:t>=20</m:t>
                       </m:r>
                     </m:oMath>
                   </m:oMathPara>
@@ -8287,6 +8280,7 @@
                 </a:endParaRPr>
               </a:p>
               <a:p>
+                <a:pPr/>
                 <a14:m>
                   <m:oMathPara xmlns:m="http://schemas.openxmlformats.org/officeDocument/2006/math">
                     <m:oMathParaPr>
@@ -8356,6 +8350,7 @@
                 </a:endParaRPr>
               </a:p>
               <a:p>
+                <a:pPr/>
                 <a14:m>
                   <m:oMathPara xmlns:m="http://schemas.openxmlformats.org/officeDocument/2006/math">
                     <m:oMathParaPr>
@@ -8402,6 +8397,7 @@
                 </a:r>
               </a:p>
               <a:p>
+                <a:pPr/>
                 <a14:m>
                   <m:oMathPara xmlns:m="http://schemas.openxmlformats.org/officeDocument/2006/math">
                     <m:oMathParaPr>
@@ -8515,7 +8511,7 @@
             </p:txBody>
           </p:sp>
         </mc:Choice>
-        <mc:Fallback>
+        <mc:Fallback xmlns="">
           <p:sp>
             <p:nvSpPr>
               <p:cNvPr id="40" name="TextBox 39">
@@ -9689,8 +9685,8 @@
           </a:prstGeom>
         </p:spPr>
       </p:pic>
-      <mc:AlternateContent xmlns:mc="http://schemas.openxmlformats.org/markup-compatibility/2006">
-        <mc:Choice xmlns:a14="http://schemas.microsoft.com/office/drawing/2010/main" Requires="a14">
+      <mc:AlternateContent xmlns:mc="http://schemas.openxmlformats.org/markup-compatibility/2006" xmlns:a14="http://schemas.microsoft.com/office/drawing/2010/main">
+        <mc:Choice Requires="a14">
           <p:sp>
             <p:nvSpPr>
               <p:cNvPr id="41" name="TextBox 40">
@@ -9757,6 +9753,7 @@
                 </a:endParaRPr>
               </a:p>
               <a:p>
+                <a:pPr/>
                 <a14:m>
                   <m:oMathPara xmlns:m="http://schemas.openxmlformats.org/officeDocument/2006/math">
                     <m:oMathParaPr>
@@ -9870,6 +9867,7 @@
                 </a:endParaRPr>
               </a:p>
               <a:p>
+                <a:pPr/>
                 <a14:m>
                   <m:oMathPara xmlns:m="http://schemas.openxmlformats.org/officeDocument/2006/math">
                     <m:oMathParaPr>
@@ -9983,6 +9981,7 @@
                 </a:endParaRPr>
               </a:p>
               <a:p>
+                <a:pPr/>
                 <a14:m>
                   <m:oMathPara xmlns:m="http://schemas.openxmlformats.org/officeDocument/2006/math">
                     <m:oMathParaPr>
@@ -10066,6 +10065,7 @@
                 </a:endParaRPr>
               </a:p>
               <a:p>
+                <a:pPr/>
                 <a14:m>
                   <m:oMathPara xmlns:m="http://schemas.openxmlformats.org/officeDocument/2006/math">
                     <m:oMathParaPr>
@@ -10116,7 +10116,7 @@
                       <m:d>
                         <m:dPr>
                           <m:ctrlPr>
-                            <a:rPr lang="en-US" b="0" i="0" smtClean="0">
+                            <a:rPr lang="en-US" b="0" i="1" smtClean="0">
                               <a:solidFill>
                                 <a:srgbClr val="404040"/>
                               </a:solidFill>
@@ -10148,7 +10148,7 @@
                       <m:d>
                         <m:dPr>
                           <m:ctrlPr>
-                            <a:rPr lang="en-US" b="0" i="0" smtClean="0">
+                            <a:rPr lang="en-US" b="0" i="1" smtClean="0">
                               <a:solidFill>
                                 <a:srgbClr val="404040"/>
                               </a:solidFill>
@@ -10190,7 +10190,7 @@
             </p:txBody>
           </p:sp>
         </mc:Choice>
-        <mc:Fallback>
+        <mc:Fallback xmlns="">
           <p:sp>
             <p:nvSpPr>
               <p:cNvPr id="41" name="TextBox 40">
@@ -11010,8 +11010,8 @@
           </a:p>
         </p:txBody>
       </p:sp>
-      <mc:AlternateContent xmlns:mc="http://schemas.openxmlformats.org/markup-compatibility/2006">
-        <mc:Choice xmlns:a14="http://schemas.microsoft.com/office/drawing/2010/main" Requires="a14">
+      <mc:AlternateContent xmlns:mc="http://schemas.openxmlformats.org/markup-compatibility/2006" xmlns:a14="http://schemas.microsoft.com/office/drawing/2010/main">
+        <mc:Choice Requires="a14">
           <p:sp>
             <p:nvSpPr>
               <p:cNvPr id="36" name="TextBox 35">
@@ -11187,7 +11187,7 @@
             </p:txBody>
           </p:sp>
         </mc:Choice>
-        <mc:Fallback>
+        <mc:Fallback xmlns="">
           <p:sp>
             <p:nvSpPr>
               <p:cNvPr id="36" name="TextBox 35">
@@ -11433,8 +11433,8 @@
           </a:effectLst>
         </p:spPr>
       </p:pic>
-      <mc:AlternateContent xmlns:mc="http://schemas.openxmlformats.org/markup-compatibility/2006">
-        <mc:Choice xmlns:a14="http://schemas.microsoft.com/office/drawing/2010/main" Requires="a14">
+      <mc:AlternateContent xmlns:mc="http://schemas.openxmlformats.org/markup-compatibility/2006" xmlns:a14="http://schemas.microsoft.com/office/drawing/2010/main">
+        <mc:Choice Requires="a14">
           <p:sp>
             <p:nvSpPr>
               <p:cNvPr id="6" name="TextBox 5">
@@ -11465,6 +11465,7 @@
               </a:bodyPr>
               <a:lstStyle/>
               <a:p>
+                <a:pPr/>
                 <a14:m>
                   <m:oMathPara xmlns:m="http://schemas.openxmlformats.org/officeDocument/2006/math">
                     <m:oMathParaPr>
@@ -11503,7 +11504,7 @@
             </p:txBody>
           </p:sp>
         </mc:Choice>
-        <mc:Fallback>
+        <mc:Fallback xmlns="">
           <p:sp>
             <p:nvSpPr>
               <p:cNvPr id="6" name="TextBox 5">
@@ -11548,8 +11549,8 @@
           </p:sp>
         </mc:Fallback>
       </mc:AlternateContent>
-      <mc:AlternateContent xmlns:mc="http://schemas.openxmlformats.org/markup-compatibility/2006">
-        <mc:Choice xmlns:a14="http://schemas.microsoft.com/office/drawing/2010/main" Requires="a14">
+      <mc:AlternateContent xmlns:mc="http://schemas.openxmlformats.org/markup-compatibility/2006" xmlns:a14="http://schemas.microsoft.com/office/drawing/2010/main">
+        <mc:Choice Requires="a14">
           <p:sp>
             <p:nvSpPr>
               <p:cNvPr id="30" name="TextBox 29">
@@ -11580,6 +11581,7 @@
               </a:bodyPr>
               <a:lstStyle/>
               <a:p>
+                <a:pPr/>
                 <a14:m>
                   <m:oMathPara xmlns:m="http://schemas.openxmlformats.org/officeDocument/2006/math">
                     <m:oMathParaPr>
@@ -11618,7 +11620,7 @@
             </p:txBody>
           </p:sp>
         </mc:Choice>
-        <mc:Fallback>
+        <mc:Fallback xmlns="">
           <p:sp>
             <p:nvSpPr>
               <p:cNvPr id="30" name="TextBox 29">
@@ -11663,8 +11665,8 @@
           </p:sp>
         </mc:Fallback>
       </mc:AlternateContent>
-      <mc:AlternateContent xmlns:mc="http://schemas.openxmlformats.org/markup-compatibility/2006">
-        <mc:Choice xmlns:a14="http://schemas.microsoft.com/office/drawing/2010/main" Requires="a14">
+      <mc:AlternateContent xmlns:mc="http://schemas.openxmlformats.org/markup-compatibility/2006" xmlns:a14="http://schemas.microsoft.com/office/drawing/2010/main">
+        <mc:Choice Requires="a14">
           <p:sp>
             <p:nvSpPr>
               <p:cNvPr id="31" name="TextBox 30">
@@ -11695,6 +11697,7 @@
               </a:bodyPr>
               <a:lstStyle/>
               <a:p>
+                <a:pPr/>
                 <a14:m>
                   <m:oMathPara xmlns:m="http://schemas.openxmlformats.org/officeDocument/2006/math">
                     <m:oMathParaPr>
@@ -11733,7 +11736,7 @@
             </p:txBody>
           </p:sp>
         </mc:Choice>
-        <mc:Fallback>
+        <mc:Fallback xmlns="">
           <p:sp>
             <p:nvSpPr>
               <p:cNvPr id="31" name="TextBox 30">
@@ -11778,8 +11781,8 @@
           </p:sp>
         </mc:Fallback>
       </mc:AlternateContent>
-      <mc:AlternateContent xmlns:mc="http://schemas.openxmlformats.org/markup-compatibility/2006">
-        <mc:Choice xmlns:a14="http://schemas.microsoft.com/office/drawing/2010/main" Requires="a14">
+      <mc:AlternateContent xmlns:mc="http://schemas.openxmlformats.org/markup-compatibility/2006" xmlns:a14="http://schemas.microsoft.com/office/drawing/2010/main">
+        <mc:Choice Requires="a14">
           <p:sp>
             <p:nvSpPr>
               <p:cNvPr id="40" name="TextBox 39">
@@ -11810,6 +11813,7 @@
               </a:bodyPr>
               <a:lstStyle/>
               <a:p>
+                <a:pPr/>
                 <a14:m>
                   <m:oMathPara xmlns:m="http://schemas.openxmlformats.org/officeDocument/2006/math">
                     <m:oMathParaPr>
@@ -11848,7 +11852,7 @@
             </p:txBody>
           </p:sp>
         </mc:Choice>
-        <mc:Fallback>
+        <mc:Fallback xmlns="">
           <p:sp>
             <p:nvSpPr>
               <p:cNvPr id="40" name="TextBox 39">
@@ -11893,8 +11897,8 @@
           </p:sp>
         </mc:Fallback>
       </mc:AlternateContent>
-      <mc:AlternateContent xmlns:mc="http://schemas.openxmlformats.org/markup-compatibility/2006">
-        <mc:Choice xmlns:a14="http://schemas.microsoft.com/office/drawing/2010/main" Requires="a14">
+      <mc:AlternateContent xmlns:mc="http://schemas.openxmlformats.org/markup-compatibility/2006" xmlns:a14="http://schemas.microsoft.com/office/drawing/2010/main">
+        <mc:Choice Requires="a14">
           <p:sp>
             <p:nvSpPr>
               <p:cNvPr id="42" name="TextBox 41">
@@ -11925,6 +11929,7 @@
               </a:bodyPr>
               <a:lstStyle/>
               <a:p>
+                <a:pPr/>
                 <a14:m>
                   <m:oMathPara xmlns:m="http://schemas.openxmlformats.org/officeDocument/2006/math">
                     <m:oMathParaPr>
@@ -11945,7 +11950,7 @@
             </p:txBody>
           </p:sp>
         </mc:Choice>
-        <mc:Fallback>
+        <mc:Fallback xmlns="">
           <p:sp>
             <p:nvSpPr>
               <p:cNvPr id="42" name="TextBox 41">
@@ -11990,8 +11995,8 @@
           </p:sp>
         </mc:Fallback>
       </mc:AlternateContent>
-      <mc:AlternateContent xmlns:mc="http://schemas.openxmlformats.org/markup-compatibility/2006">
-        <mc:Choice xmlns:a14="http://schemas.microsoft.com/office/drawing/2010/main" Requires="a14">
+      <mc:AlternateContent xmlns:mc="http://schemas.openxmlformats.org/markup-compatibility/2006" xmlns:a14="http://schemas.microsoft.com/office/drawing/2010/main">
+        <mc:Choice Requires="a14">
           <p:sp>
             <p:nvSpPr>
               <p:cNvPr id="43" name="TextBox 42">
@@ -12022,6 +12027,7 @@
               </a:bodyPr>
               <a:lstStyle/>
               <a:p>
+                <a:pPr/>
                 <a14:m>
                   <m:oMathPara xmlns:m="http://schemas.openxmlformats.org/officeDocument/2006/math">
                     <m:oMathParaPr>
@@ -12042,7 +12048,7 @@
             </p:txBody>
           </p:sp>
         </mc:Choice>
-        <mc:Fallback>
+        <mc:Fallback xmlns="">
           <p:sp>
             <p:nvSpPr>
               <p:cNvPr id="43" name="TextBox 42">
@@ -12087,8 +12093,8 @@
           </p:sp>
         </mc:Fallback>
       </mc:AlternateContent>
-      <mc:AlternateContent xmlns:mc="http://schemas.openxmlformats.org/markup-compatibility/2006">
-        <mc:Choice xmlns:a14="http://schemas.microsoft.com/office/drawing/2010/main" Requires="a14">
+      <mc:AlternateContent xmlns:mc="http://schemas.openxmlformats.org/markup-compatibility/2006" xmlns:a14="http://schemas.microsoft.com/office/drawing/2010/main">
+        <mc:Choice Requires="a14">
           <p:sp>
             <p:nvSpPr>
               <p:cNvPr id="44" name="TextBox 43">
@@ -12119,6 +12125,7 @@
               </a:bodyPr>
               <a:lstStyle/>
               <a:p>
+                <a:pPr/>
                 <a14:m>
                   <m:oMathPara xmlns:m="http://schemas.openxmlformats.org/officeDocument/2006/math">
                     <m:oMathParaPr>
@@ -12139,7 +12146,7 @@
             </p:txBody>
           </p:sp>
         </mc:Choice>
-        <mc:Fallback>
+        <mc:Fallback xmlns="">
           <p:sp>
             <p:nvSpPr>
               <p:cNvPr id="44" name="TextBox 43">
@@ -12184,8 +12191,8 @@
           </p:sp>
         </mc:Fallback>
       </mc:AlternateContent>
-      <mc:AlternateContent xmlns:mc="http://schemas.openxmlformats.org/markup-compatibility/2006">
-        <mc:Choice xmlns:a14="http://schemas.microsoft.com/office/drawing/2010/main" Requires="a14">
+      <mc:AlternateContent xmlns:mc="http://schemas.openxmlformats.org/markup-compatibility/2006" xmlns:a14="http://schemas.microsoft.com/office/drawing/2010/main">
+        <mc:Choice Requires="a14">
           <p:sp>
             <p:nvSpPr>
               <p:cNvPr id="45" name="TextBox 44">
@@ -12216,6 +12223,7 @@
               </a:bodyPr>
               <a:lstStyle/>
               <a:p>
+                <a:pPr/>
                 <a14:m>
                   <m:oMathPara xmlns:m="http://schemas.openxmlformats.org/officeDocument/2006/math">
                     <m:oMathParaPr>
@@ -12236,7 +12244,7 @@
             </p:txBody>
           </p:sp>
         </mc:Choice>
-        <mc:Fallback>
+        <mc:Fallback xmlns="">
           <p:sp>
             <p:nvSpPr>
               <p:cNvPr id="45" name="TextBox 44">
@@ -13051,8 +13059,8 @@
           </a:p>
         </p:txBody>
       </p:sp>
-      <mc:AlternateContent xmlns:mc="http://schemas.openxmlformats.org/markup-compatibility/2006">
-        <mc:Choice xmlns:a14="http://schemas.microsoft.com/office/drawing/2010/main" Requires="a14">
+      <mc:AlternateContent xmlns:mc="http://schemas.openxmlformats.org/markup-compatibility/2006" xmlns:a14="http://schemas.microsoft.com/office/drawing/2010/main">
+        <mc:Choice Requires="a14">
           <p:sp>
             <p:nvSpPr>
               <p:cNvPr id="36" name="TextBox 35">
@@ -13245,7 +13253,7 @@
             </p:txBody>
           </p:sp>
         </mc:Choice>
-        <mc:Fallback>
+        <mc:Fallback xmlns="">
           <p:sp>
             <p:nvSpPr>
               <p:cNvPr id="36" name="TextBox 35">
@@ -14949,8 +14957,8 @@
           </a:p>
         </p:txBody>
       </p:sp>
-      <mc:AlternateContent xmlns:mc="http://schemas.openxmlformats.org/markup-compatibility/2006">
-        <mc:Choice xmlns:a14="http://schemas.microsoft.com/office/drawing/2010/main" Requires="a14">
+      <mc:AlternateContent xmlns:mc="http://schemas.openxmlformats.org/markup-compatibility/2006" xmlns:a14="http://schemas.microsoft.com/office/drawing/2010/main">
+        <mc:Choice Requires="a14">
           <p:sp>
             <p:nvSpPr>
               <p:cNvPr id="36" name="TextBox 35">
@@ -15345,7 +15353,7 @@
             </p:txBody>
           </p:sp>
         </mc:Choice>
-        <mc:Fallback>
+        <mc:Fallback xmlns="">
           <p:sp>
             <p:nvSpPr>
               <p:cNvPr id="36" name="TextBox 35">
@@ -20974,8 +20982,8 @@
           </a:p>
         </p:txBody>
       </p:sp>
-      <mc:AlternateContent xmlns:mc="http://schemas.openxmlformats.org/markup-compatibility/2006">
-        <mc:Choice xmlns:a14="http://schemas.microsoft.com/office/drawing/2010/main" Requires="a14">
+      <mc:AlternateContent xmlns:mc="http://schemas.openxmlformats.org/markup-compatibility/2006" xmlns:a14="http://schemas.microsoft.com/office/drawing/2010/main">
+        <mc:Choice Requires="a14">
           <p:sp>
             <p:nvSpPr>
               <p:cNvPr id="36" name="TextBox 35">
@@ -21509,7 +21517,7 @@
             </p:txBody>
           </p:sp>
         </mc:Choice>
-        <mc:Fallback>
+        <mc:Fallback xmlns="">
           <p:sp>
             <p:nvSpPr>
               <p:cNvPr id="36" name="TextBox 35">
@@ -22483,8 +22491,8 @@
           </a:p>
         </p:txBody>
       </p:sp>
-      <mc:AlternateContent xmlns:mc="http://schemas.openxmlformats.org/markup-compatibility/2006">
-        <mc:Choice xmlns:a14="http://schemas.microsoft.com/office/drawing/2010/main" Requires="a14">
+      <mc:AlternateContent xmlns:mc="http://schemas.openxmlformats.org/markup-compatibility/2006" xmlns:a14="http://schemas.microsoft.com/office/drawing/2010/main">
+        <mc:Choice Requires="a14">
           <p:sp>
             <p:nvSpPr>
               <p:cNvPr id="36" name="TextBox 35">
@@ -23099,7 +23107,7 @@
             </p:txBody>
           </p:sp>
         </mc:Choice>
-        <mc:Fallback>
+        <mc:Fallback xmlns="">
           <p:sp>
             <p:nvSpPr>
               <p:cNvPr id="36" name="TextBox 35">
@@ -23261,8 +23269,8 @@
           </a:prstGeom>
         </p:spPr>
       </p:pic>
-      <mc:AlternateContent xmlns:mc="http://schemas.openxmlformats.org/markup-compatibility/2006">
-        <mc:Choice xmlns:a14="http://schemas.microsoft.com/office/drawing/2010/main" Requires="a14">
+      <mc:AlternateContent xmlns:mc="http://schemas.openxmlformats.org/markup-compatibility/2006" xmlns:a14="http://schemas.microsoft.com/office/drawing/2010/main">
+        <mc:Choice Requires="a14">
           <p:sp>
             <p:nvSpPr>
               <p:cNvPr id="4" name="TextBox 3">
@@ -23535,7 +23543,6 @@
                 </a:endParaRPr>
               </a:p>
               <a:p>
-                <a:pPr/>
                 <a:r>
                   <a:rPr lang="en-US" dirty="0">
                     <a:solidFill>
@@ -23573,7 +23580,7 @@
             </p:txBody>
           </p:sp>
         </mc:Choice>
-        <mc:Fallback>
+        <mc:Fallback xmlns="">
           <p:sp>
             <p:nvSpPr>
               <p:cNvPr id="4" name="TextBox 3">
@@ -23623,8 +23630,8 @@
           </p:sp>
         </mc:Fallback>
       </mc:AlternateContent>
-      <mc:AlternateContent xmlns:mc="http://schemas.openxmlformats.org/markup-compatibility/2006">
-        <mc:Choice xmlns:a14="http://schemas.microsoft.com/office/drawing/2010/main" Requires="a14">
+      <mc:AlternateContent xmlns:mc="http://schemas.openxmlformats.org/markup-compatibility/2006" xmlns:a14="http://schemas.microsoft.com/office/drawing/2010/main">
+        <mc:Choice Requires="a14">
           <p:sp>
             <p:nvSpPr>
               <p:cNvPr id="23" name="TextBox 22">
@@ -23689,6 +23696,7 @@
                 </a:endParaRPr>
               </a:p>
               <a:p>
+                <a:pPr/>
                 <a14:m>
                   <m:oMathPara xmlns:m="http://schemas.openxmlformats.org/officeDocument/2006/math">
                     <m:oMathParaPr>
@@ -23932,7 +23940,7 @@
             </p:txBody>
           </p:sp>
         </mc:Choice>
-        <mc:Fallback>
+        <mc:Fallback xmlns="">
           <p:sp>
             <p:nvSpPr>
               <p:cNvPr id="23" name="TextBox 22">
@@ -24806,7 +24814,7 @@
                 </a:solidFill>
                 <a:latin typeface="Corbel" panose="020B0503020204020204" pitchFamily="34" charset="0"/>
               </a:rPr>
-              <a:t>Based on nonnegativity constraints, the feasible region exists somewhere in the positive quadrant.</a:t>
+              <a:t>Based on nonnegativity constraints, the feasible region exists somewhere in the positive quadrant</a:t>
             </a:r>
           </a:p>
           <a:p>
@@ -24836,7 +24844,7 @@
                 </a:solidFill>
                 <a:latin typeface="Corbel" panose="020B0503020204020204" pitchFamily="34" charset="0"/>
               </a:rPr>
-              <a:t>Shade according to the inequality symbol (check if the origin satisfies the inequality or not.</a:t>
+              <a:t>Shade according to the inequality symbol (check if the origin satisfies the inequality or not</a:t>
             </a:r>
           </a:p>
           <a:p>
@@ -24851,7 +24859,7 @@
                 </a:solidFill>
                 <a:latin typeface="Corbel" panose="020B0503020204020204" pitchFamily="34" charset="0"/>
               </a:rPr>
-              <a:t>The feasible region is the intersection of the shaded areas.</a:t>
+              <a:t>The feasible region is the intersection of the shaded areas</a:t>
             </a:r>
           </a:p>
           <a:p>
@@ -25009,8 +25017,8 @@
           </a:prstGeom>
         </p:spPr>
       </p:pic>
-      <mc:AlternateContent xmlns:mc="http://schemas.openxmlformats.org/markup-compatibility/2006">
-        <mc:Choice xmlns:a14="http://schemas.microsoft.com/office/drawing/2010/main" Requires="a14">
+      <mc:AlternateContent xmlns:mc="http://schemas.openxmlformats.org/markup-compatibility/2006" xmlns:a14="http://schemas.microsoft.com/office/drawing/2010/main">
+        <mc:Choice Requires="a14">
           <p:sp>
             <p:nvSpPr>
               <p:cNvPr id="4" name="TextBox 3">
@@ -25078,6 +25086,7 @@
                 </a:endParaRPr>
               </a:p>
               <a:p>
+                <a:pPr/>
                 <a14:m>
                   <m:oMathPara xmlns:m="http://schemas.openxmlformats.org/officeDocument/2006/math">
                     <m:oMathParaPr>
@@ -25156,6 +25165,7 @@
                 </a:endParaRPr>
               </a:p>
               <a:p>
+                <a:pPr/>
                 <a14:m>
                   <m:oMathPara xmlns:m="http://schemas.openxmlformats.org/officeDocument/2006/math">
                     <m:oMathParaPr>
@@ -25288,7 +25298,6 @@
                 </a:endParaRPr>
               </a:p>
               <a:p>
-                <a:pPr/>
                 <a:r>
                   <a:rPr lang="en-US" dirty="0">
                     <a:solidFill>
@@ -25330,7 +25339,7 @@
             </p:txBody>
           </p:sp>
         </mc:Choice>
-        <mc:Fallback>
+        <mc:Fallback xmlns="">
           <p:sp>
             <p:nvSpPr>
               <p:cNvPr id="4" name="TextBox 3">

--- a/Lectures/Lecture 2/Lecture 2.pptx
+++ b/Lectures/Lecture 2/Lecture 2.pptx
@@ -9,8 +9,8 @@
     <p:sldId id="257" r:id="rId3"/>
     <p:sldId id="259" r:id="rId4"/>
     <p:sldId id="260" r:id="rId5"/>
-    <p:sldId id="263" r:id="rId6"/>
-    <p:sldId id="261" r:id="rId7"/>
+    <p:sldId id="261" r:id="rId6"/>
+    <p:sldId id="263" r:id="rId7"/>
     <p:sldId id="262" r:id="rId8"/>
     <p:sldId id="264" r:id="rId9"/>
     <p:sldId id="265" r:id="rId10"/>
@@ -19,7 +19,10 @@
     <p:sldId id="268" r:id="rId13"/>
     <p:sldId id="270" r:id="rId14"/>
     <p:sldId id="269" r:id="rId15"/>
-    <p:sldId id="258" r:id="rId16"/>
+    <p:sldId id="271" r:id="rId16"/>
+    <p:sldId id="272" r:id="rId17"/>
+    <p:sldId id="273" r:id="rId18"/>
+    <p:sldId id="258" r:id="rId19"/>
   </p:sldIdLst>
   <p:sldSz cx="12192000" cy="6858000"/>
   <p:notesSz cx="6858000" cy="9144000"/>
@@ -273,7 +276,7 @@
           <a:p>
             <a:fld id="{11C4ABE2-2F1A-4C31-A43A-C3E7CE49CE95}" type="datetimeFigureOut">
               <a:rPr lang="en-US" smtClean="0"/>
-              <a:t>1/14/2020</a:t>
+              <a:t>1/24/2021</a:t>
             </a:fld>
             <a:endParaRPr lang="en-US"/>
           </a:p>
@@ -471,7 +474,7 @@
           <a:p>
             <a:fld id="{11C4ABE2-2F1A-4C31-A43A-C3E7CE49CE95}" type="datetimeFigureOut">
               <a:rPr lang="en-US" smtClean="0"/>
-              <a:t>1/14/2020</a:t>
+              <a:t>1/24/2021</a:t>
             </a:fld>
             <a:endParaRPr lang="en-US"/>
           </a:p>
@@ -679,7 +682,7 @@
           <a:p>
             <a:fld id="{11C4ABE2-2F1A-4C31-A43A-C3E7CE49CE95}" type="datetimeFigureOut">
               <a:rPr lang="en-US" smtClean="0"/>
-              <a:t>1/14/2020</a:t>
+              <a:t>1/24/2021</a:t>
             </a:fld>
             <a:endParaRPr lang="en-US"/>
           </a:p>
@@ -877,7 +880,7 @@
           <a:p>
             <a:fld id="{11C4ABE2-2F1A-4C31-A43A-C3E7CE49CE95}" type="datetimeFigureOut">
               <a:rPr lang="en-US" smtClean="0"/>
-              <a:t>1/14/2020</a:t>
+              <a:t>1/24/2021</a:t>
             </a:fld>
             <a:endParaRPr lang="en-US"/>
           </a:p>
@@ -1152,7 +1155,7 @@
           <a:p>
             <a:fld id="{11C4ABE2-2F1A-4C31-A43A-C3E7CE49CE95}" type="datetimeFigureOut">
               <a:rPr lang="en-US" smtClean="0"/>
-              <a:t>1/14/2020</a:t>
+              <a:t>1/24/2021</a:t>
             </a:fld>
             <a:endParaRPr lang="en-US"/>
           </a:p>
@@ -1417,7 +1420,7 @@
           <a:p>
             <a:fld id="{11C4ABE2-2F1A-4C31-A43A-C3E7CE49CE95}" type="datetimeFigureOut">
               <a:rPr lang="en-US" smtClean="0"/>
-              <a:t>1/14/2020</a:t>
+              <a:t>1/24/2021</a:t>
             </a:fld>
             <a:endParaRPr lang="en-US"/>
           </a:p>
@@ -1829,7 +1832,7 @@
           <a:p>
             <a:fld id="{11C4ABE2-2F1A-4C31-A43A-C3E7CE49CE95}" type="datetimeFigureOut">
               <a:rPr lang="en-US" smtClean="0"/>
-              <a:t>1/14/2020</a:t>
+              <a:t>1/24/2021</a:t>
             </a:fld>
             <a:endParaRPr lang="en-US"/>
           </a:p>
@@ -1970,7 +1973,7 @@
           <a:p>
             <a:fld id="{11C4ABE2-2F1A-4C31-A43A-C3E7CE49CE95}" type="datetimeFigureOut">
               <a:rPr lang="en-US" smtClean="0"/>
-              <a:t>1/14/2020</a:t>
+              <a:t>1/24/2021</a:t>
             </a:fld>
             <a:endParaRPr lang="en-US"/>
           </a:p>
@@ -2083,7 +2086,7 @@
           <a:p>
             <a:fld id="{11C4ABE2-2F1A-4C31-A43A-C3E7CE49CE95}" type="datetimeFigureOut">
               <a:rPr lang="en-US" smtClean="0"/>
-              <a:t>1/14/2020</a:t>
+              <a:t>1/24/2021</a:t>
             </a:fld>
             <a:endParaRPr lang="en-US"/>
           </a:p>
@@ -2394,7 +2397,7 @@
           <a:p>
             <a:fld id="{11C4ABE2-2F1A-4C31-A43A-C3E7CE49CE95}" type="datetimeFigureOut">
               <a:rPr lang="en-US" smtClean="0"/>
-              <a:t>1/14/2020</a:t>
+              <a:t>1/24/2021</a:t>
             </a:fld>
             <a:endParaRPr lang="en-US"/>
           </a:p>
@@ -2682,7 +2685,7 @@
           <a:p>
             <a:fld id="{11C4ABE2-2F1A-4C31-A43A-C3E7CE49CE95}" type="datetimeFigureOut">
               <a:rPr lang="en-US" smtClean="0"/>
-              <a:t>1/14/2020</a:t>
+              <a:t>1/24/2021</a:t>
             </a:fld>
             <a:endParaRPr lang="en-US"/>
           </a:p>
@@ -2923,7 +2926,7 @@
           <a:p>
             <a:fld id="{11C4ABE2-2F1A-4C31-A43A-C3E7CE49CE95}" type="datetimeFigureOut">
               <a:rPr lang="en-US" smtClean="0"/>
-              <a:t>1/14/2020</a:t>
+              <a:t>1/24/2021</a:t>
             </a:fld>
             <a:endParaRPr lang="en-US"/>
           </a:p>
@@ -13473,6 +13476,3237 @@
 <file path=ppt/slides/slide15.xml><?xml version="1.0" encoding="utf-8"?>
 <p:sld xmlns:a="http://schemas.openxmlformats.org/drawingml/2006/main" xmlns:r="http://schemas.openxmlformats.org/officeDocument/2006/relationships" xmlns:p="http://schemas.openxmlformats.org/presentationml/2006/main">
   <p:cSld>
+    <p:spTree>
+      <p:nvGrpSpPr>
+        <p:cNvPr id="1" name=""/>
+        <p:cNvGrpSpPr/>
+        <p:nvPr/>
+      </p:nvGrpSpPr>
+      <p:grpSpPr>
+        <a:xfrm>
+          <a:off x="0" y="0"/>
+          <a:ext cx="0" cy="0"/>
+          <a:chOff x="0" y="0"/>
+          <a:chExt cx="0" cy="0"/>
+        </a:xfrm>
+      </p:grpSpPr>
+      <p:sp>
+        <p:nvSpPr>
+          <p:cNvPr id="28" name="Rectangle 27">
+            <a:extLst>
+              <a:ext uri="{FF2B5EF4-FFF2-40B4-BE49-F238E27FC236}">
+                <a16:creationId xmlns:a16="http://schemas.microsoft.com/office/drawing/2014/main" id="{1568D3DA-67F7-464C-95FF-D7D56F4038D6}"/>
+              </a:ext>
+            </a:extLst>
+          </p:cNvPr>
+          <p:cNvSpPr/>
+          <p:nvPr/>
+        </p:nvSpPr>
+        <p:spPr>
+          <a:xfrm rot="19800000">
+            <a:off x="-597297" y="674901"/>
+            <a:ext cx="4026751" cy="269178"/>
+          </a:xfrm>
+          <a:prstGeom prst="rect">
+            <a:avLst/>
+          </a:prstGeom>
+          <a:solidFill>
+            <a:srgbClr val="A71B86"/>
+          </a:solidFill>
+          <a:ln>
+            <a:noFill/>
+          </a:ln>
+        </p:spPr>
+        <p:style>
+          <a:lnRef idx="2">
+            <a:schemeClr val="accent1">
+              <a:shade val="50000"/>
+            </a:schemeClr>
+          </a:lnRef>
+          <a:fillRef idx="1">
+            <a:schemeClr val="accent1"/>
+          </a:fillRef>
+          <a:effectRef idx="0">
+            <a:schemeClr val="accent1"/>
+          </a:effectRef>
+          <a:fontRef idx="minor">
+            <a:schemeClr val="lt1"/>
+          </a:fontRef>
+        </p:style>
+        <p:txBody>
+          <a:bodyPr rtlCol="0" anchor="ctr"/>
+          <a:lstStyle/>
+          <a:p>
+            <a:pPr algn="ctr"/>
+            <a:endParaRPr lang="en-US"/>
+          </a:p>
+        </p:txBody>
+      </p:sp>
+      <p:pic>
+        <p:nvPicPr>
+          <p:cNvPr id="11" name="Picture 10" descr="A large body of water&#10;&#10;Description automatically generated">
+            <a:extLst>
+              <a:ext uri="{FF2B5EF4-FFF2-40B4-BE49-F238E27FC236}">
+                <a16:creationId xmlns:a16="http://schemas.microsoft.com/office/drawing/2014/main" id="{B83B0471-BE25-41B4-B185-53BEB6528B89}"/>
+              </a:ext>
+            </a:extLst>
+          </p:cNvPr>
+          <p:cNvPicPr>
+            <a:picLocks noChangeAspect="1"/>
+          </p:cNvPicPr>
+          <p:nvPr/>
+        </p:nvPicPr>
+        <p:blipFill rotWithShape="1">
+          <a:blip r:embed="rId2">
+            <a:alphaModFix amt="20000"/>
+            <a:extLst>
+              <a:ext uri="{28A0092B-C50C-407E-A947-70E740481C1C}">
+                <a14:useLocalDpi xmlns:a14="http://schemas.microsoft.com/office/drawing/2010/main" val="0"/>
+              </a:ext>
+            </a:extLst>
+          </a:blip>
+          <a:srcRect t="34654" b="43573"/>
+          <a:stretch/>
+        </p:blipFill>
+        <p:spPr>
+          <a:xfrm>
+            <a:off x="773935" y="442465"/>
+            <a:ext cx="9018070" cy="1308226"/>
+          </a:xfrm>
+          <a:prstGeom prst="rect">
+            <a:avLst/>
+          </a:prstGeom>
+        </p:spPr>
+      </p:pic>
+      <p:sp>
+        <p:nvSpPr>
+          <p:cNvPr id="34" name="Rectangle 33">
+            <a:extLst>
+              <a:ext uri="{FF2B5EF4-FFF2-40B4-BE49-F238E27FC236}">
+                <a16:creationId xmlns:a16="http://schemas.microsoft.com/office/drawing/2014/main" id="{BFE7775A-1FAD-4E84-8B9E-DA4B39640B5E}"/>
+              </a:ext>
+            </a:extLst>
+          </p:cNvPr>
+          <p:cNvSpPr/>
+          <p:nvPr/>
+        </p:nvSpPr>
+        <p:spPr>
+          <a:xfrm rot="19800000">
+            <a:off x="9089102" y="5937184"/>
+            <a:ext cx="4026751" cy="269178"/>
+          </a:xfrm>
+          <a:prstGeom prst="rect">
+            <a:avLst/>
+          </a:prstGeom>
+          <a:solidFill>
+            <a:srgbClr val="A71B86"/>
+          </a:solidFill>
+          <a:ln>
+            <a:noFill/>
+          </a:ln>
+        </p:spPr>
+        <p:style>
+          <a:lnRef idx="2">
+            <a:schemeClr val="accent1">
+              <a:shade val="50000"/>
+            </a:schemeClr>
+          </a:lnRef>
+          <a:fillRef idx="1">
+            <a:schemeClr val="accent1"/>
+          </a:fillRef>
+          <a:effectRef idx="0">
+            <a:schemeClr val="accent1"/>
+          </a:effectRef>
+          <a:fontRef idx="minor">
+            <a:schemeClr val="lt1"/>
+          </a:fontRef>
+        </p:style>
+        <p:txBody>
+          <a:bodyPr rtlCol="0" anchor="ctr"/>
+          <a:lstStyle/>
+          <a:p>
+            <a:pPr algn="ctr"/>
+            <a:endParaRPr lang="en-US"/>
+          </a:p>
+        </p:txBody>
+      </p:sp>
+      <p:sp>
+        <p:nvSpPr>
+          <p:cNvPr id="2" name="Title 1">
+            <a:extLst>
+              <a:ext uri="{FF2B5EF4-FFF2-40B4-BE49-F238E27FC236}">
+                <a16:creationId xmlns:a16="http://schemas.microsoft.com/office/drawing/2014/main" id="{95D79E09-6E77-4F87-B358-F18D99FA343D}"/>
+              </a:ext>
+            </a:extLst>
+          </p:cNvPr>
+          <p:cNvSpPr>
+            <a:spLocks noGrp="1"/>
+          </p:cNvSpPr>
+          <p:nvPr>
+            <p:ph type="title"/>
+          </p:nvPr>
+        </p:nvSpPr>
+        <p:spPr>
+          <a:xfrm>
+            <a:off x="773934" y="425128"/>
+            <a:ext cx="9018070" cy="1325563"/>
+          </a:xfrm>
+          <a:noFill/>
+          <a:ln w="76200">
+            <a:solidFill>
+              <a:srgbClr val="11B29F"/>
+            </a:solidFill>
+          </a:ln>
+        </p:spPr>
+        <p:txBody>
+          <a:bodyPr/>
+          <a:lstStyle/>
+          <a:p>
+            <a:pPr algn="ctr"/>
+            <a:r>
+              <a:rPr lang="en-US" dirty="0">
+                <a:solidFill>
+                  <a:srgbClr val="404040"/>
+                </a:solidFill>
+                <a:latin typeface="Bodoni MT" panose="02070603080606020203" pitchFamily="18" charset="0"/>
+              </a:rPr>
+              <a:t>Using Desmos</a:t>
+            </a:r>
+          </a:p>
+        </p:txBody>
+      </p:sp>
+      <p:pic>
+        <p:nvPicPr>
+          <p:cNvPr id="5" name="Content Placeholder 4" descr="A picture containing cage&#10;&#10;Description automatically generated">
+            <a:extLst>
+              <a:ext uri="{FF2B5EF4-FFF2-40B4-BE49-F238E27FC236}">
+                <a16:creationId xmlns:a16="http://schemas.microsoft.com/office/drawing/2014/main" id="{EF817497-4F98-4236-83EE-74FD8376B077}"/>
+              </a:ext>
+            </a:extLst>
+          </p:cNvPr>
+          <p:cNvPicPr>
+            <a:picLocks noGrp="1" noChangeAspect="1"/>
+          </p:cNvPicPr>
+          <p:nvPr>
+            <p:ph idx="1"/>
+          </p:nvPr>
+        </p:nvPicPr>
+        <p:blipFill>
+          <a:blip r:embed="rId3">
+            <a:extLst>
+              <a:ext uri="{28A0092B-C50C-407E-A947-70E740481C1C}">
+                <a14:useLocalDpi xmlns:a14="http://schemas.microsoft.com/office/drawing/2010/main" val="0"/>
+              </a:ext>
+            </a:extLst>
+          </a:blip>
+          <a:stretch>
+            <a:fillRect/>
+          </a:stretch>
+        </p:blipFill>
+        <p:spPr>
+          <a:xfrm>
+            <a:off x="9887140" y="47697"/>
+            <a:ext cx="2143125" cy="2143125"/>
+          </a:xfrm>
+        </p:spPr>
+      </p:pic>
+      <p:sp>
+        <p:nvSpPr>
+          <p:cNvPr id="17" name="Rectangle 16">
+            <a:extLst>
+              <a:ext uri="{FF2B5EF4-FFF2-40B4-BE49-F238E27FC236}">
+                <a16:creationId xmlns:a16="http://schemas.microsoft.com/office/drawing/2014/main" id="{C723ED3C-F5E6-4121-9EF2-DD9574E1A49F}"/>
+              </a:ext>
+            </a:extLst>
+          </p:cNvPr>
+          <p:cNvSpPr/>
+          <p:nvPr/>
+        </p:nvSpPr>
+        <p:spPr>
+          <a:xfrm>
+            <a:off x="10085294" y="2008116"/>
+            <a:ext cx="1776920" cy="76178"/>
+          </a:xfrm>
+          <a:prstGeom prst="rect">
+            <a:avLst/>
+          </a:prstGeom>
+          <a:solidFill>
+            <a:srgbClr val="11B29F"/>
+          </a:solidFill>
+          <a:ln>
+            <a:noFill/>
+          </a:ln>
+        </p:spPr>
+        <p:style>
+          <a:lnRef idx="2">
+            <a:schemeClr val="accent1">
+              <a:shade val="50000"/>
+            </a:schemeClr>
+          </a:lnRef>
+          <a:fillRef idx="1">
+            <a:schemeClr val="accent1"/>
+          </a:fillRef>
+          <a:effectRef idx="0">
+            <a:schemeClr val="accent1"/>
+          </a:effectRef>
+          <a:fontRef idx="minor">
+            <a:schemeClr val="lt1"/>
+          </a:fontRef>
+        </p:style>
+        <p:txBody>
+          <a:bodyPr rtlCol="0" anchor="ctr"/>
+          <a:lstStyle/>
+          <a:p>
+            <a:pPr algn="ctr"/>
+            <a:endParaRPr lang="en-US"/>
+          </a:p>
+        </p:txBody>
+      </p:sp>
+      <p:sp>
+        <p:nvSpPr>
+          <p:cNvPr id="21" name="Rectangle 20">
+            <a:extLst>
+              <a:ext uri="{FF2B5EF4-FFF2-40B4-BE49-F238E27FC236}">
+                <a16:creationId xmlns:a16="http://schemas.microsoft.com/office/drawing/2014/main" id="{F9E0EC60-66D4-4536-A867-30142339BAA7}"/>
+              </a:ext>
+            </a:extLst>
+          </p:cNvPr>
+          <p:cNvSpPr/>
+          <p:nvPr/>
+        </p:nvSpPr>
+        <p:spPr>
+          <a:xfrm>
+            <a:off x="10085294" y="2129819"/>
+            <a:ext cx="1776920" cy="76178"/>
+          </a:xfrm>
+          <a:prstGeom prst="rect">
+            <a:avLst/>
+          </a:prstGeom>
+          <a:solidFill>
+            <a:srgbClr val="A71B86"/>
+          </a:solidFill>
+          <a:ln>
+            <a:noFill/>
+          </a:ln>
+        </p:spPr>
+        <p:style>
+          <a:lnRef idx="2">
+            <a:schemeClr val="accent1">
+              <a:shade val="50000"/>
+            </a:schemeClr>
+          </a:lnRef>
+          <a:fillRef idx="1">
+            <a:schemeClr val="accent1"/>
+          </a:fillRef>
+          <a:effectRef idx="0">
+            <a:schemeClr val="accent1"/>
+          </a:effectRef>
+          <a:fontRef idx="minor">
+            <a:schemeClr val="lt1"/>
+          </a:fontRef>
+        </p:style>
+        <p:txBody>
+          <a:bodyPr rtlCol="0" anchor="ctr"/>
+          <a:lstStyle/>
+          <a:p>
+            <a:pPr algn="ctr"/>
+            <a:endParaRPr lang="en-US"/>
+          </a:p>
+        </p:txBody>
+      </p:sp>
+      <p:sp>
+        <p:nvSpPr>
+          <p:cNvPr id="22" name="Rectangle 21">
+            <a:extLst>
+              <a:ext uri="{FF2B5EF4-FFF2-40B4-BE49-F238E27FC236}">
+                <a16:creationId xmlns:a16="http://schemas.microsoft.com/office/drawing/2014/main" id="{F95AED49-24A8-4D10-9D31-F944565EC1B2}"/>
+              </a:ext>
+            </a:extLst>
+          </p:cNvPr>
+          <p:cNvSpPr/>
+          <p:nvPr/>
+        </p:nvSpPr>
+        <p:spPr>
+          <a:xfrm>
+            <a:off x="10085294" y="2251522"/>
+            <a:ext cx="1776920" cy="150200"/>
+          </a:xfrm>
+          <a:prstGeom prst="rect">
+            <a:avLst/>
+          </a:prstGeom>
+          <a:solidFill>
+            <a:srgbClr val="11B29F"/>
+          </a:solidFill>
+          <a:ln>
+            <a:noFill/>
+          </a:ln>
+        </p:spPr>
+        <p:style>
+          <a:lnRef idx="2">
+            <a:schemeClr val="accent1">
+              <a:shade val="50000"/>
+            </a:schemeClr>
+          </a:lnRef>
+          <a:fillRef idx="1">
+            <a:schemeClr val="accent1"/>
+          </a:fillRef>
+          <a:effectRef idx="0">
+            <a:schemeClr val="accent1"/>
+          </a:effectRef>
+          <a:fontRef idx="minor">
+            <a:schemeClr val="lt1"/>
+          </a:fontRef>
+        </p:style>
+        <p:txBody>
+          <a:bodyPr rtlCol="0" anchor="ctr"/>
+          <a:lstStyle/>
+          <a:p>
+            <a:pPr algn="ctr"/>
+            <a:endParaRPr lang="en-US"/>
+          </a:p>
+        </p:txBody>
+      </p:sp>
+      <p:sp>
+        <p:nvSpPr>
+          <p:cNvPr id="24" name="Rectangle 23">
+            <a:extLst>
+              <a:ext uri="{FF2B5EF4-FFF2-40B4-BE49-F238E27FC236}">
+                <a16:creationId xmlns:a16="http://schemas.microsoft.com/office/drawing/2014/main" id="{993D5826-407C-4F65-BE3A-EB593B942A36}"/>
+              </a:ext>
+            </a:extLst>
+          </p:cNvPr>
+          <p:cNvSpPr/>
+          <p:nvPr/>
+        </p:nvSpPr>
+        <p:spPr>
+          <a:xfrm>
+            <a:off x="10085294" y="2447247"/>
+            <a:ext cx="1776920" cy="150200"/>
+          </a:xfrm>
+          <a:prstGeom prst="rect">
+            <a:avLst/>
+          </a:prstGeom>
+          <a:solidFill>
+            <a:srgbClr val="A71B86"/>
+          </a:solidFill>
+          <a:ln>
+            <a:noFill/>
+          </a:ln>
+        </p:spPr>
+        <p:style>
+          <a:lnRef idx="2">
+            <a:schemeClr val="accent1">
+              <a:shade val="50000"/>
+            </a:schemeClr>
+          </a:lnRef>
+          <a:fillRef idx="1">
+            <a:schemeClr val="accent1"/>
+          </a:fillRef>
+          <a:effectRef idx="0">
+            <a:schemeClr val="accent1"/>
+          </a:effectRef>
+          <a:fontRef idx="minor">
+            <a:schemeClr val="lt1"/>
+          </a:fontRef>
+        </p:style>
+        <p:txBody>
+          <a:bodyPr rtlCol="0" anchor="ctr"/>
+          <a:lstStyle/>
+          <a:p>
+            <a:pPr algn="ctr"/>
+            <a:endParaRPr lang="en-US"/>
+          </a:p>
+        </p:txBody>
+      </p:sp>
+      <p:sp>
+        <p:nvSpPr>
+          <p:cNvPr id="25" name="Rectangle 24">
+            <a:extLst>
+              <a:ext uri="{FF2B5EF4-FFF2-40B4-BE49-F238E27FC236}">
+                <a16:creationId xmlns:a16="http://schemas.microsoft.com/office/drawing/2014/main" id="{D2785A94-4D0B-4559-9303-3C963AA0EF9A}"/>
+              </a:ext>
+            </a:extLst>
+          </p:cNvPr>
+          <p:cNvSpPr/>
+          <p:nvPr/>
+        </p:nvSpPr>
+        <p:spPr>
+          <a:xfrm>
+            <a:off x="10085294" y="2642972"/>
+            <a:ext cx="1776920" cy="362446"/>
+          </a:xfrm>
+          <a:prstGeom prst="rect">
+            <a:avLst/>
+          </a:prstGeom>
+          <a:solidFill>
+            <a:srgbClr val="11B29F"/>
+          </a:solidFill>
+          <a:ln>
+            <a:noFill/>
+          </a:ln>
+        </p:spPr>
+        <p:style>
+          <a:lnRef idx="2">
+            <a:schemeClr val="accent1">
+              <a:shade val="50000"/>
+            </a:schemeClr>
+          </a:lnRef>
+          <a:fillRef idx="1">
+            <a:schemeClr val="accent1"/>
+          </a:fillRef>
+          <a:effectRef idx="0">
+            <a:schemeClr val="accent1"/>
+          </a:effectRef>
+          <a:fontRef idx="minor">
+            <a:schemeClr val="lt1"/>
+          </a:fontRef>
+        </p:style>
+        <p:txBody>
+          <a:bodyPr rtlCol="0" anchor="ctr"/>
+          <a:lstStyle/>
+          <a:p>
+            <a:pPr algn="ctr"/>
+            <a:endParaRPr lang="en-US"/>
+          </a:p>
+        </p:txBody>
+      </p:sp>
+      <p:sp>
+        <p:nvSpPr>
+          <p:cNvPr id="26" name="Rectangle 25">
+            <a:extLst>
+              <a:ext uri="{FF2B5EF4-FFF2-40B4-BE49-F238E27FC236}">
+                <a16:creationId xmlns:a16="http://schemas.microsoft.com/office/drawing/2014/main" id="{B235F2E9-4558-433D-9527-7EFF5C5E78A8}"/>
+              </a:ext>
+            </a:extLst>
+          </p:cNvPr>
+          <p:cNvSpPr/>
+          <p:nvPr/>
+        </p:nvSpPr>
+        <p:spPr>
+          <a:xfrm>
+            <a:off x="10085294" y="3050943"/>
+            <a:ext cx="1776920" cy="362446"/>
+          </a:xfrm>
+          <a:prstGeom prst="rect">
+            <a:avLst/>
+          </a:prstGeom>
+          <a:solidFill>
+            <a:srgbClr val="A71B86"/>
+          </a:solidFill>
+          <a:ln>
+            <a:noFill/>
+          </a:ln>
+        </p:spPr>
+        <p:style>
+          <a:lnRef idx="2">
+            <a:schemeClr val="accent1">
+              <a:shade val="50000"/>
+            </a:schemeClr>
+          </a:lnRef>
+          <a:fillRef idx="1">
+            <a:schemeClr val="accent1"/>
+          </a:fillRef>
+          <a:effectRef idx="0">
+            <a:schemeClr val="accent1"/>
+          </a:effectRef>
+          <a:fontRef idx="minor">
+            <a:schemeClr val="lt1"/>
+          </a:fontRef>
+        </p:style>
+        <p:txBody>
+          <a:bodyPr rtlCol="0" anchor="ctr"/>
+          <a:lstStyle/>
+          <a:p>
+            <a:pPr algn="ctr"/>
+            <a:endParaRPr lang="en-US"/>
+          </a:p>
+        </p:txBody>
+      </p:sp>
+      <p:sp>
+        <p:nvSpPr>
+          <p:cNvPr id="27" name="Rectangle 26">
+            <a:extLst>
+              <a:ext uri="{FF2B5EF4-FFF2-40B4-BE49-F238E27FC236}">
+                <a16:creationId xmlns:a16="http://schemas.microsoft.com/office/drawing/2014/main" id="{99613B87-411B-4008-BF30-F1A3B8F247B5}"/>
+              </a:ext>
+            </a:extLst>
+          </p:cNvPr>
+          <p:cNvSpPr/>
+          <p:nvPr/>
+        </p:nvSpPr>
+        <p:spPr>
+          <a:xfrm>
+            <a:off x="10085294" y="3490136"/>
+            <a:ext cx="1776920" cy="3367864"/>
+          </a:xfrm>
+          <a:prstGeom prst="rect">
+            <a:avLst/>
+          </a:prstGeom>
+          <a:solidFill>
+            <a:srgbClr val="11B29F"/>
+          </a:solidFill>
+          <a:ln>
+            <a:noFill/>
+          </a:ln>
+        </p:spPr>
+        <p:style>
+          <a:lnRef idx="2">
+            <a:schemeClr val="accent1">
+              <a:shade val="50000"/>
+            </a:schemeClr>
+          </a:lnRef>
+          <a:fillRef idx="1">
+            <a:schemeClr val="accent1"/>
+          </a:fillRef>
+          <a:effectRef idx="0">
+            <a:schemeClr val="accent1"/>
+          </a:effectRef>
+          <a:fontRef idx="minor">
+            <a:schemeClr val="lt1"/>
+          </a:fontRef>
+        </p:style>
+        <p:txBody>
+          <a:bodyPr rtlCol="0" anchor="ctr"/>
+          <a:lstStyle/>
+          <a:p>
+            <a:pPr algn="ctr"/>
+            <a:endParaRPr lang="en-US"/>
+          </a:p>
+        </p:txBody>
+      </p:sp>
+      <p:sp>
+        <p:nvSpPr>
+          <p:cNvPr id="32" name="Rectangle 31">
+            <a:extLst>
+              <a:ext uri="{FF2B5EF4-FFF2-40B4-BE49-F238E27FC236}">
+                <a16:creationId xmlns:a16="http://schemas.microsoft.com/office/drawing/2014/main" id="{145B3BD2-B1C1-4ED2-A4E0-5E17DD3736F1}"/>
+              </a:ext>
+            </a:extLst>
+          </p:cNvPr>
+          <p:cNvSpPr/>
+          <p:nvPr/>
+        </p:nvSpPr>
+        <p:spPr>
+          <a:xfrm rot="19800000">
+            <a:off x="-765351" y="385789"/>
+            <a:ext cx="4026751" cy="269178"/>
+          </a:xfrm>
+          <a:prstGeom prst="rect">
+            <a:avLst/>
+          </a:prstGeom>
+          <a:solidFill>
+            <a:srgbClr val="A71B86"/>
+          </a:solidFill>
+          <a:ln>
+            <a:noFill/>
+          </a:ln>
+        </p:spPr>
+        <p:style>
+          <a:lnRef idx="2">
+            <a:schemeClr val="accent1">
+              <a:shade val="50000"/>
+            </a:schemeClr>
+          </a:lnRef>
+          <a:fillRef idx="1">
+            <a:schemeClr val="accent1"/>
+          </a:fillRef>
+          <a:effectRef idx="0">
+            <a:schemeClr val="accent1"/>
+          </a:effectRef>
+          <a:fontRef idx="minor">
+            <a:schemeClr val="lt1"/>
+          </a:fontRef>
+        </p:style>
+        <p:txBody>
+          <a:bodyPr rtlCol="0" anchor="ctr"/>
+          <a:lstStyle/>
+          <a:p>
+            <a:pPr algn="ctr"/>
+            <a:endParaRPr lang="en-US"/>
+          </a:p>
+        </p:txBody>
+      </p:sp>
+      <p:sp>
+        <p:nvSpPr>
+          <p:cNvPr id="33" name="Rectangle 32">
+            <a:extLst>
+              <a:ext uri="{FF2B5EF4-FFF2-40B4-BE49-F238E27FC236}">
+                <a16:creationId xmlns:a16="http://schemas.microsoft.com/office/drawing/2014/main" id="{DC3B2826-65DD-408B-8F18-8CCD6C052D8D}"/>
+              </a:ext>
+            </a:extLst>
+          </p:cNvPr>
+          <p:cNvSpPr/>
+          <p:nvPr/>
+        </p:nvSpPr>
+        <p:spPr>
+          <a:xfrm rot="19800000">
+            <a:off x="9257156" y="6226296"/>
+            <a:ext cx="4026751" cy="269178"/>
+          </a:xfrm>
+          <a:prstGeom prst="rect">
+            <a:avLst/>
+          </a:prstGeom>
+          <a:solidFill>
+            <a:srgbClr val="A71B86"/>
+          </a:solidFill>
+          <a:ln>
+            <a:noFill/>
+          </a:ln>
+        </p:spPr>
+        <p:style>
+          <a:lnRef idx="2">
+            <a:schemeClr val="accent1">
+              <a:shade val="50000"/>
+            </a:schemeClr>
+          </a:lnRef>
+          <a:fillRef idx="1">
+            <a:schemeClr val="accent1"/>
+          </a:fillRef>
+          <a:effectRef idx="0">
+            <a:schemeClr val="accent1"/>
+          </a:effectRef>
+          <a:fontRef idx="minor">
+            <a:schemeClr val="lt1"/>
+          </a:fontRef>
+        </p:style>
+        <p:txBody>
+          <a:bodyPr rtlCol="0" anchor="ctr"/>
+          <a:lstStyle/>
+          <a:p>
+            <a:pPr algn="ctr"/>
+            <a:endParaRPr lang="en-US"/>
+          </a:p>
+        </p:txBody>
+      </p:sp>
+      <p:sp>
+        <p:nvSpPr>
+          <p:cNvPr id="35" name="Rectangle 34">
+            <a:extLst>
+              <a:ext uri="{FF2B5EF4-FFF2-40B4-BE49-F238E27FC236}">
+                <a16:creationId xmlns:a16="http://schemas.microsoft.com/office/drawing/2014/main" id="{4935F901-F632-4698-8C7A-AC29B2397A6C}"/>
+              </a:ext>
+            </a:extLst>
+          </p:cNvPr>
+          <p:cNvSpPr/>
+          <p:nvPr/>
+        </p:nvSpPr>
+        <p:spPr>
+          <a:xfrm rot="19800000">
+            <a:off x="8263809" y="5824178"/>
+            <a:ext cx="4731177" cy="269178"/>
+          </a:xfrm>
+          <a:prstGeom prst="rect">
+            <a:avLst/>
+          </a:prstGeom>
+          <a:solidFill>
+            <a:srgbClr val="A71B86"/>
+          </a:solidFill>
+          <a:ln>
+            <a:noFill/>
+          </a:ln>
+        </p:spPr>
+        <p:style>
+          <a:lnRef idx="2">
+            <a:schemeClr val="accent1">
+              <a:shade val="50000"/>
+            </a:schemeClr>
+          </a:lnRef>
+          <a:fillRef idx="1">
+            <a:schemeClr val="accent1"/>
+          </a:fillRef>
+          <a:effectRef idx="0">
+            <a:schemeClr val="accent1"/>
+          </a:effectRef>
+          <a:fontRef idx="minor">
+            <a:schemeClr val="lt1"/>
+          </a:fontRef>
+        </p:style>
+        <p:txBody>
+          <a:bodyPr rtlCol="0" anchor="ctr"/>
+          <a:lstStyle/>
+          <a:p>
+            <a:pPr algn="ctr"/>
+            <a:endParaRPr lang="en-US"/>
+          </a:p>
+        </p:txBody>
+      </p:sp>
+      <p:sp>
+        <p:nvSpPr>
+          <p:cNvPr id="36" name="TextBox 35">
+            <a:extLst>
+              <a:ext uri="{FF2B5EF4-FFF2-40B4-BE49-F238E27FC236}">
+                <a16:creationId xmlns:a16="http://schemas.microsoft.com/office/drawing/2014/main" id="{389720C5-6DCB-428D-8C4F-A02DEC239333}"/>
+              </a:ext>
+            </a:extLst>
+          </p:cNvPr>
+          <p:cNvSpPr txBox="1"/>
+          <p:nvPr/>
+        </p:nvSpPr>
+        <p:spPr>
+          <a:xfrm>
+            <a:off x="838199" y="1957466"/>
+            <a:ext cx="8953805" cy="2246769"/>
+          </a:xfrm>
+          <a:prstGeom prst="rect">
+            <a:avLst/>
+          </a:prstGeom>
+          <a:noFill/>
+        </p:spPr>
+        <p:txBody>
+          <a:bodyPr wrap="square" rtlCol="0">
+            <a:spAutoFit/>
+          </a:bodyPr>
+          <a:lstStyle/>
+          <a:p>
+            <a:pPr marL="285750" indent="-285750">
+              <a:buFont typeface="Arial" panose="020B0604020202020204" pitchFamily="34" charset="0"/>
+              <a:buChar char="•"/>
+            </a:pPr>
+            <a:r>
+              <a:rPr lang="en-US" sz="2000" dirty="0">
+                <a:solidFill>
+                  <a:srgbClr val="404040"/>
+                </a:solidFill>
+                <a:latin typeface="Corbel" panose="020B0503020204020204" pitchFamily="34" charset="0"/>
+              </a:rPr>
+              <a:t>Use Link Provided on Course Website for </a:t>
+            </a:r>
+            <a:r>
+              <a:rPr lang="en-US" sz="2000" dirty="0">
+                <a:solidFill>
+                  <a:srgbClr val="A71B86"/>
+                </a:solidFill>
+                <a:latin typeface="Corbel" panose="020B0503020204020204" pitchFamily="34" charset="0"/>
+              </a:rPr>
+              <a:t>Online Graphing Calculator</a:t>
+            </a:r>
+          </a:p>
+          <a:p>
+            <a:pPr marL="285750" indent="-285750">
+              <a:buFont typeface="Arial" panose="020B0604020202020204" pitchFamily="34" charset="0"/>
+              <a:buChar char="•"/>
+            </a:pPr>
+            <a:endParaRPr lang="en-US" sz="2000" dirty="0">
+              <a:solidFill>
+                <a:srgbClr val="A71B86"/>
+              </a:solidFill>
+              <a:latin typeface="Corbel" panose="020B0503020204020204" pitchFamily="34" charset="0"/>
+            </a:endParaRPr>
+          </a:p>
+          <a:p>
+            <a:pPr marL="285750" indent="-285750">
+              <a:buFont typeface="Arial" panose="020B0604020202020204" pitchFamily="34" charset="0"/>
+              <a:buChar char="•"/>
+            </a:pPr>
+            <a:r>
+              <a:rPr lang="en-US" sz="2000" dirty="0">
+                <a:latin typeface="Corbel" panose="020B0503020204020204" pitchFamily="34" charset="0"/>
+              </a:rPr>
+              <a:t>Start with a Blank Coordinate Plane and Zoom Out as Necessary </a:t>
+            </a:r>
+          </a:p>
+          <a:p>
+            <a:pPr marL="285750" indent="-285750">
+              <a:buFont typeface="Arial" panose="020B0604020202020204" pitchFamily="34" charset="0"/>
+              <a:buChar char="•"/>
+            </a:pPr>
+            <a:endParaRPr lang="en-US" sz="2000" dirty="0">
+              <a:solidFill>
+                <a:srgbClr val="404040"/>
+              </a:solidFill>
+              <a:latin typeface="Corbel" panose="020B0503020204020204" pitchFamily="34" charset="0"/>
+            </a:endParaRPr>
+          </a:p>
+          <a:p>
+            <a:pPr marL="742950" lvl="1" indent="-285750">
+              <a:buFont typeface="Arial" panose="020B0604020202020204" pitchFamily="34" charset="0"/>
+              <a:buChar char="•"/>
+            </a:pPr>
+            <a:endParaRPr lang="en-US" sz="2000" dirty="0">
+              <a:solidFill>
+                <a:srgbClr val="404040"/>
+              </a:solidFill>
+              <a:latin typeface="Corbel" panose="020B0503020204020204" pitchFamily="34" charset="0"/>
+            </a:endParaRPr>
+          </a:p>
+          <a:p>
+            <a:pPr marL="285750" indent="-285750">
+              <a:buFont typeface="Arial" panose="020B0604020202020204" pitchFamily="34" charset="0"/>
+              <a:buChar char="•"/>
+            </a:pPr>
+            <a:endParaRPr lang="en-US" sz="2000" dirty="0">
+              <a:solidFill>
+                <a:srgbClr val="A71B86"/>
+              </a:solidFill>
+              <a:latin typeface="Corbel" panose="020B0503020204020204" pitchFamily="34" charset="0"/>
+            </a:endParaRPr>
+          </a:p>
+          <a:p>
+            <a:pPr marL="285750" indent="-285750">
+              <a:buFont typeface="Arial" panose="020B0604020202020204" pitchFamily="34" charset="0"/>
+              <a:buChar char="•"/>
+            </a:pPr>
+            <a:endParaRPr lang="en-US" sz="2000" dirty="0">
+              <a:solidFill>
+                <a:srgbClr val="A71B86"/>
+              </a:solidFill>
+              <a:latin typeface="Corbel" panose="020B0503020204020204" pitchFamily="34" charset="0"/>
+            </a:endParaRPr>
+          </a:p>
+        </p:txBody>
+      </p:sp>
+      <p:pic>
+        <p:nvPicPr>
+          <p:cNvPr id="37" name="Graphic 36" descr="Palm tree">
+            <a:extLst>
+              <a:ext uri="{FF2B5EF4-FFF2-40B4-BE49-F238E27FC236}">
+                <a16:creationId xmlns:a16="http://schemas.microsoft.com/office/drawing/2014/main" id="{79F2EC1B-9713-4CCF-8301-82ED265F3940}"/>
+              </a:ext>
+            </a:extLst>
+          </p:cNvPr>
+          <p:cNvPicPr>
+            <a:picLocks noChangeAspect="1"/>
+          </p:cNvPicPr>
+          <p:nvPr/>
+        </p:nvPicPr>
+        <p:blipFill>
+          <a:blip r:embed="rId4">
+            <a:extLst>
+              <a:ext uri="{28A0092B-C50C-407E-A947-70E740481C1C}">
+                <a14:useLocalDpi xmlns:a14="http://schemas.microsoft.com/office/drawing/2010/main" val="0"/>
+              </a:ext>
+              <a:ext uri="{96DAC541-7B7A-43D3-8B79-37D633B846F1}">
+                <asvg:svgBlip xmlns:asvg="http://schemas.microsoft.com/office/drawing/2016/SVG/main" r:embed="rId5"/>
+              </a:ext>
+            </a:extLst>
+          </a:blip>
+          <a:stretch>
+            <a:fillRect/>
+          </a:stretch>
+        </p:blipFill>
+        <p:spPr>
+          <a:xfrm>
+            <a:off x="8964994" y="809490"/>
+            <a:ext cx="914400" cy="914400"/>
+          </a:xfrm>
+          <a:prstGeom prst="rect">
+            <a:avLst/>
+          </a:prstGeom>
+        </p:spPr>
+      </p:pic>
+      <p:pic>
+        <p:nvPicPr>
+          <p:cNvPr id="38" name="Graphic 37" descr="Palm tree">
+            <a:extLst>
+              <a:ext uri="{FF2B5EF4-FFF2-40B4-BE49-F238E27FC236}">
+                <a16:creationId xmlns:a16="http://schemas.microsoft.com/office/drawing/2014/main" id="{11C9CA6F-B5F0-4837-8E50-85C201ADA4F1}"/>
+              </a:ext>
+            </a:extLst>
+          </p:cNvPr>
+          <p:cNvPicPr>
+            <a:picLocks noChangeAspect="1"/>
+          </p:cNvPicPr>
+          <p:nvPr/>
+        </p:nvPicPr>
+        <p:blipFill>
+          <a:blip r:embed="rId4">
+            <a:extLst>
+              <a:ext uri="{28A0092B-C50C-407E-A947-70E740481C1C}">
+                <a14:useLocalDpi xmlns:a14="http://schemas.microsoft.com/office/drawing/2010/main" val="0"/>
+              </a:ext>
+              <a:ext uri="{96DAC541-7B7A-43D3-8B79-37D633B846F1}">
+                <asvg:svgBlip xmlns:asvg="http://schemas.microsoft.com/office/drawing/2016/SVG/main" r:embed="rId5"/>
+              </a:ext>
+            </a:extLst>
+          </a:blip>
+          <a:stretch>
+            <a:fillRect/>
+          </a:stretch>
+        </p:blipFill>
+        <p:spPr>
+          <a:xfrm>
+            <a:off x="8834542" y="1142112"/>
+            <a:ext cx="553133" cy="553133"/>
+          </a:xfrm>
+          <a:prstGeom prst="rect">
+            <a:avLst/>
+          </a:prstGeom>
+        </p:spPr>
+      </p:pic>
+      <p:pic>
+        <p:nvPicPr>
+          <p:cNvPr id="39" name="Graphic 38" descr="Palm tree">
+            <a:extLst>
+              <a:ext uri="{FF2B5EF4-FFF2-40B4-BE49-F238E27FC236}">
+                <a16:creationId xmlns:a16="http://schemas.microsoft.com/office/drawing/2014/main" id="{585AC1AD-01C8-4E2D-8361-4BEA62A48584}"/>
+              </a:ext>
+            </a:extLst>
+          </p:cNvPr>
+          <p:cNvPicPr>
+            <a:picLocks noChangeAspect="1"/>
+          </p:cNvPicPr>
+          <p:nvPr/>
+        </p:nvPicPr>
+        <p:blipFill>
+          <a:blip r:embed="rId4">
+            <a:extLst>
+              <a:ext uri="{28A0092B-C50C-407E-A947-70E740481C1C}">
+                <a14:useLocalDpi xmlns:a14="http://schemas.microsoft.com/office/drawing/2010/main" val="0"/>
+              </a:ext>
+              <a:ext uri="{96DAC541-7B7A-43D3-8B79-37D633B846F1}">
+                <asvg:svgBlip xmlns:asvg="http://schemas.microsoft.com/office/drawing/2016/SVG/main" r:embed="rId5"/>
+              </a:ext>
+            </a:extLst>
+          </a:blip>
+          <a:stretch>
+            <a:fillRect/>
+          </a:stretch>
+        </p:blipFill>
+        <p:spPr>
+          <a:xfrm>
+            <a:off x="9387675" y="1277468"/>
+            <a:ext cx="404329" cy="404329"/>
+          </a:xfrm>
+          <a:prstGeom prst="rect">
+            <a:avLst/>
+          </a:prstGeom>
+        </p:spPr>
+      </p:pic>
+      <p:pic>
+        <p:nvPicPr>
+          <p:cNvPr id="8" name="Picture 7">
+            <a:extLst>
+              <a:ext uri="{FF2B5EF4-FFF2-40B4-BE49-F238E27FC236}">
+                <a16:creationId xmlns:a16="http://schemas.microsoft.com/office/drawing/2014/main" id="{92EBFE42-7EA7-4C03-85FE-B20E7840DD2C}"/>
+              </a:ext>
+            </a:extLst>
+          </p:cNvPr>
+          <p:cNvPicPr>
+            <a:picLocks noChangeAspect="1"/>
+          </p:cNvPicPr>
+          <p:nvPr/>
+        </p:nvPicPr>
+        <p:blipFill>
+          <a:blip r:embed="rId6"/>
+          <a:stretch>
+            <a:fillRect/>
+          </a:stretch>
+        </p:blipFill>
+        <p:spPr>
+          <a:xfrm>
+            <a:off x="1248024" y="3080850"/>
+            <a:ext cx="7342907" cy="3542177"/>
+          </a:xfrm>
+          <a:prstGeom prst="rect">
+            <a:avLst/>
+          </a:prstGeom>
+          <a:ln w="38100">
+            <a:solidFill>
+              <a:srgbClr val="11B29F"/>
+            </a:solidFill>
+          </a:ln>
+        </p:spPr>
+      </p:pic>
+    </p:spTree>
+    <p:extLst>
+      <p:ext uri="{BB962C8B-B14F-4D97-AF65-F5344CB8AC3E}">
+        <p14:creationId xmlns:p14="http://schemas.microsoft.com/office/powerpoint/2010/main" val="1687263301"/>
+      </p:ext>
+    </p:extLst>
+  </p:cSld>
+  <p:clrMapOvr>
+    <a:masterClrMapping/>
+  </p:clrMapOvr>
+</p:sld>
+</file>
+
+<file path=ppt/slides/slide16.xml><?xml version="1.0" encoding="utf-8"?>
+<p:sld xmlns:a="http://schemas.openxmlformats.org/drawingml/2006/main" xmlns:r="http://schemas.openxmlformats.org/officeDocument/2006/relationships" xmlns:p="http://schemas.openxmlformats.org/presentationml/2006/main">
+  <p:cSld>
+    <p:spTree>
+      <p:nvGrpSpPr>
+        <p:cNvPr id="1" name=""/>
+        <p:cNvGrpSpPr/>
+        <p:nvPr/>
+      </p:nvGrpSpPr>
+      <p:grpSpPr>
+        <a:xfrm>
+          <a:off x="0" y="0"/>
+          <a:ext cx="0" cy="0"/>
+          <a:chOff x="0" y="0"/>
+          <a:chExt cx="0" cy="0"/>
+        </a:xfrm>
+      </p:grpSpPr>
+      <p:sp>
+        <p:nvSpPr>
+          <p:cNvPr id="28" name="Rectangle 27">
+            <a:extLst>
+              <a:ext uri="{FF2B5EF4-FFF2-40B4-BE49-F238E27FC236}">
+                <a16:creationId xmlns:a16="http://schemas.microsoft.com/office/drawing/2014/main" id="{1568D3DA-67F7-464C-95FF-D7D56F4038D6}"/>
+              </a:ext>
+            </a:extLst>
+          </p:cNvPr>
+          <p:cNvSpPr/>
+          <p:nvPr/>
+        </p:nvSpPr>
+        <p:spPr>
+          <a:xfrm rot="19800000">
+            <a:off x="-597297" y="674901"/>
+            <a:ext cx="4026751" cy="269178"/>
+          </a:xfrm>
+          <a:prstGeom prst="rect">
+            <a:avLst/>
+          </a:prstGeom>
+          <a:solidFill>
+            <a:srgbClr val="A71B86"/>
+          </a:solidFill>
+          <a:ln>
+            <a:noFill/>
+          </a:ln>
+        </p:spPr>
+        <p:style>
+          <a:lnRef idx="2">
+            <a:schemeClr val="accent1">
+              <a:shade val="50000"/>
+            </a:schemeClr>
+          </a:lnRef>
+          <a:fillRef idx="1">
+            <a:schemeClr val="accent1"/>
+          </a:fillRef>
+          <a:effectRef idx="0">
+            <a:schemeClr val="accent1"/>
+          </a:effectRef>
+          <a:fontRef idx="minor">
+            <a:schemeClr val="lt1"/>
+          </a:fontRef>
+        </p:style>
+        <p:txBody>
+          <a:bodyPr rtlCol="0" anchor="ctr"/>
+          <a:lstStyle/>
+          <a:p>
+            <a:pPr algn="ctr"/>
+            <a:endParaRPr lang="en-US"/>
+          </a:p>
+        </p:txBody>
+      </p:sp>
+      <p:pic>
+        <p:nvPicPr>
+          <p:cNvPr id="11" name="Picture 10" descr="A large body of water&#10;&#10;Description automatically generated">
+            <a:extLst>
+              <a:ext uri="{FF2B5EF4-FFF2-40B4-BE49-F238E27FC236}">
+                <a16:creationId xmlns:a16="http://schemas.microsoft.com/office/drawing/2014/main" id="{B83B0471-BE25-41B4-B185-53BEB6528B89}"/>
+              </a:ext>
+            </a:extLst>
+          </p:cNvPr>
+          <p:cNvPicPr>
+            <a:picLocks noChangeAspect="1"/>
+          </p:cNvPicPr>
+          <p:nvPr/>
+        </p:nvPicPr>
+        <p:blipFill rotWithShape="1">
+          <a:blip r:embed="rId2">
+            <a:alphaModFix amt="20000"/>
+            <a:extLst>
+              <a:ext uri="{28A0092B-C50C-407E-A947-70E740481C1C}">
+                <a14:useLocalDpi xmlns:a14="http://schemas.microsoft.com/office/drawing/2010/main" val="0"/>
+              </a:ext>
+            </a:extLst>
+          </a:blip>
+          <a:srcRect t="34654" b="43573"/>
+          <a:stretch/>
+        </p:blipFill>
+        <p:spPr>
+          <a:xfrm>
+            <a:off x="773935" y="442465"/>
+            <a:ext cx="9018070" cy="1308226"/>
+          </a:xfrm>
+          <a:prstGeom prst="rect">
+            <a:avLst/>
+          </a:prstGeom>
+        </p:spPr>
+      </p:pic>
+      <p:sp>
+        <p:nvSpPr>
+          <p:cNvPr id="34" name="Rectangle 33">
+            <a:extLst>
+              <a:ext uri="{FF2B5EF4-FFF2-40B4-BE49-F238E27FC236}">
+                <a16:creationId xmlns:a16="http://schemas.microsoft.com/office/drawing/2014/main" id="{BFE7775A-1FAD-4E84-8B9E-DA4B39640B5E}"/>
+              </a:ext>
+            </a:extLst>
+          </p:cNvPr>
+          <p:cNvSpPr/>
+          <p:nvPr/>
+        </p:nvSpPr>
+        <p:spPr>
+          <a:xfrm rot="19800000">
+            <a:off x="9089102" y="5937184"/>
+            <a:ext cx="4026751" cy="269178"/>
+          </a:xfrm>
+          <a:prstGeom prst="rect">
+            <a:avLst/>
+          </a:prstGeom>
+          <a:solidFill>
+            <a:srgbClr val="A71B86"/>
+          </a:solidFill>
+          <a:ln>
+            <a:noFill/>
+          </a:ln>
+        </p:spPr>
+        <p:style>
+          <a:lnRef idx="2">
+            <a:schemeClr val="accent1">
+              <a:shade val="50000"/>
+            </a:schemeClr>
+          </a:lnRef>
+          <a:fillRef idx="1">
+            <a:schemeClr val="accent1"/>
+          </a:fillRef>
+          <a:effectRef idx="0">
+            <a:schemeClr val="accent1"/>
+          </a:effectRef>
+          <a:fontRef idx="minor">
+            <a:schemeClr val="lt1"/>
+          </a:fontRef>
+        </p:style>
+        <p:txBody>
+          <a:bodyPr rtlCol="0" anchor="ctr"/>
+          <a:lstStyle/>
+          <a:p>
+            <a:pPr algn="ctr"/>
+            <a:endParaRPr lang="en-US"/>
+          </a:p>
+        </p:txBody>
+      </p:sp>
+      <p:sp>
+        <p:nvSpPr>
+          <p:cNvPr id="2" name="Title 1">
+            <a:extLst>
+              <a:ext uri="{FF2B5EF4-FFF2-40B4-BE49-F238E27FC236}">
+                <a16:creationId xmlns:a16="http://schemas.microsoft.com/office/drawing/2014/main" id="{95D79E09-6E77-4F87-B358-F18D99FA343D}"/>
+              </a:ext>
+            </a:extLst>
+          </p:cNvPr>
+          <p:cNvSpPr>
+            <a:spLocks noGrp="1"/>
+          </p:cNvSpPr>
+          <p:nvPr>
+            <p:ph type="title"/>
+          </p:nvPr>
+        </p:nvSpPr>
+        <p:spPr>
+          <a:xfrm>
+            <a:off x="773934" y="425128"/>
+            <a:ext cx="9018070" cy="1325563"/>
+          </a:xfrm>
+          <a:noFill/>
+          <a:ln w="76200">
+            <a:solidFill>
+              <a:srgbClr val="11B29F"/>
+            </a:solidFill>
+          </a:ln>
+        </p:spPr>
+        <p:txBody>
+          <a:bodyPr/>
+          <a:lstStyle/>
+          <a:p>
+            <a:pPr algn="ctr"/>
+            <a:r>
+              <a:rPr lang="en-US" dirty="0">
+                <a:solidFill>
+                  <a:srgbClr val="404040"/>
+                </a:solidFill>
+                <a:latin typeface="Bodoni MT" panose="02070603080606020203" pitchFamily="18" charset="0"/>
+              </a:rPr>
+              <a:t>Using Desmos</a:t>
+            </a:r>
+          </a:p>
+        </p:txBody>
+      </p:sp>
+      <p:pic>
+        <p:nvPicPr>
+          <p:cNvPr id="5" name="Content Placeholder 4" descr="A picture containing cage&#10;&#10;Description automatically generated">
+            <a:extLst>
+              <a:ext uri="{FF2B5EF4-FFF2-40B4-BE49-F238E27FC236}">
+                <a16:creationId xmlns:a16="http://schemas.microsoft.com/office/drawing/2014/main" id="{EF817497-4F98-4236-83EE-74FD8376B077}"/>
+              </a:ext>
+            </a:extLst>
+          </p:cNvPr>
+          <p:cNvPicPr>
+            <a:picLocks noGrp="1" noChangeAspect="1"/>
+          </p:cNvPicPr>
+          <p:nvPr>
+            <p:ph idx="1"/>
+          </p:nvPr>
+        </p:nvPicPr>
+        <p:blipFill>
+          <a:blip r:embed="rId3">
+            <a:extLst>
+              <a:ext uri="{28A0092B-C50C-407E-A947-70E740481C1C}">
+                <a14:useLocalDpi xmlns:a14="http://schemas.microsoft.com/office/drawing/2010/main" val="0"/>
+              </a:ext>
+            </a:extLst>
+          </a:blip>
+          <a:stretch>
+            <a:fillRect/>
+          </a:stretch>
+        </p:blipFill>
+        <p:spPr>
+          <a:xfrm>
+            <a:off x="9887140" y="47697"/>
+            <a:ext cx="2143125" cy="2143125"/>
+          </a:xfrm>
+        </p:spPr>
+      </p:pic>
+      <p:sp>
+        <p:nvSpPr>
+          <p:cNvPr id="17" name="Rectangle 16">
+            <a:extLst>
+              <a:ext uri="{FF2B5EF4-FFF2-40B4-BE49-F238E27FC236}">
+                <a16:creationId xmlns:a16="http://schemas.microsoft.com/office/drawing/2014/main" id="{C723ED3C-F5E6-4121-9EF2-DD9574E1A49F}"/>
+              </a:ext>
+            </a:extLst>
+          </p:cNvPr>
+          <p:cNvSpPr/>
+          <p:nvPr/>
+        </p:nvSpPr>
+        <p:spPr>
+          <a:xfrm>
+            <a:off x="10085294" y="2008116"/>
+            <a:ext cx="1776920" cy="76178"/>
+          </a:xfrm>
+          <a:prstGeom prst="rect">
+            <a:avLst/>
+          </a:prstGeom>
+          <a:solidFill>
+            <a:srgbClr val="11B29F"/>
+          </a:solidFill>
+          <a:ln>
+            <a:noFill/>
+          </a:ln>
+        </p:spPr>
+        <p:style>
+          <a:lnRef idx="2">
+            <a:schemeClr val="accent1">
+              <a:shade val="50000"/>
+            </a:schemeClr>
+          </a:lnRef>
+          <a:fillRef idx="1">
+            <a:schemeClr val="accent1"/>
+          </a:fillRef>
+          <a:effectRef idx="0">
+            <a:schemeClr val="accent1"/>
+          </a:effectRef>
+          <a:fontRef idx="minor">
+            <a:schemeClr val="lt1"/>
+          </a:fontRef>
+        </p:style>
+        <p:txBody>
+          <a:bodyPr rtlCol="0" anchor="ctr"/>
+          <a:lstStyle/>
+          <a:p>
+            <a:pPr algn="ctr"/>
+            <a:endParaRPr lang="en-US"/>
+          </a:p>
+        </p:txBody>
+      </p:sp>
+      <p:sp>
+        <p:nvSpPr>
+          <p:cNvPr id="21" name="Rectangle 20">
+            <a:extLst>
+              <a:ext uri="{FF2B5EF4-FFF2-40B4-BE49-F238E27FC236}">
+                <a16:creationId xmlns:a16="http://schemas.microsoft.com/office/drawing/2014/main" id="{F9E0EC60-66D4-4536-A867-30142339BAA7}"/>
+              </a:ext>
+            </a:extLst>
+          </p:cNvPr>
+          <p:cNvSpPr/>
+          <p:nvPr/>
+        </p:nvSpPr>
+        <p:spPr>
+          <a:xfrm>
+            <a:off x="10085294" y="2129819"/>
+            <a:ext cx="1776920" cy="76178"/>
+          </a:xfrm>
+          <a:prstGeom prst="rect">
+            <a:avLst/>
+          </a:prstGeom>
+          <a:solidFill>
+            <a:srgbClr val="A71B86"/>
+          </a:solidFill>
+          <a:ln>
+            <a:noFill/>
+          </a:ln>
+        </p:spPr>
+        <p:style>
+          <a:lnRef idx="2">
+            <a:schemeClr val="accent1">
+              <a:shade val="50000"/>
+            </a:schemeClr>
+          </a:lnRef>
+          <a:fillRef idx="1">
+            <a:schemeClr val="accent1"/>
+          </a:fillRef>
+          <a:effectRef idx="0">
+            <a:schemeClr val="accent1"/>
+          </a:effectRef>
+          <a:fontRef idx="minor">
+            <a:schemeClr val="lt1"/>
+          </a:fontRef>
+        </p:style>
+        <p:txBody>
+          <a:bodyPr rtlCol="0" anchor="ctr"/>
+          <a:lstStyle/>
+          <a:p>
+            <a:pPr algn="ctr"/>
+            <a:endParaRPr lang="en-US"/>
+          </a:p>
+        </p:txBody>
+      </p:sp>
+      <p:sp>
+        <p:nvSpPr>
+          <p:cNvPr id="22" name="Rectangle 21">
+            <a:extLst>
+              <a:ext uri="{FF2B5EF4-FFF2-40B4-BE49-F238E27FC236}">
+                <a16:creationId xmlns:a16="http://schemas.microsoft.com/office/drawing/2014/main" id="{F95AED49-24A8-4D10-9D31-F944565EC1B2}"/>
+              </a:ext>
+            </a:extLst>
+          </p:cNvPr>
+          <p:cNvSpPr/>
+          <p:nvPr/>
+        </p:nvSpPr>
+        <p:spPr>
+          <a:xfrm>
+            <a:off x="10085294" y="2251522"/>
+            <a:ext cx="1776920" cy="150200"/>
+          </a:xfrm>
+          <a:prstGeom prst="rect">
+            <a:avLst/>
+          </a:prstGeom>
+          <a:solidFill>
+            <a:srgbClr val="11B29F"/>
+          </a:solidFill>
+          <a:ln>
+            <a:noFill/>
+          </a:ln>
+        </p:spPr>
+        <p:style>
+          <a:lnRef idx="2">
+            <a:schemeClr val="accent1">
+              <a:shade val="50000"/>
+            </a:schemeClr>
+          </a:lnRef>
+          <a:fillRef idx="1">
+            <a:schemeClr val="accent1"/>
+          </a:fillRef>
+          <a:effectRef idx="0">
+            <a:schemeClr val="accent1"/>
+          </a:effectRef>
+          <a:fontRef idx="minor">
+            <a:schemeClr val="lt1"/>
+          </a:fontRef>
+        </p:style>
+        <p:txBody>
+          <a:bodyPr rtlCol="0" anchor="ctr"/>
+          <a:lstStyle/>
+          <a:p>
+            <a:pPr algn="ctr"/>
+            <a:endParaRPr lang="en-US"/>
+          </a:p>
+        </p:txBody>
+      </p:sp>
+      <p:sp>
+        <p:nvSpPr>
+          <p:cNvPr id="24" name="Rectangle 23">
+            <a:extLst>
+              <a:ext uri="{FF2B5EF4-FFF2-40B4-BE49-F238E27FC236}">
+                <a16:creationId xmlns:a16="http://schemas.microsoft.com/office/drawing/2014/main" id="{993D5826-407C-4F65-BE3A-EB593B942A36}"/>
+              </a:ext>
+            </a:extLst>
+          </p:cNvPr>
+          <p:cNvSpPr/>
+          <p:nvPr/>
+        </p:nvSpPr>
+        <p:spPr>
+          <a:xfrm>
+            <a:off x="10085294" y="2447247"/>
+            <a:ext cx="1776920" cy="150200"/>
+          </a:xfrm>
+          <a:prstGeom prst="rect">
+            <a:avLst/>
+          </a:prstGeom>
+          <a:solidFill>
+            <a:srgbClr val="A71B86"/>
+          </a:solidFill>
+          <a:ln>
+            <a:noFill/>
+          </a:ln>
+        </p:spPr>
+        <p:style>
+          <a:lnRef idx="2">
+            <a:schemeClr val="accent1">
+              <a:shade val="50000"/>
+            </a:schemeClr>
+          </a:lnRef>
+          <a:fillRef idx="1">
+            <a:schemeClr val="accent1"/>
+          </a:fillRef>
+          <a:effectRef idx="0">
+            <a:schemeClr val="accent1"/>
+          </a:effectRef>
+          <a:fontRef idx="minor">
+            <a:schemeClr val="lt1"/>
+          </a:fontRef>
+        </p:style>
+        <p:txBody>
+          <a:bodyPr rtlCol="0" anchor="ctr"/>
+          <a:lstStyle/>
+          <a:p>
+            <a:pPr algn="ctr"/>
+            <a:endParaRPr lang="en-US"/>
+          </a:p>
+        </p:txBody>
+      </p:sp>
+      <p:sp>
+        <p:nvSpPr>
+          <p:cNvPr id="25" name="Rectangle 24">
+            <a:extLst>
+              <a:ext uri="{FF2B5EF4-FFF2-40B4-BE49-F238E27FC236}">
+                <a16:creationId xmlns:a16="http://schemas.microsoft.com/office/drawing/2014/main" id="{D2785A94-4D0B-4559-9303-3C963AA0EF9A}"/>
+              </a:ext>
+            </a:extLst>
+          </p:cNvPr>
+          <p:cNvSpPr/>
+          <p:nvPr/>
+        </p:nvSpPr>
+        <p:spPr>
+          <a:xfrm>
+            <a:off x="10085294" y="2642972"/>
+            <a:ext cx="1776920" cy="362446"/>
+          </a:xfrm>
+          <a:prstGeom prst="rect">
+            <a:avLst/>
+          </a:prstGeom>
+          <a:solidFill>
+            <a:srgbClr val="11B29F"/>
+          </a:solidFill>
+          <a:ln>
+            <a:noFill/>
+          </a:ln>
+        </p:spPr>
+        <p:style>
+          <a:lnRef idx="2">
+            <a:schemeClr val="accent1">
+              <a:shade val="50000"/>
+            </a:schemeClr>
+          </a:lnRef>
+          <a:fillRef idx="1">
+            <a:schemeClr val="accent1"/>
+          </a:fillRef>
+          <a:effectRef idx="0">
+            <a:schemeClr val="accent1"/>
+          </a:effectRef>
+          <a:fontRef idx="minor">
+            <a:schemeClr val="lt1"/>
+          </a:fontRef>
+        </p:style>
+        <p:txBody>
+          <a:bodyPr rtlCol="0" anchor="ctr"/>
+          <a:lstStyle/>
+          <a:p>
+            <a:pPr algn="ctr"/>
+            <a:endParaRPr lang="en-US"/>
+          </a:p>
+        </p:txBody>
+      </p:sp>
+      <p:sp>
+        <p:nvSpPr>
+          <p:cNvPr id="26" name="Rectangle 25">
+            <a:extLst>
+              <a:ext uri="{FF2B5EF4-FFF2-40B4-BE49-F238E27FC236}">
+                <a16:creationId xmlns:a16="http://schemas.microsoft.com/office/drawing/2014/main" id="{B235F2E9-4558-433D-9527-7EFF5C5E78A8}"/>
+              </a:ext>
+            </a:extLst>
+          </p:cNvPr>
+          <p:cNvSpPr/>
+          <p:nvPr/>
+        </p:nvSpPr>
+        <p:spPr>
+          <a:xfrm>
+            <a:off x="10085294" y="3050943"/>
+            <a:ext cx="1776920" cy="362446"/>
+          </a:xfrm>
+          <a:prstGeom prst="rect">
+            <a:avLst/>
+          </a:prstGeom>
+          <a:solidFill>
+            <a:srgbClr val="A71B86"/>
+          </a:solidFill>
+          <a:ln>
+            <a:noFill/>
+          </a:ln>
+        </p:spPr>
+        <p:style>
+          <a:lnRef idx="2">
+            <a:schemeClr val="accent1">
+              <a:shade val="50000"/>
+            </a:schemeClr>
+          </a:lnRef>
+          <a:fillRef idx="1">
+            <a:schemeClr val="accent1"/>
+          </a:fillRef>
+          <a:effectRef idx="0">
+            <a:schemeClr val="accent1"/>
+          </a:effectRef>
+          <a:fontRef idx="minor">
+            <a:schemeClr val="lt1"/>
+          </a:fontRef>
+        </p:style>
+        <p:txBody>
+          <a:bodyPr rtlCol="0" anchor="ctr"/>
+          <a:lstStyle/>
+          <a:p>
+            <a:pPr algn="ctr"/>
+            <a:endParaRPr lang="en-US"/>
+          </a:p>
+        </p:txBody>
+      </p:sp>
+      <p:sp>
+        <p:nvSpPr>
+          <p:cNvPr id="27" name="Rectangle 26">
+            <a:extLst>
+              <a:ext uri="{FF2B5EF4-FFF2-40B4-BE49-F238E27FC236}">
+                <a16:creationId xmlns:a16="http://schemas.microsoft.com/office/drawing/2014/main" id="{99613B87-411B-4008-BF30-F1A3B8F247B5}"/>
+              </a:ext>
+            </a:extLst>
+          </p:cNvPr>
+          <p:cNvSpPr/>
+          <p:nvPr/>
+        </p:nvSpPr>
+        <p:spPr>
+          <a:xfrm>
+            <a:off x="10085294" y="3490136"/>
+            <a:ext cx="1776920" cy="3367864"/>
+          </a:xfrm>
+          <a:prstGeom prst="rect">
+            <a:avLst/>
+          </a:prstGeom>
+          <a:solidFill>
+            <a:srgbClr val="11B29F"/>
+          </a:solidFill>
+          <a:ln>
+            <a:noFill/>
+          </a:ln>
+        </p:spPr>
+        <p:style>
+          <a:lnRef idx="2">
+            <a:schemeClr val="accent1">
+              <a:shade val="50000"/>
+            </a:schemeClr>
+          </a:lnRef>
+          <a:fillRef idx="1">
+            <a:schemeClr val="accent1"/>
+          </a:fillRef>
+          <a:effectRef idx="0">
+            <a:schemeClr val="accent1"/>
+          </a:effectRef>
+          <a:fontRef idx="minor">
+            <a:schemeClr val="lt1"/>
+          </a:fontRef>
+        </p:style>
+        <p:txBody>
+          <a:bodyPr rtlCol="0" anchor="ctr"/>
+          <a:lstStyle/>
+          <a:p>
+            <a:pPr algn="ctr"/>
+            <a:endParaRPr lang="en-US"/>
+          </a:p>
+        </p:txBody>
+      </p:sp>
+      <p:sp>
+        <p:nvSpPr>
+          <p:cNvPr id="32" name="Rectangle 31">
+            <a:extLst>
+              <a:ext uri="{FF2B5EF4-FFF2-40B4-BE49-F238E27FC236}">
+                <a16:creationId xmlns:a16="http://schemas.microsoft.com/office/drawing/2014/main" id="{145B3BD2-B1C1-4ED2-A4E0-5E17DD3736F1}"/>
+              </a:ext>
+            </a:extLst>
+          </p:cNvPr>
+          <p:cNvSpPr/>
+          <p:nvPr/>
+        </p:nvSpPr>
+        <p:spPr>
+          <a:xfrm rot="19800000">
+            <a:off x="-765351" y="385789"/>
+            <a:ext cx="4026751" cy="269178"/>
+          </a:xfrm>
+          <a:prstGeom prst="rect">
+            <a:avLst/>
+          </a:prstGeom>
+          <a:solidFill>
+            <a:srgbClr val="A71B86"/>
+          </a:solidFill>
+          <a:ln>
+            <a:noFill/>
+          </a:ln>
+        </p:spPr>
+        <p:style>
+          <a:lnRef idx="2">
+            <a:schemeClr val="accent1">
+              <a:shade val="50000"/>
+            </a:schemeClr>
+          </a:lnRef>
+          <a:fillRef idx="1">
+            <a:schemeClr val="accent1"/>
+          </a:fillRef>
+          <a:effectRef idx="0">
+            <a:schemeClr val="accent1"/>
+          </a:effectRef>
+          <a:fontRef idx="minor">
+            <a:schemeClr val="lt1"/>
+          </a:fontRef>
+        </p:style>
+        <p:txBody>
+          <a:bodyPr rtlCol="0" anchor="ctr"/>
+          <a:lstStyle/>
+          <a:p>
+            <a:pPr algn="ctr"/>
+            <a:endParaRPr lang="en-US"/>
+          </a:p>
+        </p:txBody>
+      </p:sp>
+      <p:sp>
+        <p:nvSpPr>
+          <p:cNvPr id="33" name="Rectangle 32">
+            <a:extLst>
+              <a:ext uri="{FF2B5EF4-FFF2-40B4-BE49-F238E27FC236}">
+                <a16:creationId xmlns:a16="http://schemas.microsoft.com/office/drawing/2014/main" id="{DC3B2826-65DD-408B-8F18-8CCD6C052D8D}"/>
+              </a:ext>
+            </a:extLst>
+          </p:cNvPr>
+          <p:cNvSpPr/>
+          <p:nvPr/>
+        </p:nvSpPr>
+        <p:spPr>
+          <a:xfrm rot="19800000">
+            <a:off x="9257156" y="6226296"/>
+            <a:ext cx="4026751" cy="269178"/>
+          </a:xfrm>
+          <a:prstGeom prst="rect">
+            <a:avLst/>
+          </a:prstGeom>
+          <a:solidFill>
+            <a:srgbClr val="A71B86"/>
+          </a:solidFill>
+          <a:ln>
+            <a:noFill/>
+          </a:ln>
+        </p:spPr>
+        <p:style>
+          <a:lnRef idx="2">
+            <a:schemeClr val="accent1">
+              <a:shade val="50000"/>
+            </a:schemeClr>
+          </a:lnRef>
+          <a:fillRef idx="1">
+            <a:schemeClr val="accent1"/>
+          </a:fillRef>
+          <a:effectRef idx="0">
+            <a:schemeClr val="accent1"/>
+          </a:effectRef>
+          <a:fontRef idx="minor">
+            <a:schemeClr val="lt1"/>
+          </a:fontRef>
+        </p:style>
+        <p:txBody>
+          <a:bodyPr rtlCol="0" anchor="ctr"/>
+          <a:lstStyle/>
+          <a:p>
+            <a:pPr algn="ctr"/>
+            <a:endParaRPr lang="en-US"/>
+          </a:p>
+        </p:txBody>
+      </p:sp>
+      <p:sp>
+        <p:nvSpPr>
+          <p:cNvPr id="35" name="Rectangle 34">
+            <a:extLst>
+              <a:ext uri="{FF2B5EF4-FFF2-40B4-BE49-F238E27FC236}">
+                <a16:creationId xmlns:a16="http://schemas.microsoft.com/office/drawing/2014/main" id="{4935F901-F632-4698-8C7A-AC29B2397A6C}"/>
+              </a:ext>
+            </a:extLst>
+          </p:cNvPr>
+          <p:cNvSpPr/>
+          <p:nvPr/>
+        </p:nvSpPr>
+        <p:spPr>
+          <a:xfrm rot="19800000">
+            <a:off x="8263809" y="5824178"/>
+            <a:ext cx="4731177" cy="269178"/>
+          </a:xfrm>
+          <a:prstGeom prst="rect">
+            <a:avLst/>
+          </a:prstGeom>
+          <a:solidFill>
+            <a:srgbClr val="A71B86"/>
+          </a:solidFill>
+          <a:ln>
+            <a:noFill/>
+          </a:ln>
+        </p:spPr>
+        <p:style>
+          <a:lnRef idx="2">
+            <a:schemeClr val="accent1">
+              <a:shade val="50000"/>
+            </a:schemeClr>
+          </a:lnRef>
+          <a:fillRef idx="1">
+            <a:schemeClr val="accent1"/>
+          </a:fillRef>
+          <a:effectRef idx="0">
+            <a:schemeClr val="accent1"/>
+          </a:effectRef>
+          <a:fontRef idx="minor">
+            <a:schemeClr val="lt1"/>
+          </a:fontRef>
+        </p:style>
+        <p:txBody>
+          <a:bodyPr rtlCol="0" anchor="ctr"/>
+          <a:lstStyle/>
+          <a:p>
+            <a:pPr algn="ctr"/>
+            <a:endParaRPr lang="en-US"/>
+          </a:p>
+        </p:txBody>
+      </p:sp>
+      <p:sp>
+        <p:nvSpPr>
+          <p:cNvPr id="36" name="TextBox 35">
+            <a:extLst>
+              <a:ext uri="{FF2B5EF4-FFF2-40B4-BE49-F238E27FC236}">
+                <a16:creationId xmlns:a16="http://schemas.microsoft.com/office/drawing/2014/main" id="{389720C5-6DCB-428D-8C4F-A02DEC239333}"/>
+              </a:ext>
+            </a:extLst>
+          </p:cNvPr>
+          <p:cNvSpPr txBox="1"/>
+          <p:nvPr/>
+        </p:nvSpPr>
+        <p:spPr>
+          <a:xfrm>
+            <a:off x="838199" y="1957466"/>
+            <a:ext cx="8953805" cy="1631216"/>
+          </a:xfrm>
+          <a:prstGeom prst="rect">
+            <a:avLst/>
+          </a:prstGeom>
+          <a:noFill/>
+        </p:spPr>
+        <p:txBody>
+          <a:bodyPr wrap="square" rtlCol="0">
+            <a:spAutoFit/>
+          </a:bodyPr>
+          <a:lstStyle/>
+          <a:p>
+            <a:pPr marL="285750" indent="-285750">
+              <a:buFont typeface="Arial" panose="020B0604020202020204" pitchFamily="34" charset="0"/>
+              <a:buChar char="•"/>
+            </a:pPr>
+            <a:r>
+              <a:rPr lang="en-US" sz="2000" dirty="0">
+                <a:solidFill>
+                  <a:srgbClr val="404040"/>
+                </a:solidFill>
+                <a:latin typeface="Corbel" panose="020B0503020204020204" pitchFamily="34" charset="0"/>
+              </a:rPr>
+              <a:t>Type Inequalities for Constraints in the Left Panel</a:t>
+            </a:r>
+            <a:endParaRPr lang="en-US" sz="2000" dirty="0">
+              <a:latin typeface="Corbel" panose="020B0503020204020204" pitchFamily="34" charset="0"/>
+            </a:endParaRPr>
+          </a:p>
+          <a:p>
+            <a:pPr marL="285750" indent="-285750">
+              <a:buFont typeface="Arial" panose="020B0604020202020204" pitchFamily="34" charset="0"/>
+              <a:buChar char="•"/>
+            </a:pPr>
+            <a:endParaRPr lang="en-US" sz="2000" dirty="0">
+              <a:solidFill>
+                <a:srgbClr val="404040"/>
+              </a:solidFill>
+              <a:latin typeface="Corbel" panose="020B0503020204020204" pitchFamily="34" charset="0"/>
+            </a:endParaRPr>
+          </a:p>
+          <a:p>
+            <a:pPr marL="742950" lvl="1" indent="-285750">
+              <a:buFont typeface="Arial" panose="020B0604020202020204" pitchFamily="34" charset="0"/>
+              <a:buChar char="•"/>
+            </a:pPr>
+            <a:endParaRPr lang="en-US" sz="2000" dirty="0">
+              <a:solidFill>
+                <a:srgbClr val="404040"/>
+              </a:solidFill>
+              <a:latin typeface="Corbel" panose="020B0503020204020204" pitchFamily="34" charset="0"/>
+            </a:endParaRPr>
+          </a:p>
+          <a:p>
+            <a:pPr marL="285750" indent="-285750">
+              <a:buFont typeface="Arial" panose="020B0604020202020204" pitchFamily="34" charset="0"/>
+              <a:buChar char="•"/>
+            </a:pPr>
+            <a:endParaRPr lang="en-US" sz="2000" dirty="0">
+              <a:solidFill>
+                <a:srgbClr val="A71B86"/>
+              </a:solidFill>
+              <a:latin typeface="Corbel" panose="020B0503020204020204" pitchFamily="34" charset="0"/>
+            </a:endParaRPr>
+          </a:p>
+          <a:p>
+            <a:pPr marL="285750" indent="-285750">
+              <a:buFont typeface="Arial" panose="020B0604020202020204" pitchFamily="34" charset="0"/>
+              <a:buChar char="•"/>
+            </a:pPr>
+            <a:endParaRPr lang="en-US" sz="2000" dirty="0">
+              <a:solidFill>
+                <a:srgbClr val="A71B86"/>
+              </a:solidFill>
+              <a:latin typeface="Corbel" panose="020B0503020204020204" pitchFamily="34" charset="0"/>
+            </a:endParaRPr>
+          </a:p>
+        </p:txBody>
+      </p:sp>
+      <p:pic>
+        <p:nvPicPr>
+          <p:cNvPr id="37" name="Graphic 36" descr="Palm tree">
+            <a:extLst>
+              <a:ext uri="{FF2B5EF4-FFF2-40B4-BE49-F238E27FC236}">
+                <a16:creationId xmlns:a16="http://schemas.microsoft.com/office/drawing/2014/main" id="{79F2EC1B-9713-4CCF-8301-82ED265F3940}"/>
+              </a:ext>
+            </a:extLst>
+          </p:cNvPr>
+          <p:cNvPicPr>
+            <a:picLocks noChangeAspect="1"/>
+          </p:cNvPicPr>
+          <p:nvPr/>
+        </p:nvPicPr>
+        <p:blipFill>
+          <a:blip r:embed="rId4">
+            <a:extLst>
+              <a:ext uri="{28A0092B-C50C-407E-A947-70E740481C1C}">
+                <a14:useLocalDpi xmlns:a14="http://schemas.microsoft.com/office/drawing/2010/main" val="0"/>
+              </a:ext>
+              <a:ext uri="{96DAC541-7B7A-43D3-8B79-37D633B846F1}">
+                <asvg:svgBlip xmlns:asvg="http://schemas.microsoft.com/office/drawing/2016/SVG/main" r:embed="rId5"/>
+              </a:ext>
+            </a:extLst>
+          </a:blip>
+          <a:stretch>
+            <a:fillRect/>
+          </a:stretch>
+        </p:blipFill>
+        <p:spPr>
+          <a:xfrm>
+            <a:off x="8964994" y="809490"/>
+            <a:ext cx="914400" cy="914400"/>
+          </a:xfrm>
+          <a:prstGeom prst="rect">
+            <a:avLst/>
+          </a:prstGeom>
+        </p:spPr>
+      </p:pic>
+      <p:pic>
+        <p:nvPicPr>
+          <p:cNvPr id="38" name="Graphic 37" descr="Palm tree">
+            <a:extLst>
+              <a:ext uri="{FF2B5EF4-FFF2-40B4-BE49-F238E27FC236}">
+                <a16:creationId xmlns:a16="http://schemas.microsoft.com/office/drawing/2014/main" id="{11C9CA6F-B5F0-4837-8E50-85C201ADA4F1}"/>
+              </a:ext>
+            </a:extLst>
+          </p:cNvPr>
+          <p:cNvPicPr>
+            <a:picLocks noChangeAspect="1"/>
+          </p:cNvPicPr>
+          <p:nvPr/>
+        </p:nvPicPr>
+        <p:blipFill>
+          <a:blip r:embed="rId4">
+            <a:extLst>
+              <a:ext uri="{28A0092B-C50C-407E-A947-70E740481C1C}">
+                <a14:useLocalDpi xmlns:a14="http://schemas.microsoft.com/office/drawing/2010/main" val="0"/>
+              </a:ext>
+              <a:ext uri="{96DAC541-7B7A-43D3-8B79-37D633B846F1}">
+                <asvg:svgBlip xmlns:asvg="http://schemas.microsoft.com/office/drawing/2016/SVG/main" r:embed="rId5"/>
+              </a:ext>
+            </a:extLst>
+          </a:blip>
+          <a:stretch>
+            <a:fillRect/>
+          </a:stretch>
+        </p:blipFill>
+        <p:spPr>
+          <a:xfrm>
+            <a:off x="8834542" y="1142112"/>
+            <a:ext cx="553133" cy="553133"/>
+          </a:xfrm>
+          <a:prstGeom prst="rect">
+            <a:avLst/>
+          </a:prstGeom>
+        </p:spPr>
+      </p:pic>
+      <p:pic>
+        <p:nvPicPr>
+          <p:cNvPr id="39" name="Graphic 38" descr="Palm tree">
+            <a:extLst>
+              <a:ext uri="{FF2B5EF4-FFF2-40B4-BE49-F238E27FC236}">
+                <a16:creationId xmlns:a16="http://schemas.microsoft.com/office/drawing/2014/main" id="{585AC1AD-01C8-4E2D-8361-4BEA62A48584}"/>
+              </a:ext>
+            </a:extLst>
+          </p:cNvPr>
+          <p:cNvPicPr>
+            <a:picLocks noChangeAspect="1"/>
+          </p:cNvPicPr>
+          <p:nvPr/>
+        </p:nvPicPr>
+        <p:blipFill>
+          <a:blip r:embed="rId4">
+            <a:extLst>
+              <a:ext uri="{28A0092B-C50C-407E-A947-70E740481C1C}">
+                <a14:useLocalDpi xmlns:a14="http://schemas.microsoft.com/office/drawing/2010/main" val="0"/>
+              </a:ext>
+              <a:ext uri="{96DAC541-7B7A-43D3-8B79-37D633B846F1}">
+                <asvg:svgBlip xmlns:asvg="http://schemas.microsoft.com/office/drawing/2016/SVG/main" r:embed="rId5"/>
+              </a:ext>
+            </a:extLst>
+          </a:blip>
+          <a:stretch>
+            <a:fillRect/>
+          </a:stretch>
+        </p:blipFill>
+        <p:spPr>
+          <a:xfrm>
+            <a:off x="9387675" y="1277468"/>
+            <a:ext cx="404329" cy="404329"/>
+          </a:xfrm>
+          <a:prstGeom prst="rect">
+            <a:avLst/>
+          </a:prstGeom>
+        </p:spPr>
+      </p:pic>
+      <p:pic>
+        <p:nvPicPr>
+          <p:cNvPr id="4" name="Picture 3">
+            <a:extLst>
+              <a:ext uri="{FF2B5EF4-FFF2-40B4-BE49-F238E27FC236}">
+                <a16:creationId xmlns:a16="http://schemas.microsoft.com/office/drawing/2014/main" id="{5E9C7662-0616-41B4-BEF8-2D2C6F2230BB}"/>
+              </a:ext>
+            </a:extLst>
+          </p:cNvPr>
+          <p:cNvPicPr>
+            <a:picLocks noChangeAspect="1"/>
+          </p:cNvPicPr>
+          <p:nvPr/>
+        </p:nvPicPr>
+        <p:blipFill>
+          <a:blip r:embed="rId6"/>
+          <a:stretch>
+            <a:fillRect/>
+          </a:stretch>
+        </p:blipFill>
+        <p:spPr>
+          <a:xfrm>
+            <a:off x="771325" y="2432262"/>
+            <a:ext cx="9020679" cy="4334017"/>
+          </a:xfrm>
+          <a:prstGeom prst="rect">
+            <a:avLst/>
+          </a:prstGeom>
+          <a:ln w="38100">
+            <a:solidFill>
+              <a:srgbClr val="11B29F"/>
+            </a:solidFill>
+          </a:ln>
+        </p:spPr>
+      </p:pic>
+    </p:spTree>
+    <p:extLst>
+      <p:ext uri="{BB962C8B-B14F-4D97-AF65-F5344CB8AC3E}">
+        <p14:creationId xmlns:p14="http://schemas.microsoft.com/office/powerpoint/2010/main" val="2931943978"/>
+      </p:ext>
+    </p:extLst>
+  </p:cSld>
+  <p:clrMapOvr>
+    <a:masterClrMapping/>
+  </p:clrMapOvr>
+</p:sld>
+</file>
+
+<file path=ppt/slides/slide17.xml><?xml version="1.0" encoding="utf-8"?>
+<p:sld xmlns:a="http://schemas.openxmlformats.org/drawingml/2006/main" xmlns:r="http://schemas.openxmlformats.org/officeDocument/2006/relationships" xmlns:p="http://schemas.openxmlformats.org/presentationml/2006/main">
+  <p:cSld>
+    <p:spTree>
+      <p:nvGrpSpPr>
+        <p:cNvPr id="1" name=""/>
+        <p:cNvGrpSpPr/>
+        <p:nvPr/>
+      </p:nvGrpSpPr>
+      <p:grpSpPr>
+        <a:xfrm>
+          <a:off x="0" y="0"/>
+          <a:ext cx="0" cy="0"/>
+          <a:chOff x="0" y="0"/>
+          <a:chExt cx="0" cy="0"/>
+        </a:xfrm>
+      </p:grpSpPr>
+      <p:sp>
+        <p:nvSpPr>
+          <p:cNvPr id="28" name="Rectangle 27">
+            <a:extLst>
+              <a:ext uri="{FF2B5EF4-FFF2-40B4-BE49-F238E27FC236}">
+                <a16:creationId xmlns:a16="http://schemas.microsoft.com/office/drawing/2014/main" id="{1568D3DA-67F7-464C-95FF-D7D56F4038D6}"/>
+              </a:ext>
+            </a:extLst>
+          </p:cNvPr>
+          <p:cNvSpPr/>
+          <p:nvPr/>
+        </p:nvSpPr>
+        <p:spPr>
+          <a:xfrm rot="19800000">
+            <a:off x="-597297" y="674901"/>
+            <a:ext cx="4026751" cy="269178"/>
+          </a:xfrm>
+          <a:prstGeom prst="rect">
+            <a:avLst/>
+          </a:prstGeom>
+          <a:solidFill>
+            <a:srgbClr val="A71B86"/>
+          </a:solidFill>
+          <a:ln>
+            <a:noFill/>
+          </a:ln>
+        </p:spPr>
+        <p:style>
+          <a:lnRef idx="2">
+            <a:schemeClr val="accent1">
+              <a:shade val="50000"/>
+            </a:schemeClr>
+          </a:lnRef>
+          <a:fillRef idx="1">
+            <a:schemeClr val="accent1"/>
+          </a:fillRef>
+          <a:effectRef idx="0">
+            <a:schemeClr val="accent1"/>
+          </a:effectRef>
+          <a:fontRef idx="minor">
+            <a:schemeClr val="lt1"/>
+          </a:fontRef>
+        </p:style>
+        <p:txBody>
+          <a:bodyPr rtlCol="0" anchor="ctr"/>
+          <a:lstStyle/>
+          <a:p>
+            <a:pPr algn="ctr"/>
+            <a:endParaRPr lang="en-US"/>
+          </a:p>
+        </p:txBody>
+      </p:sp>
+      <p:pic>
+        <p:nvPicPr>
+          <p:cNvPr id="11" name="Picture 10" descr="A large body of water&#10;&#10;Description automatically generated">
+            <a:extLst>
+              <a:ext uri="{FF2B5EF4-FFF2-40B4-BE49-F238E27FC236}">
+                <a16:creationId xmlns:a16="http://schemas.microsoft.com/office/drawing/2014/main" id="{B83B0471-BE25-41B4-B185-53BEB6528B89}"/>
+              </a:ext>
+            </a:extLst>
+          </p:cNvPr>
+          <p:cNvPicPr>
+            <a:picLocks noChangeAspect="1"/>
+          </p:cNvPicPr>
+          <p:nvPr/>
+        </p:nvPicPr>
+        <p:blipFill rotWithShape="1">
+          <a:blip r:embed="rId2">
+            <a:alphaModFix amt="20000"/>
+            <a:extLst>
+              <a:ext uri="{28A0092B-C50C-407E-A947-70E740481C1C}">
+                <a14:useLocalDpi xmlns:a14="http://schemas.microsoft.com/office/drawing/2010/main" val="0"/>
+              </a:ext>
+            </a:extLst>
+          </a:blip>
+          <a:srcRect t="34654" b="43573"/>
+          <a:stretch/>
+        </p:blipFill>
+        <p:spPr>
+          <a:xfrm>
+            <a:off x="773935" y="442465"/>
+            <a:ext cx="9018070" cy="1308226"/>
+          </a:xfrm>
+          <a:prstGeom prst="rect">
+            <a:avLst/>
+          </a:prstGeom>
+        </p:spPr>
+      </p:pic>
+      <p:sp>
+        <p:nvSpPr>
+          <p:cNvPr id="34" name="Rectangle 33">
+            <a:extLst>
+              <a:ext uri="{FF2B5EF4-FFF2-40B4-BE49-F238E27FC236}">
+                <a16:creationId xmlns:a16="http://schemas.microsoft.com/office/drawing/2014/main" id="{BFE7775A-1FAD-4E84-8B9E-DA4B39640B5E}"/>
+              </a:ext>
+            </a:extLst>
+          </p:cNvPr>
+          <p:cNvSpPr/>
+          <p:nvPr/>
+        </p:nvSpPr>
+        <p:spPr>
+          <a:xfrm rot="19800000">
+            <a:off x="9089102" y="5937184"/>
+            <a:ext cx="4026751" cy="269178"/>
+          </a:xfrm>
+          <a:prstGeom prst="rect">
+            <a:avLst/>
+          </a:prstGeom>
+          <a:solidFill>
+            <a:srgbClr val="A71B86"/>
+          </a:solidFill>
+          <a:ln>
+            <a:noFill/>
+          </a:ln>
+        </p:spPr>
+        <p:style>
+          <a:lnRef idx="2">
+            <a:schemeClr val="accent1">
+              <a:shade val="50000"/>
+            </a:schemeClr>
+          </a:lnRef>
+          <a:fillRef idx="1">
+            <a:schemeClr val="accent1"/>
+          </a:fillRef>
+          <a:effectRef idx="0">
+            <a:schemeClr val="accent1"/>
+          </a:effectRef>
+          <a:fontRef idx="minor">
+            <a:schemeClr val="lt1"/>
+          </a:fontRef>
+        </p:style>
+        <p:txBody>
+          <a:bodyPr rtlCol="0" anchor="ctr"/>
+          <a:lstStyle/>
+          <a:p>
+            <a:pPr algn="ctr"/>
+            <a:endParaRPr lang="en-US"/>
+          </a:p>
+        </p:txBody>
+      </p:sp>
+      <p:sp>
+        <p:nvSpPr>
+          <p:cNvPr id="2" name="Title 1">
+            <a:extLst>
+              <a:ext uri="{FF2B5EF4-FFF2-40B4-BE49-F238E27FC236}">
+                <a16:creationId xmlns:a16="http://schemas.microsoft.com/office/drawing/2014/main" id="{95D79E09-6E77-4F87-B358-F18D99FA343D}"/>
+              </a:ext>
+            </a:extLst>
+          </p:cNvPr>
+          <p:cNvSpPr>
+            <a:spLocks noGrp="1"/>
+          </p:cNvSpPr>
+          <p:nvPr>
+            <p:ph type="title"/>
+          </p:nvPr>
+        </p:nvSpPr>
+        <p:spPr>
+          <a:xfrm>
+            <a:off x="773934" y="425128"/>
+            <a:ext cx="9018070" cy="1325563"/>
+          </a:xfrm>
+          <a:noFill/>
+          <a:ln w="76200">
+            <a:solidFill>
+              <a:srgbClr val="11B29F"/>
+            </a:solidFill>
+          </a:ln>
+        </p:spPr>
+        <p:txBody>
+          <a:bodyPr/>
+          <a:lstStyle/>
+          <a:p>
+            <a:pPr algn="ctr"/>
+            <a:r>
+              <a:rPr lang="en-US" dirty="0">
+                <a:solidFill>
+                  <a:srgbClr val="404040"/>
+                </a:solidFill>
+                <a:latin typeface="Bodoni MT" panose="02070603080606020203" pitchFamily="18" charset="0"/>
+              </a:rPr>
+              <a:t>Using Desmos</a:t>
+            </a:r>
+          </a:p>
+        </p:txBody>
+      </p:sp>
+      <p:pic>
+        <p:nvPicPr>
+          <p:cNvPr id="5" name="Content Placeholder 4" descr="A picture containing cage&#10;&#10;Description automatically generated">
+            <a:extLst>
+              <a:ext uri="{FF2B5EF4-FFF2-40B4-BE49-F238E27FC236}">
+                <a16:creationId xmlns:a16="http://schemas.microsoft.com/office/drawing/2014/main" id="{EF817497-4F98-4236-83EE-74FD8376B077}"/>
+              </a:ext>
+            </a:extLst>
+          </p:cNvPr>
+          <p:cNvPicPr>
+            <a:picLocks noGrp="1" noChangeAspect="1"/>
+          </p:cNvPicPr>
+          <p:nvPr>
+            <p:ph idx="1"/>
+          </p:nvPr>
+        </p:nvPicPr>
+        <p:blipFill>
+          <a:blip r:embed="rId3">
+            <a:extLst>
+              <a:ext uri="{28A0092B-C50C-407E-A947-70E740481C1C}">
+                <a14:useLocalDpi xmlns:a14="http://schemas.microsoft.com/office/drawing/2010/main" val="0"/>
+              </a:ext>
+            </a:extLst>
+          </a:blip>
+          <a:stretch>
+            <a:fillRect/>
+          </a:stretch>
+        </p:blipFill>
+        <p:spPr>
+          <a:xfrm>
+            <a:off x="9887140" y="47697"/>
+            <a:ext cx="2143125" cy="2143125"/>
+          </a:xfrm>
+        </p:spPr>
+      </p:pic>
+      <p:sp>
+        <p:nvSpPr>
+          <p:cNvPr id="17" name="Rectangle 16">
+            <a:extLst>
+              <a:ext uri="{FF2B5EF4-FFF2-40B4-BE49-F238E27FC236}">
+                <a16:creationId xmlns:a16="http://schemas.microsoft.com/office/drawing/2014/main" id="{C723ED3C-F5E6-4121-9EF2-DD9574E1A49F}"/>
+              </a:ext>
+            </a:extLst>
+          </p:cNvPr>
+          <p:cNvSpPr/>
+          <p:nvPr/>
+        </p:nvSpPr>
+        <p:spPr>
+          <a:xfrm>
+            <a:off x="10085294" y="2008116"/>
+            <a:ext cx="1776920" cy="76178"/>
+          </a:xfrm>
+          <a:prstGeom prst="rect">
+            <a:avLst/>
+          </a:prstGeom>
+          <a:solidFill>
+            <a:srgbClr val="11B29F"/>
+          </a:solidFill>
+          <a:ln>
+            <a:noFill/>
+          </a:ln>
+        </p:spPr>
+        <p:style>
+          <a:lnRef idx="2">
+            <a:schemeClr val="accent1">
+              <a:shade val="50000"/>
+            </a:schemeClr>
+          </a:lnRef>
+          <a:fillRef idx="1">
+            <a:schemeClr val="accent1"/>
+          </a:fillRef>
+          <a:effectRef idx="0">
+            <a:schemeClr val="accent1"/>
+          </a:effectRef>
+          <a:fontRef idx="minor">
+            <a:schemeClr val="lt1"/>
+          </a:fontRef>
+        </p:style>
+        <p:txBody>
+          <a:bodyPr rtlCol="0" anchor="ctr"/>
+          <a:lstStyle/>
+          <a:p>
+            <a:pPr algn="ctr"/>
+            <a:endParaRPr lang="en-US"/>
+          </a:p>
+        </p:txBody>
+      </p:sp>
+      <p:sp>
+        <p:nvSpPr>
+          <p:cNvPr id="21" name="Rectangle 20">
+            <a:extLst>
+              <a:ext uri="{FF2B5EF4-FFF2-40B4-BE49-F238E27FC236}">
+                <a16:creationId xmlns:a16="http://schemas.microsoft.com/office/drawing/2014/main" id="{F9E0EC60-66D4-4536-A867-30142339BAA7}"/>
+              </a:ext>
+            </a:extLst>
+          </p:cNvPr>
+          <p:cNvSpPr/>
+          <p:nvPr/>
+        </p:nvSpPr>
+        <p:spPr>
+          <a:xfrm>
+            <a:off x="10085294" y="2129819"/>
+            <a:ext cx="1776920" cy="76178"/>
+          </a:xfrm>
+          <a:prstGeom prst="rect">
+            <a:avLst/>
+          </a:prstGeom>
+          <a:solidFill>
+            <a:srgbClr val="A71B86"/>
+          </a:solidFill>
+          <a:ln>
+            <a:noFill/>
+          </a:ln>
+        </p:spPr>
+        <p:style>
+          <a:lnRef idx="2">
+            <a:schemeClr val="accent1">
+              <a:shade val="50000"/>
+            </a:schemeClr>
+          </a:lnRef>
+          <a:fillRef idx="1">
+            <a:schemeClr val="accent1"/>
+          </a:fillRef>
+          <a:effectRef idx="0">
+            <a:schemeClr val="accent1"/>
+          </a:effectRef>
+          <a:fontRef idx="minor">
+            <a:schemeClr val="lt1"/>
+          </a:fontRef>
+        </p:style>
+        <p:txBody>
+          <a:bodyPr rtlCol="0" anchor="ctr"/>
+          <a:lstStyle/>
+          <a:p>
+            <a:pPr algn="ctr"/>
+            <a:endParaRPr lang="en-US"/>
+          </a:p>
+        </p:txBody>
+      </p:sp>
+      <p:sp>
+        <p:nvSpPr>
+          <p:cNvPr id="22" name="Rectangle 21">
+            <a:extLst>
+              <a:ext uri="{FF2B5EF4-FFF2-40B4-BE49-F238E27FC236}">
+                <a16:creationId xmlns:a16="http://schemas.microsoft.com/office/drawing/2014/main" id="{F95AED49-24A8-4D10-9D31-F944565EC1B2}"/>
+              </a:ext>
+            </a:extLst>
+          </p:cNvPr>
+          <p:cNvSpPr/>
+          <p:nvPr/>
+        </p:nvSpPr>
+        <p:spPr>
+          <a:xfrm>
+            <a:off x="10085294" y="2251522"/>
+            <a:ext cx="1776920" cy="150200"/>
+          </a:xfrm>
+          <a:prstGeom prst="rect">
+            <a:avLst/>
+          </a:prstGeom>
+          <a:solidFill>
+            <a:srgbClr val="11B29F"/>
+          </a:solidFill>
+          <a:ln>
+            <a:noFill/>
+          </a:ln>
+        </p:spPr>
+        <p:style>
+          <a:lnRef idx="2">
+            <a:schemeClr val="accent1">
+              <a:shade val="50000"/>
+            </a:schemeClr>
+          </a:lnRef>
+          <a:fillRef idx="1">
+            <a:schemeClr val="accent1"/>
+          </a:fillRef>
+          <a:effectRef idx="0">
+            <a:schemeClr val="accent1"/>
+          </a:effectRef>
+          <a:fontRef idx="minor">
+            <a:schemeClr val="lt1"/>
+          </a:fontRef>
+        </p:style>
+        <p:txBody>
+          <a:bodyPr rtlCol="0" anchor="ctr"/>
+          <a:lstStyle/>
+          <a:p>
+            <a:pPr algn="ctr"/>
+            <a:endParaRPr lang="en-US"/>
+          </a:p>
+        </p:txBody>
+      </p:sp>
+      <p:sp>
+        <p:nvSpPr>
+          <p:cNvPr id="24" name="Rectangle 23">
+            <a:extLst>
+              <a:ext uri="{FF2B5EF4-FFF2-40B4-BE49-F238E27FC236}">
+                <a16:creationId xmlns:a16="http://schemas.microsoft.com/office/drawing/2014/main" id="{993D5826-407C-4F65-BE3A-EB593B942A36}"/>
+              </a:ext>
+            </a:extLst>
+          </p:cNvPr>
+          <p:cNvSpPr/>
+          <p:nvPr/>
+        </p:nvSpPr>
+        <p:spPr>
+          <a:xfrm>
+            <a:off x="10085294" y="2447247"/>
+            <a:ext cx="1776920" cy="150200"/>
+          </a:xfrm>
+          <a:prstGeom prst="rect">
+            <a:avLst/>
+          </a:prstGeom>
+          <a:solidFill>
+            <a:srgbClr val="A71B86"/>
+          </a:solidFill>
+          <a:ln>
+            <a:noFill/>
+          </a:ln>
+        </p:spPr>
+        <p:style>
+          <a:lnRef idx="2">
+            <a:schemeClr val="accent1">
+              <a:shade val="50000"/>
+            </a:schemeClr>
+          </a:lnRef>
+          <a:fillRef idx="1">
+            <a:schemeClr val="accent1"/>
+          </a:fillRef>
+          <a:effectRef idx="0">
+            <a:schemeClr val="accent1"/>
+          </a:effectRef>
+          <a:fontRef idx="minor">
+            <a:schemeClr val="lt1"/>
+          </a:fontRef>
+        </p:style>
+        <p:txBody>
+          <a:bodyPr rtlCol="0" anchor="ctr"/>
+          <a:lstStyle/>
+          <a:p>
+            <a:pPr algn="ctr"/>
+            <a:endParaRPr lang="en-US"/>
+          </a:p>
+        </p:txBody>
+      </p:sp>
+      <p:sp>
+        <p:nvSpPr>
+          <p:cNvPr id="25" name="Rectangle 24">
+            <a:extLst>
+              <a:ext uri="{FF2B5EF4-FFF2-40B4-BE49-F238E27FC236}">
+                <a16:creationId xmlns:a16="http://schemas.microsoft.com/office/drawing/2014/main" id="{D2785A94-4D0B-4559-9303-3C963AA0EF9A}"/>
+              </a:ext>
+            </a:extLst>
+          </p:cNvPr>
+          <p:cNvSpPr/>
+          <p:nvPr/>
+        </p:nvSpPr>
+        <p:spPr>
+          <a:xfrm>
+            <a:off x="10085294" y="2642972"/>
+            <a:ext cx="1776920" cy="362446"/>
+          </a:xfrm>
+          <a:prstGeom prst="rect">
+            <a:avLst/>
+          </a:prstGeom>
+          <a:solidFill>
+            <a:srgbClr val="11B29F"/>
+          </a:solidFill>
+          <a:ln>
+            <a:noFill/>
+          </a:ln>
+        </p:spPr>
+        <p:style>
+          <a:lnRef idx="2">
+            <a:schemeClr val="accent1">
+              <a:shade val="50000"/>
+            </a:schemeClr>
+          </a:lnRef>
+          <a:fillRef idx="1">
+            <a:schemeClr val="accent1"/>
+          </a:fillRef>
+          <a:effectRef idx="0">
+            <a:schemeClr val="accent1"/>
+          </a:effectRef>
+          <a:fontRef idx="minor">
+            <a:schemeClr val="lt1"/>
+          </a:fontRef>
+        </p:style>
+        <p:txBody>
+          <a:bodyPr rtlCol="0" anchor="ctr"/>
+          <a:lstStyle/>
+          <a:p>
+            <a:pPr algn="ctr"/>
+            <a:endParaRPr lang="en-US"/>
+          </a:p>
+        </p:txBody>
+      </p:sp>
+      <p:sp>
+        <p:nvSpPr>
+          <p:cNvPr id="26" name="Rectangle 25">
+            <a:extLst>
+              <a:ext uri="{FF2B5EF4-FFF2-40B4-BE49-F238E27FC236}">
+                <a16:creationId xmlns:a16="http://schemas.microsoft.com/office/drawing/2014/main" id="{B235F2E9-4558-433D-9527-7EFF5C5E78A8}"/>
+              </a:ext>
+            </a:extLst>
+          </p:cNvPr>
+          <p:cNvSpPr/>
+          <p:nvPr/>
+        </p:nvSpPr>
+        <p:spPr>
+          <a:xfrm>
+            <a:off x="10085294" y="3050943"/>
+            <a:ext cx="1776920" cy="362446"/>
+          </a:xfrm>
+          <a:prstGeom prst="rect">
+            <a:avLst/>
+          </a:prstGeom>
+          <a:solidFill>
+            <a:srgbClr val="A71B86"/>
+          </a:solidFill>
+          <a:ln>
+            <a:noFill/>
+          </a:ln>
+        </p:spPr>
+        <p:style>
+          <a:lnRef idx="2">
+            <a:schemeClr val="accent1">
+              <a:shade val="50000"/>
+            </a:schemeClr>
+          </a:lnRef>
+          <a:fillRef idx="1">
+            <a:schemeClr val="accent1"/>
+          </a:fillRef>
+          <a:effectRef idx="0">
+            <a:schemeClr val="accent1"/>
+          </a:effectRef>
+          <a:fontRef idx="minor">
+            <a:schemeClr val="lt1"/>
+          </a:fontRef>
+        </p:style>
+        <p:txBody>
+          <a:bodyPr rtlCol="0" anchor="ctr"/>
+          <a:lstStyle/>
+          <a:p>
+            <a:pPr algn="ctr"/>
+            <a:endParaRPr lang="en-US"/>
+          </a:p>
+        </p:txBody>
+      </p:sp>
+      <p:sp>
+        <p:nvSpPr>
+          <p:cNvPr id="27" name="Rectangle 26">
+            <a:extLst>
+              <a:ext uri="{FF2B5EF4-FFF2-40B4-BE49-F238E27FC236}">
+                <a16:creationId xmlns:a16="http://schemas.microsoft.com/office/drawing/2014/main" id="{99613B87-411B-4008-BF30-F1A3B8F247B5}"/>
+              </a:ext>
+            </a:extLst>
+          </p:cNvPr>
+          <p:cNvSpPr/>
+          <p:nvPr/>
+        </p:nvSpPr>
+        <p:spPr>
+          <a:xfrm>
+            <a:off x="10085294" y="3490136"/>
+            <a:ext cx="1776920" cy="3367864"/>
+          </a:xfrm>
+          <a:prstGeom prst="rect">
+            <a:avLst/>
+          </a:prstGeom>
+          <a:solidFill>
+            <a:srgbClr val="11B29F"/>
+          </a:solidFill>
+          <a:ln>
+            <a:noFill/>
+          </a:ln>
+        </p:spPr>
+        <p:style>
+          <a:lnRef idx="2">
+            <a:schemeClr val="accent1">
+              <a:shade val="50000"/>
+            </a:schemeClr>
+          </a:lnRef>
+          <a:fillRef idx="1">
+            <a:schemeClr val="accent1"/>
+          </a:fillRef>
+          <a:effectRef idx="0">
+            <a:schemeClr val="accent1"/>
+          </a:effectRef>
+          <a:fontRef idx="minor">
+            <a:schemeClr val="lt1"/>
+          </a:fontRef>
+        </p:style>
+        <p:txBody>
+          <a:bodyPr rtlCol="0" anchor="ctr"/>
+          <a:lstStyle/>
+          <a:p>
+            <a:pPr algn="ctr"/>
+            <a:endParaRPr lang="en-US"/>
+          </a:p>
+        </p:txBody>
+      </p:sp>
+      <p:sp>
+        <p:nvSpPr>
+          <p:cNvPr id="32" name="Rectangle 31">
+            <a:extLst>
+              <a:ext uri="{FF2B5EF4-FFF2-40B4-BE49-F238E27FC236}">
+                <a16:creationId xmlns:a16="http://schemas.microsoft.com/office/drawing/2014/main" id="{145B3BD2-B1C1-4ED2-A4E0-5E17DD3736F1}"/>
+              </a:ext>
+            </a:extLst>
+          </p:cNvPr>
+          <p:cNvSpPr/>
+          <p:nvPr/>
+        </p:nvSpPr>
+        <p:spPr>
+          <a:xfrm rot="19800000">
+            <a:off x="-765351" y="385789"/>
+            <a:ext cx="4026751" cy="269178"/>
+          </a:xfrm>
+          <a:prstGeom prst="rect">
+            <a:avLst/>
+          </a:prstGeom>
+          <a:solidFill>
+            <a:srgbClr val="A71B86"/>
+          </a:solidFill>
+          <a:ln>
+            <a:noFill/>
+          </a:ln>
+        </p:spPr>
+        <p:style>
+          <a:lnRef idx="2">
+            <a:schemeClr val="accent1">
+              <a:shade val="50000"/>
+            </a:schemeClr>
+          </a:lnRef>
+          <a:fillRef idx="1">
+            <a:schemeClr val="accent1"/>
+          </a:fillRef>
+          <a:effectRef idx="0">
+            <a:schemeClr val="accent1"/>
+          </a:effectRef>
+          <a:fontRef idx="minor">
+            <a:schemeClr val="lt1"/>
+          </a:fontRef>
+        </p:style>
+        <p:txBody>
+          <a:bodyPr rtlCol="0" anchor="ctr"/>
+          <a:lstStyle/>
+          <a:p>
+            <a:pPr algn="ctr"/>
+            <a:endParaRPr lang="en-US"/>
+          </a:p>
+        </p:txBody>
+      </p:sp>
+      <p:sp>
+        <p:nvSpPr>
+          <p:cNvPr id="33" name="Rectangle 32">
+            <a:extLst>
+              <a:ext uri="{FF2B5EF4-FFF2-40B4-BE49-F238E27FC236}">
+                <a16:creationId xmlns:a16="http://schemas.microsoft.com/office/drawing/2014/main" id="{DC3B2826-65DD-408B-8F18-8CCD6C052D8D}"/>
+              </a:ext>
+            </a:extLst>
+          </p:cNvPr>
+          <p:cNvSpPr/>
+          <p:nvPr/>
+        </p:nvSpPr>
+        <p:spPr>
+          <a:xfrm rot="19800000">
+            <a:off x="9257156" y="6226296"/>
+            <a:ext cx="4026751" cy="269178"/>
+          </a:xfrm>
+          <a:prstGeom prst="rect">
+            <a:avLst/>
+          </a:prstGeom>
+          <a:solidFill>
+            <a:srgbClr val="A71B86"/>
+          </a:solidFill>
+          <a:ln>
+            <a:noFill/>
+          </a:ln>
+        </p:spPr>
+        <p:style>
+          <a:lnRef idx="2">
+            <a:schemeClr val="accent1">
+              <a:shade val="50000"/>
+            </a:schemeClr>
+          </a:lnRef>
+          <a:fillRef idx="1">
+            <a:schemeClr val="accent1"/>
+          </a:fillRef>
+          <a:effectRef idx="0">
+            <a:schemeClr val="accent1"/>
+          </a:effectRef>
+          <a:fontRef idx="minor">
+            <a:schemeClr val="lt1"/>
+          </a:fontRef>
+        </p:style>
+        <p:txBody>
+          <a:bodyPr rtlCol="0" anchor="ctr"/>
+          <a:lstStyle/>
+          <a:p>
+            <a:pPr algn="ctr"/>
+            <a:endParaRPr lang="en-US"/>
+          </a:p>
+        </p:txBody>
+      </p:sp>
+      <p:sp>
+        <p:nvSpPr>
+          <p:cNvPr id="35" name="Rectangle 34">
+            <a:extLst>
+              <a:ext uri="{FF2B5EF4-FFF2-40B4-BE49-F238E27FC236}">
+                <a16:creationId xmlns:a16="http://schemas.microsoft.com/office/drawing/2014/main" id="{4935F901-F632-4698-8C7A-AC29B2397A6C}"/>
+              </a:ext>
+            </a:extLst>
+          </p:cNvPr>
+          <p:cNvSpPr/>
+          <p:nvPr/>
+        </p:nvSpPr>
+        <p:spPr>
+          <a:xfrm rot="19800000">
+            <a:off x="8263809" y="5824178"/>
+            <a:ext cx="4731177" cy="269178"/>
+          </a:xfrm>
+          <a:prstGeom prst="rect">
+            <a:avLst/>
+          </a:prstGeom>
+          <a:solidFill>
+            <a:srgbClr val="A71B86"/>
+          </a:solidFill>
+          <a:ln>
+            <a:noFill/>
+          </a:ln>
+        </p:spPr>
+        <p:style>
+          <a:lnRef idx="2">
+            <a:schemeClr val="accent1">
+              <a:shade val="50000"/>
+            </a:schemeClr>
+          </a:lnRef>
+          <a:fillRef idx="1">
+            <a:schemeClr val="accent1"/>
+          </a:fillRef>
+          <a:effectRef idx="0">
+            <a:schemeClr val="accent1"/>
+          </a:effectRef>
+          <a:fontRef idx="minor">
+            <a:schemeClr val="lt1"/>
+          </a:fontRef>
+        </p:style>
+        <p:txBody>
+          <a:bodyPr rtlCol="0" anchor="ctr"/>
+          <a:lstStyle/>
+          <a:p>
+            <a:pPr algn="ctr"/>
+            <a:endParaRPr lang="en-US"/>
+          </a:p>
+        </p:txBody>
+      </p:sp>
+      <p:sp>
+        <p:nvSpPr>
+          <p:cNvPr id="36" name="TextBox 35">
+            <a:extLst>
+              <a:ext uri="{FF2B5EF4-FFF2-40B4-BE49-F238E27FC236}">
+                <a16:creationId xmlns:a16="http://schemas.microsoft.com/office/drawing/2014/main" id="{389720C5-6DCB-428D-8C4F-A02DEC239333}"/>
+              </a:ext>
+            </a:extLst>
+          </p:cNvPr>
+          <p:cNvSpPr txBox="1"/>
+          <p:nvPr/>
+        </p:nvSpPr>
+        <p:spPr>
+          <a:xfrm>
+            <a:off x="838199" y="1957466"/>
+            <a:ext cx="8953805" cy="5324535"/>
+          </a:xfrm>
+          <a:prstGeom prst="rect">
+            <a:avLst/>
+          </a:prstGeom>
+          <a:noFill/>
+        </p:spPr>
+        <p:txBody>
+          <a:bodyPr wrap="square" rtlCol="0">
+            <a:spAutoFit/>
+          </a:bodyPr>
+          <a:lstStyle/>
+          <a:p>
+            <a:pPr marL="285750" indent="-285750">
+              <a:buFont typeface="Arial" panose="020B0604020202020204" pitchFamily="34" charset="0"/>
+              <a:buChar char="•"/>
+            </a:pPr>
+            <a:r>
+              <a:rPr lang="en-US" sz="2000" dirty="0">
+                <a:solidFill>
+                  <a:srgbClr val="404040"/>
+                </a:solidFill>
+                <a:latin typeface="Corbel" panose="020B0503020204020204" pitchFamily="34" charset="0"/>
+              </a:rPr>
+              <a:t>Darkest Region Represents the Feasible Region</a:t>
+            </a:r>
+          </a:p>
+          <a:p>
+            <a:pPr marL="285750" indent="-285750">
+              <a:buFont typeface="Arial" panose="020B0604020202020204" pitchFamily="34" charset="0"/>
+              <a:buChar char="•"/>
+            </a:pPr>
+            <a:endParaRPr lang="en-US" sz="2000" dirty="0">
+              <a:solidFill>
+                <a:srgbClr val="404040"/>
+              </a:solidFill>
+              <a:latin typeface="Corbel" panose="020B0503020204020204" pitchFamily="34" charset="0"/>
+            </a:endParaRPr>
+          </a:p>
+          <a:p>
+            <a:pPr marL="285750" indent="-285750">
+              <a:buFont typeface="Arial" panose="020B0604020202020204" pitchFamily="34" charset="0"/>
+              <a:buChar char="•"/>
+            </a:pPr>
+            <a:endParaRPr lang="en-US" sz="2000" dirty="0">
+              <a:solidFill>
+                <a:srgbClr val="404040"/>
+              </a:solidFill>
+              <a:latin typeface="Corbel" panose="020B0503020204020204" pitchFamily="34" charset="0"/>
+            </a:endParaRPr>
+          </a:p>
+          <a:p>
+            <a:pPr marL="285750" indent="-285750">
+              <a:buFont typeface="Arial" panose="020B0604020202020204" pitchFamily="34" charset="0"/>
+              <a:buChar char="•"/>
+            </a:pPr>
+            <a:endParaRPr lang="en-US" sz="2000" dirty="0">
+              <a:solidFill>
+                <a:srgbClr val="404040"/>
+              </a:solidFill>
+              <a:latin typeface="Corbel" panose="020B0503020204020204" pitchFamily="34" charset="0"/>
+            </a:endParaRPr>
+          </a:p>
+          <a:p>
+            <a:pPr marL="285750" indent="-285750">
+              <a:buFont typeface="Arial" panose="020B0604020202020204" pitchFamily="34" charset="0"/>
+              <a:buChar char="•"/>
+            </a:pPr>
+            <a:endParaRPr lang="en-US" sz="2000" dirty="0">
+              <a:solidFill>
+                <a:srgbClr val="404040"/>
+              </a:solidFill>
+              <a:latin typeface="Corbel" panose="020B0503020204020204" pitchFamily="34" charset="0"/>
+            </a:endParaRPr>
+          </a:p>
+          <a:p>
+            <a:pPr marL="285750" indent="-285750">
+              <a:buFont typeface="Arial" panose="020B0604020202020204" pitchFamily="34" charset="0"/>
+              <a:buChar char="•"/>
+            </a:pPr>
+            <a:endParaRPr lang="en-US" sz="2000" dirty="0">
+              <a:solidFill>
+                <a:srgbClr val="404040"/>
+              </a:solidFill>
+              <a:latin typeface="Corbel" panose="020B0503020204020204" pitchFamily="34" charset="0"/>
+            </a:endParaRPr>
+          </a:p>
+          <a:p>
+            <a:pPr marL="285750" indent="-285750">
+              <a:buFont typeface="Arial" panose="020B0604020202020204" pitchFamily="34" charset="0"/>
+              <a:buChar char="•"/>
+            </a:pPr>
+            <a:endParaRPr lang="en-US" sz="2000" dirty="0">
+              <a:solidFill>
+                <a:srgbClr val="404040"/>
+              </a:solidFill>
+              <a:latin typeface="Corbel" panose="020B0503020204020204" pitchFamily="34" charset="0"/>
+            </a:endParaRPr>
+          </a:p>
+          <a:p>
+            <a:pPr marL="285750" indent="-285750">
+              <a:buFont typeface="Arial" panose="020B0604020202020204" pitchFamily="34" charset="0"/>
+              <a:buChar char="•"/>
+            </a:pPr>
+            <a:endParaRPr lang="en-US" sz="2000" dirty="0">
+              <a:solidFill>
+                <a:srgbClr val="404040"/>
+              </a:solidFill>
+              <a:latin typeface="Corbel" panose="020B0503020204020204" pitchFamily="34" charset="0"/>
+            </a:endParaRPr>
+          </a:p>
+          <a:p>
+            <a:pPr marL="285750" indent="-285750">
+              <a:buFont typeface="Arial" panose="020B0604020202020204" pitchFamily="34" charset="0"/>
+              <a:buChar char="•"/>
+            </a:pPr>
+            <a:endParaRPr lang="en-US" sz="2000" dirty="0">
+              <a:solidFill>
+                <a:srgbClr val="404040"/>
+              </a:solidFill>
+              <a:latin typeface="Corbel" panose="020B0503020204020204" pitchFamily="34" charset="0"/>
+            </a:endParaRPr>
+          </a:p>
+          <a:p>
+            <a:pPr marL="285750" indent="-285750">
+              <a:buFont typeface="Arial" panose="020B0604020202020204" pitchFamily="34" charset="0"/>
+              <a:buChar char="•"/>
+            </a:pPr>
+            <a:endParaRPr lang="en-US" sz="2000" dirty="0">
+              <a:solidFill>
+                <a:srgbClr val="404040"/>
+              </a:solidFill>
+              <a:latin typeface="Corbel" panose="020B0503020204020204" pitchFamily="34" charset="0"/>
+            </a:endParaRPr>
+          </a:p>
+          <a:p>
+            <a:pPr marL="285750" indent="-285750">
+              <a:buFont typeface="Arial" panose="020B0604020202020204" pitchFamily="34" charset="0"/>
+              <a:buChar char="•"/>
+            </a:pPr>
+            <a:r>
+              <a:rPr lang="en-US" sz="2000" dirty="0">
+                <a:solidFill>
+                  <a:srgbClr val="404040"/>
+                </a:solidFill>
+                <a:latin typeface="Corbel" panose="020B0503020204020204" pitchFamily="34" charset="0"/>
+              </a:rPr>
+              <a:t>Points of Intersection Can Be Easily Selected</a:t>
+            </a:r>
+          </a:p>
+          <a:p>
+            <a:pPr marL="285750" indent="-285750">
+              <a:buFont typeface="Arial" panose="020B0604020202020204" pitchFamily="34" charset="0"/>
+              <a:buChar char="•"/>
+            </a:pPr>
+            <a:endParaRPr lang="en-US" sz="2000" dirty="0">
+              <a:solidFill>
+                <a:srgbClr val="404040"/>
+              </a:solidFill>
+              <a:latin typeface="Corbel" panose="020B0503020204020204" pitchFamily="34" charset="0"/>
+            </a:endParaRPr>
+          </a:p>
+          <a:p>
+            <a:pPr marL="285750" indent="-285750">
+              <a:buFont typeface="Arial" panose="020B0604020202020204" pitchFamily="34" charset="0"/>
+              <a:buChar char="•"/>
+            </a:pPr>
+            <a:r>
+              <a:rPr lang="en-US" sz="2000" dirty="0">
+                <a:solidFill>
+                  <a:srgbClr val="404040"/>
+                </a:solidFill>
+                <a:latin typeface="Corbel" panose="020B0503020204020204" pitchFamily="34" charset="0"/>
+              </a:rPr>
+              <a:t>Need to Use a Screen Shot to Capture Image to Save on Your Computer</a:t>
+            </a:r>
+            <a:endParaRPr lang="en-US" sz="2000" dirty="0">
+              <a:latin typeface="Corbel" panose="020B0503020204020204" pitchFamily="34" charset="0"/>
+            </a:endParaRPr>
+          </a:p>
+          <a:p>
+            <a:pPr marL="285750" indent="-285750">
+              <a:buFont typeface="Arial" panose="020B0604020202020204" pitchFamily="34" charset="0"/>
+              <a:buChar char="•"/>
+            </a:pPr>
+            <a:endParaRPr lang="en-US" sz="2000" dirty="0">
+              <a:solidFill>
+                <a:srgbClr val="404040"/>
+              </a:solidFill>
+              <a:latin typeface="Corbel" panose="020B0503020204020204" pitchFamily="34" charset="0"/>
+            </a:endParaRPr>
+          </a:p>
+          <a:p>
+            <a:pPr marL="742950" lvl="1" indent="-285750">
+              <a:buFont typeface="Arial" panose="020B0604020202020204" pitchFamily="34" charset="0"/>
+              <a:buChar char="•"/>
+            </a:pPr>
+            <a:endParaRPr lang="en-US" sz="2000" dirty="0">
+              <a:solidFill>
+                <a:srgbClr val="404040"/>
+              </a:solidFill>
+              <a:latin typeface="Corbel" panose="020B0503020204020204" pitchFamily="34" charset="0"/>
+            </a:endParaRPr>
+          </a:p>
+          <a:p>
+            <a:pPr marL="285750" indent="-285750">
+              <a:buFont typeface="Arial" panose="020B0604020202020204" pitchFamily="34" charset="0"/>
+              <a:buChar char="•"/>
+            </a:pPr>
+            <a:endParaRPr lang="en-US" sz="2000" dirty="0">
+              <a:solidFill>
+                <a:srgbClr val="A71B86"/>
+              </a:solidFill>
+              <a:latin typeface="Corbel" panose="020B0503020204020204" pitchFamily="34" charset="0"/>
+            </a:endParaRPr>
+          </a:p>
+          <a:p>
+            <a:pPr marL="285750" indent="-285750">
+              <a:buFont typeface="Arial" panose="020B0604020202020204" pitchFamily="34" charset="0"/>
+              <a:buChar char="•"/>
+            </a:pPr>
+            <a:endParaRPr lang="en-US" sz="2000" dirty="0">
+              <a:solidFill>
+                <a:srgbClr val="A71B86"/>
+              </a:solidFill>
+              <a:latin typeface="Corbel" panose="020B0503020204020204" pitchFamily="34" charset="0"/>
+            </a:endParaRPr>
+          </a:p>
+        </p:txBody>
+      </p:sp>
+      <p:pic>
+        <p:nvPicPr>
+          <p:cNvPr id="37" name="Graphic 36" descr="Palm tree">
+            <a:extLst>
+              <a:ext uri="{FF2B5EF4-FFF2-40B4-BE49-F238E27FC236}">
+                <a16:creationId xmlns:a16="http://schemas.microsoft.com/office/drawing/2014/main" id="{79F2EC1B-9713-4CCF-8301-82ED265F3940}"/>
+              </a:ext>
+            </a:extLst>
+          </p:cNvPr>
+          <p:cNvPicPr>
+            <a:picLocks noChangeAspect="1"/>
+          </p:cNvPicPr>
+          <p:nvPr/>
+        </p:nvPicPr>
+        <p:blipFill>
+          <a:blip r:embed="rId4">
+            <a:extLst>
+              <a:ext uri="{28A0092B-C50C-407E-A947-70E740481C1C}">
+                <a14:useLocalDpi xmlns:a14="http://schemas.microsoft.com/office/drawing/2010/main" val="0"/>
+              </a:ext>
+              <a:ext uri="{96DAC541-7B7A-43D3-8B79-37D633B846F1}">
+                <asvg:svgBlip xmlns:asvg="http://schemas.microsoft.com/office/drawing/2016/SVG/main" r:embed="rId5"/>
+              </a:ext>
+            </a:extLst>
+          </a:blip>
+          <a:stretch>
+            <a:fillRect/>
+          </a:stretch>
+        </p:blipFill>
+        <p:spPr>
+          <a:xfrm>
+            <a:off x="8964994" y="809490"/>
+            <a:ext cx="914400" cy="914400"/>
+          </a:xfrm>
+          <a:prstGeom prst="rect">
+            <a:avLst/>
+          </a:prstGeom>
+        </p:spPr>
+      </p:pic>
+      <p:pic>
+        <p:nvPicPr>
+          <p:cNvPr id="38" name="Graphic 37" descr="Palm tree">
+            <a:extLst>
+              <a:ext uri="{FF2B5EF4-FFF2-40B4-BE49-F238E27FC236}">
+                <a16:creationId xmlns:a16="http://schemas.microsoft.com/office/drawing/2014/main" id="{11C9CA6F-B5F0-4837-8E50-85C201ADA4F1}"/>
+              </a:ext>
+            </a:extLst>
+          </p:cNvPr>
+          <p:cNvPicPr>
+            <a:picLocks noChangeAspect="1"/>
+          </p:cNvPicPr>
+          <p:nvPr/>
+        </p:nvPicPr>
+        <p:blipFill>
+          <a:blip r:embed="rId4">
+            <a:extLst>
+              <a:ext uri="{28A0092B-C50C-407E-A947-70E740481C1C}">
+                <a14:useLocalDpi xmlns:a14="http://schemas.microsoft.com/office/drawing/2010/main" val="0"/>
+              </a:ext>
+              <a:ext uri="{96DAC541-7B7A-43D3-8B79-37D633B846F1}">
+                <asvg:svgBlip xmlns:asvg="http://schemas.microsoft.com/office/drawing/2016/SVG/main" r:embed="rId5"/>
+              </a:ext>
+            </a:extLst>
+          </a:blip>
+          <a:stretch>
+            <a:fillRect/>
+          </a:stretch>
+        </p:blipFill>
+        <p:spPr>
+          <a:xfrm>
+            <a:off x="8834542" y="1142112"/>
+            <a:ext cx="553133" cy="553133"/>
+          </a:xfrm>
+          <a:prstGeom prst="rect">
+            <a:avLst/>
+          </a:prstGeom>
+        </p:spPr>
+      </p:pic>
+      <p:pic>
+        <p:nvPicPr>
+          <p:cNvPr id="39" name="Graphic 38" descr="Palm tree">
+            <a:extLst>
+              <a:ext uri="{FF2B5EF4-FFF2-40B4-BE49-F238E27FC236}">
+                <a16:creationId xmlns:a16="http://schemas.microsoft.com/office/drawing/2014/main" id="{585AC1AD-01C8-4E2D-8361-4BEA62A48584}"/>
+              </a:ext>
+            </a:extLst>
+          </p:cNvPr>
+          <p:cNvPicPr>
+            <a:picLocks noChangeAspect="1"/>
+          </p:cNvPicPr>
+          <p:nvPr/>
+        </p:nvPicPr>
+        <p:blipFill>
+          <a:blip r:embed="rId4">
+            <a:extLst>
+              <a:ext uri="{28A0092B-C50C-407E-A947-70E740481C1C}">
+                <a14:useLocalDpi xmlns:a14="http://schemas.microsoft.com/office/drawing/2010/main" val="0"/>
+              </a:ext>
+              <a:ext uri="{96DAC541-7B7A-43D3-8B79-37D633B846F1}">
+                <asvg:svgBlip xmlns:asvg="http://schemas.microsoft.com/office/drawing/2016/SVG/main" r:embed="rId5"/>
+              </a:ext>
+            </a:extLst>
+          </a:blip>
+          <a:stretch>
+            <a:fillRect/>
+          </a:stretch>
+        </p:blipFill>
+        <p:spPr>
+          <a:xfrm>
+            <a:off x="9387675" y="1277468"/>
+            <a:ext cx="404329" cy="404329"/>
+          </a:xfrm>
+          <a:prstGeom prst="rect">
+            <a:avLst/>
+          </a:prstGeom>
+        </p:spPr>
+      </p:pic>
+      <p:pic>
+        <p:nvPicPr>
+          <p:cNvPr id="4" name="Picture 3">
+            <a:extLst>
+              <a:ext uri="{FF2B5EF4-FFF2-40B4-BE49-F238E27FC236}">
+                <a16:creationId xmlns:a16="http://schemas.microsoft.com/office/drawing/2014/main" id="{5E9C7662-0616-41B4-BEF8-2D2C6F2230BB}"/>
+              </a:ext>
+            </a:extLst>
+          </p:cNvPr>
+          <p:cNvPicPr>
+            <a:picLocks noChangeAspect="1"/>
+          </p:cNvPicPr>
+          <p:nvPr/>
+        </p:nvPicPr>
+        <p:blipFill>
+          <a:blip r:embed="rId6"/>
+          <a:stretch>
+            <a:fillRect/>
+          </a:stretch>
+        </p:blipFill>
+        <p:spPr>
+          <a:xfrm>
+            <a:off x="1248024" y="2430310"/>
+            <a:ext cx="5060677" cy="2431420"/>
+          </a:xfrm>
+          <a:prstGeom prst="rect">
+            <a:avLst/>
+          </a:prstGeom>
+          <a:ln w="38100">
+            <a:solidFill>
+              <a:srgbClr val="11B29F"/>
+            </a:solidFill>
+          </a:ln>
+        </p:spPr>
+      </p:pic>
+    </p:spTree>
+    <p:extLst>
+      <p:ext uri="{BB962C8B-B14F-4D97-AF65-F5344CB8AC3E}">
+        <p14:creationId xmlns:p14="http://schemas.microsoft.com/office/powerpoint/2010/main" val="3130871460"/>
+      </p:ext>
+    </p:extLst>
+  </p:cSld>
+  <p:clrMapOvr>
+    <a:masterClrMapping/>
+  </p:clrMapOvr>
+</p:sld>
+</file>
+
+<file path=ppt/slides/slide18.xml><?xml version="1.0" encoding="utf-8"?>
+<p:sld xmlns:a="http://schemas.openxmlformats.org/drawingml/2006/main" xmlns:r="http://schemas.openxmlformats.org/officeDocument/2006/relationships" xmlns:p="http://schemas.openxmlformats.org/presentationml/2006/main">
+  <p:cSld>
     <p:bg>
       <p:bgPr>
         <a:solidFill>
@@ -18150,6 +21384,1132 @@
                 </a:solidFill>
                 <a:latin typeface="Bodoni MT" panose="02070603080606020203" pitchFamily="18" charset="0"/>
               </a:rPr>
+              <a:t>Ex: Production of Pottery</a:t>
+            </a:r>
+          </a:p>
+        </p:txBody>
+      </p:sp>
+      <p:pic>
+        <p:nvPicPr>
+          <p:cNvPr id="5" name="Content Placeholder 4" descr="A picture containing cage&#10;&#10;Description automatically generated">
+            <a:extLst>
+              <a:ext uri="{FF2B5EF4-FFF2-40B4-BE49-F238E27FC236}">
+                <a16:creationId xmlns:a16="http://schemas.microsoft.com/office/drawing/2014/main" id="{EF817497-4F98-4236-83EE-74FD8376B077}"/>
+              </a:ext>
+            </a:extLst>
+          </p:cNvPr>
+          <p:cNvPicPr>
+            <a:picLocks noGrp="1" noChangeAspect="1"/>
+          </p:cNvPicPr>
+          <p:nvPr>
+            <p:ph idx="1"/>
+          </p:nvPr>
+        </p:nvPicPr>
+        <p:blipFill>
+          <a:blip r:embed="rId3">
+            <a:extLst>
+              <a:ext uri="{28A0092B-C50C-407E-A947-70E740481C1C}">
+                <a14:useLocalDpi xmlns:a14="http://schemas.microsoft.com/office/drawing/2010/main" val="0"/>
+              </a:ext>
+            </a:extLst>
+          </a:blip>
+          <a:stretch>
+            <a:fillRect/>
+          </a:stretch>
+        </p:blipFill>
+        <p:spPr>
+          <a:xfrm>
+            <a:off x="9887140" y="47697"/>
+            <a:ext cx="2143125" cy="2143125"/>
+          </a:xfrm>
+        </p:spPr>
+      </p:pic>
+      <p:sp>
+        <p:nvSpPr>
+          <p:cNvPr id="17" name="Rectangle 16">
+            <a:extLst>
+              <a:ext uri="{FF2B5EF4-FFF2-40B4-BE49-F238E27FC236}">
+                <a16:creationId xmlns:a16="http://schemas.microsoft.com/office/drawing/2014/main" id="{C723ED3C-F5E6-4121-9EF2-DD9574E1A49F}"/>
+              </a:ext>
+            </a:extLst>
+          </p:cNvPr>
+          <p:cNvSpPr/>
+          <p:nvPr/>
+        </p:nvSpPr>
+        <p:spPr>
+          <a:xfrm>
+            <a:off x="10085294" y="2008116"/>
+            <a:ext cx="1776920" cy="76178"/>
+          </a:xfrm>
+          <a:prstGeom prst="rect">
+            <a:avLst/>
+          </a:prstGeom>
+          <a:solidFill>
+            <a:srgbClr val="11B29F"/>
+          </a:solidFill>
+          <a:ln>
+            <a:noFill/>
+          </a:ln>
+        </p:spPr>
+        <p:style>
+          <a:lnRef idx="2">
+            <a:schemeClr val="accent1">
+              <a:shade val="50000"/>
+            </a:schemeClr>
+          </a:lnRef>
+          <a:fillRef idx="1">
+            <a:schemeClr val="accent1"/>
+          </a:fillRef>
+          <a:effectRef idx="0">
+            <a:schemeClr val="accent1"/>
+          </a:effectRef>
+          <a:fontRef idx="minor">
+            <a:schemeClr val="lt1"/>
+          </a:fontRef>
+        </p:style>
+        <p:txBody>
+          <a:bodyPr rtlCol="0" anchor="ctr"/>
+          <a:lstStyle/>
+          <a:p>
+            <a:pPr algn="ctr"/>
+            <a:endParaRPr lang="en-US"/>
+          </a:p>
+        </p:txBody>
+      </p:sp>
+      <p:sp>
+        <p:nvSpPr>
+          <p:cNvPr id="21" name="Rectangle 20">
+            <a:extLst>
+              <a:ext uri="{FF2B5EF4-FFF2-40B4-BE49-F238E27FC236}">
+                <a16:creationId xmlns:a16="http://schemas.microsoft.com/office/drawing/2014/main" id="{F9E0EC60-66D4-4536-A867-30142339BAA7}"/>
+              </a:ext>
+            </a:extLst>
+          </p:cNvPr>
+          <p:cNvSpPr/>
+          <p:nvPr/>
+        </p:nvSpPr>
+        <p:spPr>
+          <a:xfrm>
+            <a:off x="10085294" y="2129819"/>
+            <a:ext cx="1776920" cy="76178"/>
+          </a:xfrm>
+          <a:prstGeom prst="rect">
+            <a:avLst/>
+          </a:prstGeom>
+          <a:solidFill>
+            <a:srgbClr val="A71B86"/>
+          </a:solidFill>
+          <a:ln>
+            <a:noFill/>
+          </a:ln>
+        </p:spPr>
+        <p:style>
+          <a:lnRef idx="2">
+            <a:schemeClr val="accent1">
+              <a:shade val="50000"/>
+            </a:schemeClr>
+          </a:lnRef>
+          <a:fillRef idx="1">
+            <a:schemeClr val="accent1"/>
+          </a:fillRef>
+          <a:effectRef idx="0">
+            <a:schemeClr val="accent1"/>
+          </a:effectRef>
+          <a:fontRef idx="minor">
+            <a:schemeClr val="lt1"/>
+          </a:fontRef>
+        </p:style>
+        <p:txBody>
+          <a:bodyPr rtlCol="0" anchor="ctr"/>
+          <a:lstStyle/>
+          <a:p>
+            <a:pPr algn="ctr"/>
+            <a:endParaRPr lang="en-US"/>
+          </a:p>
+        </p:txBody>
+      </p:sp>
+      <p:sp>
+        <p:nvSpPr>
+          <p:cNvPr id="22" name="Rectangle 21">
+            <a:extLst>
+              <a:ext uri="{FF2B5EF4-FFF2-40B4-BE49-F238E27FC236}">
+                <a16:creationId xmlns:a16="http://schemas.microsoft.com/office/drawing/2014/main" id="{F95AED49-24A8-4D10-9D31-F944565EC1B2}"/>
+              </a:ext>
+            </a:extLst>
+          </p:cNvPr>
+          <p:cNvSpPr/>
+          <p:nvPr/>
+        </p:nvSpPr>
+        <p:spPr>
+          <a:xfrm>
+            <a:off x="10085294" y="2251522"/>
+            <a:ext cx="1776920" cy="150200"/>
+          </a:xfrm>
+          <a:prstGeom prst="rect">
+            <a:avLst/>
+          </a:prstGeom>
+          <a:solidFill>
+            <a:srgbClr val="11B29F"/>
+          </a:solidFill>
+          <a:ln>
+            <a:noFill/>
+          </a:ln>
+        </p:spPr>
+        <p:style>
+          <a:lnRef idx="2">
+            <a:schemeClr val="accent1">
+              <a:shade val="50000"/>
+            </a:schemeClr>
+          </a:lnRef>
+          <a:fillRef idx="1">
+            <a:schemeClr val="accent1"/>
+          </a:fillRef>
+          <a:effectRef idx="0">
+            <a:schemeClr val="accent1"/>
+          </a:effectRef>
+          <a:fontRef idx="minor">
+            <a:schemeClr val="lt1"/>
+          </a:fontRef>
+        </p:style>
+        <p:txBody>
+          <a:bodyPr rtlCol="0" anchor="ctr"/>
+          <a:lstStyle/>
+          <a:p>
+            <a:pPr algn="ctr"/>
+            <a:endParaRPr lang="en-US"/>
+          </a:p>
+        </p:txBody>
+      </p:sp>
+      <p:sp>
+        <p:nvSpPr>
+          <p:cNvPr id="24" name="Rectangle 23">
+            <a:extLst>
+              <a:ext uri="{FF2B5EF4-FFF2-40B4-BE49-F238E27FC236}">
+                <a16:creationId xmlns:a16="http://schemas.microsoft.com/office/drawing/2014/main" id="{993D5826-407C-4F65-BE3A-EB593B942A36}"/>
+              </a:ext>
+            </a:extLst>
+          </p:cNvPr>
+          <p:cNvSpPr/>
+          <p:nvPr/>
+        </p:nvSpPr>
+        <p:spPr>
+          <a:xfrm>
+            <a:off x="10085294" y="2447247"/>
+            <a:ext cx="1776920" cy="150200"/>
+          </a:xfrm>
+          <a:prstGeom prst="rect">
+            <a:avLst/>
+          </a:prstGeom>
+          <a:solidFill>
+            <a:srgbClr val="A71B86"/>
+          </a:solidFill>
+          <a:ln>
+            <a:noFill/>
+          </a:ln>
+        </p:spPr>
+        <p:style>
+          <a:lnRef idx="2">
+            <a:schemeClr val="accent1">
+              <a:shade val="50000"/>
+            </a:schemeClr>
+          </a:lnRef>
+          <a:fillRef idx="1">
+            <a:schemeClr val="accent1"/>
+          </a:fillRef>
+          <a:effectRef idx="0">
+            <a:schemeClr val="accent1"/>
+          </a:effectRef>
+          <a:fontRef idx="minor">
+            <a:schemeClr val="lt1"/>
+          </a:fontRef>
+        </p:style>
+        <p:txBody>
+          <a:bodyPr rtlCol="0" anchor="ctr"/>
+          <a:lstStyle/>
+          <a:p>
+            <a:pPr algn="ctr"/>
+            <a:endParaRPr lang="en-US"/>
+          </a:p>
+        </p:txBody>
+      </p:sp>
+      <p:sp>
+        <p:nvSpPr>
+          <p:cNvPr id="25" name="Rectangle 24">
+            <a:extLst>
+              <a:ext uri="{FF2B5EF4-FFF2-40B4-BE49-F238E27FC236}">
+                <a16:creationId xmlns:a16="http://schemas.microsoft.com/office/drawing/2014/main" id="{D2785A94-4D0B-4559-9303-3C963AA0EF9A}"/>
+              </a:ext>
+            </a:extLst>
+          </p:cNvPr>
+          <p:cNvSpPr/>
+          <p:nvPr/>
+        </p:nvSpPr>
+        <p:spPr>
+          <a:xfrm>
+            <a:off x="10085294" y="2642972"/>
+            <a:ext cx="1776920" cy="362446"/>
+          </a:xfrm>
+          <a:prstGeom prst="rect">
+            <a:avLst/>
+          </a:prstGeom>
+          <a:solidFill>
+            <a:srgbClr val="11B29F"/>
+          </a:solidFill>
+          <a:ln>
+            <a:noFill/>
+          </a:ln>
+        </p:spPr>
+        <p:style>
+          <a:lnRef idx="2">
+            <a:schemeClr val="accent1">
+              <a:shade val="50000"/>
+            </a:schemeClr>
+          </a:lnRef>
+          <a:fillRef idx="1">
+            <a:schemeClr val="accent1"/>
+          </a:fillRef>
+          <a:effectRef idx="0">
+            <a:schemeClr val="accent1"/>
+          </a:effectRef>
+          <a:fontRef idx="minor">
+            <a:schemeClr val="lt1"/>
+          </a:fontRef>
+        </p:style>
+        <p:txBody>
+          <a:bodyPr rtlCol="0" anchor="ctr"/>
+          <a:lstStyle/>
+          <a:p>
+            <a:pPr algn="ctr"/>
+            <a:endParaRPr lang="en-US"/>
+          </a:p>
+        </p:txBody>
+      </p:sp>
+      <p:sp>
+        <p:nvSpPr>
+          <p:cNvPr id="26" name="Rectangle 25">
+            <a:extLst>
+              <a:ext uri="{FF2B5EF4-FFF2-40B4-BE49-F238E27FC236}">
+                <a16:creationId xmlns:a16="http://schemas.microsoft.com/office/drawing/2014/main" id="{B235F2E9-4558-433D-9527-7EFF5C5E78A8}"/>
+              </a:ext>
+            </a:extLst>
+          </p:cNvPr>
+          <p:cNvSpPr/>
+          <p:nvPr/>
+        </p:nvSpPr>
+        <p:spPr>
+          <a:xfrm>
+            <a:off x="10085294" y="3050943"/>
+            <a:ext cx="1776920" cy="362446"/>
+          </a:xfrm>
+          <a:prstGeom prst="rect">
+            <a:avLst/>
+          </a:prstGeom>
+          <a:solidFill>
+            <a:srgbClr val="A71B86"/>
+          </a:solidFill>
+          <a:ln>
+            <a:noFill/>
+          </a:ln>
+        </p:spPr>
+        <p:style>
+          <a:lnRef idx="2">
+            <a:schemeClr val="accent1">
+              <a:shade val="50000"/>
+            </a:schemeClr>
+          </a:lnRef>
+          <a:fillRef idx="1">
+            <a:schemeClr val="accent1"/>
+          </a:fillRef>
+          <a:effectRef idx="0">
+            <a:schemeClr val="accent1"/>
+          </a:effectRef>
+          <a:fontRef idx="minor">
+            <a:schemeClr val="lt1"/>
+          </a:fontRef>
+        </p:style>
+        <p:txBody>
+          <a:bodyPr rtlCol="0" anchor="ctr"/>
+          <a:lstStyle/>
+          <a:p>
+            <a:pPr algn="ctr"/>
+            <a:endParaRPr lang="en-US"/>
+          </a:p>
+        </p:txBody>
+      </p:sp>
+      <p:sp>
+        <p:nvSpPr>
+          <p:cNvPr id="27" name="Rectangle 26">
+            <a:extLst>
+              <a:ext uri="{FF2B5EF4-FFF2-40B4-BE49-F238E27FC236}">
+                <a16:creationId xmlns:a16="http://schemas.microsoft.com/office/drawing/2014/main" id="{99613B87-411B-4008-BF30-F1A3B8F247B5}"/>
+              </a:ext>
+            </a:extLst>
+          </p:cNvPr>
+          <p:cNvSpPr/>
+          <p:nvPr/>
+        </p:nvSpPr>
+        <p:spPr>
+          <a:xfrm>
+            <a:off x="10085294" y="3490136"/>
+            <a:ext cx="1776920" cy="3367864"/>
+          </a:xfrm>
+          <a:prstGeom prst="rect">
+            <a:avLst/>
+          </a:prstGeom>
+          <a:solidFill>
+            <a:srgbClr val="11B29F"/>
+          </a:solidFill>
+          <a:ln>
+            <a:noFill/>
+          </a:ln>
+        </p:spPr>
+        <p:style>
+          <a:lnRef idx="2">
+            <a:schemeClr val="accent1">
+              <a:shade val="50000"/>
+            </a:schemeClr>
+          </a:lnRef>
+          <a:fillRef idx="1">
+            <a:schemeClr val="accent1"/>
+          </a:fillRef>
+          <a:effectRef idx="0">
+            <a:schemeClr val="accent1"/>
+          </a:effectRef>
+          <a:fontRef idx="minor">
+            <a:schemeClr val="lt1"/>
+          </a:fontRef>
+        </p:style>
+        <p:txBody>
+          <a:bodyPr rtlCol="0" anchor="ctr"/>
+          <a:lstStyle/>
+          <a:p>
+            <a:pPr algn="ctr"/>
+            <a:endParaRPr lang="en-US"/>
+          </a:p>
+        </p:txBody>
+      </p:sp>
+      <p:sp>
+        <p:nvSpPr>
+          <p:cNvPr id="32" name="Rectangle 31">
+            <a:extLst>
+              <a:ext uri="{FF2B5EF4-FFF2-40B4-BE49-F238E27FC236}">
+                <a16:creationId xmlns:a16="http://schemas.microsoft.com/office/drawing/2014/main" id="{145B3BD2-B1C1-4ED2-A4E0-5E17DD3736F1}"/>
+              </a:ext>
+            </a:extLst>
+          </p:cNvPr>
+          <p:cNvSpPr/>
+          <p:nvPr/>
+        </p:nvSpPr>
+        <p:spPr>
+          <a:xfrm rot="19800000">
+            <a:off x="-765351" y="385789"/>
+            <a:ext cx="4026751" cy="269178"/>
+          </a:xfrm>
+          <a:prstGeom prst="rect">
+            <a:avLst/>
+          </a:prstGeom>
+          <a:solidFill>
+            <a:srgbClr val="A71B86"/>
+          </a:solidFill>
+          <a:ln>
+            <a:noFill/>
+          </a:ln>
+        </p:spPr>
+        <p:style>
+          <a:lnRef idx="2">
+            <a:schemeClr val="accent1">
+              <a:shade val="50000"/>
+            </a:schemeClr>
+          </a:lnRef>
+          <a:fillRef idx="1">
+            <a:schemeClr val="accent1"/>
+          </a:fillRef>
+          <a:effectRef idx="0">
+            <a:schemeClr val="accent1"/>
+          </a:effectRef>
+          <a:fontRef idx="minor">
+            <a:schemeClr val="lt1"/>
+          </a:fontRef>
+        </p:style>
+        <p:txBody>
+          <a:bodyPr rtlCol="0" anchor="ctr"/>
+          <a:lstStyle/>
+          <a:p>
+            <a:pPr algn="ctr"/>
+            <a:endParaRPr lang="en-US"/>
+          </a:p>
+        </p:txBody>
+      </p:sp>
+      <p:sp>
+        <p:nvSpPr>
+          <p:cNvPr id="33" name="Rectangle 32">
+            <a:extLst>
+              <a:ext uri="{FF2B5EF4-FFF2-40B4-BE49-F238E27FC236}">
+                <a16:creationId xmlns:a16="http://schemas.microsoft.com/office/drawing/2014/main" id="{DC3B2826-65DD-408B-8F18-8CCD6C052D8D}"/>
+              </a:ext>
+            </a:extLst>
+          </p:cNvPr>
+          <p:cNvSpPr/>
+          <p:nvPr/>
+        </p:nvSpPr>
+        <p:spPr>
+          <a:xfrm rot="19800000">
+            <a:off x="9257156" y="6226296"/>
+            <a:ext cx="4026751" cy="269178"/>
+          </a:xfrm>
+          <a:prstGeom prst="rect">
+            <a:avLst/>
+          </a:prstGeom>
+          <a:solidFill>
+            <a:srgbClr val="A71B86"/>
+          </a:solidFill>
+          <a:ln>
+            <a:noFill/>
+          </a:ln>
+        </p:spPr>
+        <p:style>
+          <a:lnRef idx="2">
+            <a:schemeClr val="accent1">
+              <a:shade val="50000"/>
+            </a:schemeClr>
+          </a:lnRef>
+          <a:fillRef idx="1">
+            <a:schemeClr val="accent1"/>
+          </a:fillRef>
+          <a:effectRef idx="0">
+            <a:schemeClr val="accent1"/>
+          </a:effectRef>
+          <a:fontRef idx="minor">
+            <a:schemeClr val="lt1"/>
+          </a:fontRef>
+        </p:style>
+        <p:txBody>
+          <a:bodyPr rtlCol="0" anchor="ctr"/>
+          <a:lstStyle/>
+          <a:p>
+            <a:pPr algn="ctr"/>
+            <a:endParaRPr lang="en-US"/>
+          </a:p>
+        </p:txBody>
+      </p:sp>
+      <p:sp>
+        <p:nvSpPr>
+          <p:cNvPr id="35" name="Rectangle 34">
+            <a:extLst>
+              <a:ext uri="{FF2B5EF4-FFF2-40B4-BE49-F238E27FC236}">
+                <a16:creationId xmlns:a16="http://schemas.microsoft.com/office/drawing/2014/main" id="{4935F901-F632-4698-8C7A-AC29B2397A6C}"/>
+              </a:ext>
+            </a:extLst>
+          </p:cNvPr>
+          <p:cNvSpPr/>
+          <p:nvPr/>
+        </p:nvSpPr>
+        <p:spPr>
+          <a:xfrm rot="19800000">
+            <a:off x="8263809" y="5824178"/>
+            <a:ext cx="4731177" cy="269178"/>
+          </a:xfrm>
+          <a:prstGeom prst="rect">
+            <a:avLst/>
+          </a:prstGeom>
+          <a:solidFill>
+            <a:srgbClr val="A71B86"/>
+          </a:solidFill>
+          <a:ln>
+            <a:noFill/>
+          </a:ln>
+        </p:spPr>
+        <p:style>
+          <a:lnRef idx="2">
+            <a:schemeClr val="accent1">
+              <a:shade val="50000"/>
+            </a:schemeClr>
+          </a:lnRef>
+          <a:fillRef idx="1">
+            <a:schemeClr val="accent1"/>
+          </a:fillRef>
+          <a:effectRef idx="0">
+            <a:schemeClr val="accent1"/>
+          </a:effectRef>
+          <a:fontRef idx="minor">
+            <a:schemeClr val="lt1"/>
+          </a:fontRef>
+        </p:style>
+        <p:txBody>
+          <a:bodyPr rtlCol="0" anchor="ctr"/>
+          <a:lstStyle/>
+          <a:p>
+            <a:pPr algn="ctr"/>
+            <a:endParaRPr lang="en-US"/>
+          </a:p>
+        </p:txBody>
+      </p:sp>
+      <p:sp>
+        <p:nvSpPr>
+          <p:cNvPr id="36" name="TextBox 35">
+            <a:extLst>
+              <a:ext uri="{FF2B5EF4-FFF2-40B4-BE49-F238E27FC236}">
+                <a16:creationId xmlns:a16="http://schemas.microsoft.com/office/drawing/2014/main" id="{389720C5-6DCB-428D-8C4F-A02DEC239333}"/>
+              </a:ext>
+            </a:extLst>
+          </p:cNvPr>
+          <p:cNvSpPr txBox="1"/>
+          <p:nvPr/>
+        </p:nvSpPr>
+        <p:spPr>
+          <a:xfrm>
+            <a:off x="838199" y="1957466"/>
+            <a:ext cx="9048941" cy="5016758"/>
+          </a:xfrm>
+          <a:prstGeom prst="rect">
+            <a:avLst/>
+          </a:prstGeom>
+          <a:noFill/>
+        </p:spPr>
+        <p:txBody>
+          <a:bodyPr wrap="square" rtlCol="0">
+            <a:spAutoFit/>
+          </a:bodyPr>
+          <a:lstStyle/>
+          <a:p>
+            <a:pPr marL="285750" indent="-285750">
+              <a:buFont typeface="Arial" panose="020B0604020202020204" pitchFamily="34" charset="0"/>
+              <a:buChar char="•"/>
+            </a:pPr>
+            <a:r>
+              <a:rPr lang="en-US" sz="2000" dirty="0">
+                <a:solidFill>
+                  <a:srgbClr val="404040"/>
+                </a:solidFill>
+                <a:latin typeface="Corbel" panose="020B0503020204020204" pitchFamily="34" charset="0"/>
+              </a:rPr>
+              <a:t>Beaver Creek Pottery produces the hottest clay bowls and mugs</a:t>
+            </a:r>
+          </a:p>
+          <a:p>
+            <a:pPr marL="742950" lvl="1" indent="-285750">
+              <a:buFont typeface="Arial" panose="020B0604020202020204" pitchFamily="34" charset="0"/>
+              <a:buChar char="•"/>
+            </a:pPr>
+            <a:r>
+              <a:rPr lang="en-US" sz="2000" dirty="0">
+                <a:solidFill>
+                  <a:srgbClr val="404040"/>
+                </a:solidFill>
+                <a:latin typeface="Corbel" panose="020B0503020204020204" pitchFamily="34" charset="0"/>
+              </a:rPr>
+              <a:t>Bowls require 1 hr. of labor and 4 lbs. of clay</a:t>
+            </a:r>
+          </a:p>
+          <a:p>
+            <a:pPr marL="742950" lvl="1" indent="-285750">
+              <a:buFont typeface="Arial" panose="020B0604020202020204" pitchFamily="34" charset="0"/>
+              <a:buChar char="•"/>
+            </a:pPr>
+            <a:r>
+              <a:rPr lang="en-US" sz="2000" dirty="0">
+                <a:solidFill>
+                  <a:srgbClr val="404040"/>
+                </a:solidFill>
+                <a:latin typeface="Corbel" panose="020B0503020204020204" pitchFamily="34" charset="0"/>
+              </a:rPr>
+              <a:t>Mugs require 2 hrs. of labor and 3 lbs. of clay</a:t>
+            </a:r>
+          </a:p>
+          <a:p>
+            <a:pPr marL="285750" indent="-285750">
+              <a:buFont typeface="Arial" panose="020B0604020202020204" pitchFamily="34" charset="0"/>
+              <a:buChar char="•"/>
+            </a:pPr>
+            <a:endParaRPr lang="en-US" sz="2000" dirty="0">
+              <a:solidFill>
+                <a:srgbClr val="404040"/>
+              </a:solidFill>
+              <a:latin typeface="Corbel" panose="020B0503020204020204" pitchFamily="34" charset="0"/>
+            </a:endParaRPr>
+          </a:p>
+          <a:p>
+            <a:pPr marL="285750" indent="-285750">
+              <a:buFont typeface="Arial" panose="020B0604020202020204" pitchFamily="34" charset="0"/>
+              <a:buChar char="•"/>
+            </a:pPr>
+            <a:r>
+              <a:rPr lang="en-US" sz="2000" dirty="0">
+                <a:solidFill>
+                  <a:srgbClr val="404040"/>
+                </a:solidFill>
+                <a:latin typeface="Corbel" panose="020B0503020204020204" pitchFamily="34" charset="0"/>
+              </a:rPr>
+              <a:t>Daily Limitations of resources</a:t>
+            </a:r>
+          </a:p>
+          <a:p>
+            <a:pPr marL="742950" lvl="1" indent="-285750">
+              <a:buFont typeface="Arial" panose="020B0604020202020204" pitchFamily="34" charset="0"/>
+              <a:buChar char="•"/>
+            </a:pPr>
+            <a:r>
+              <a:rPr lang="en-US" sz="2000" dirty="0">
+                <a:solidFill>
+                  <a:srgbClr val="404040"/>
+                </a:solidFill>
+                <a:latin typeface="Corbel" panose="020B0503020204020204" pitchFamily="34" charset="0"/>
+              </a:rPr>
+              <a:t>40 hrs. of labor</a:t>
+            </a:r>
+          </a:p>
+          <a:p>
+            <a:pPr marL="742950" lvl="1" indent="-285750">
+              <a:buFont typeface="Arial" panose="020B0604020202020204" pitchFamily="34" charset="0"/>
+              <a:buChar char="•"/>
+            </a:pPr>
+            <a:r>
+              <a:rPr lang="en-US" sz="2000" dirty="0">
+                <a:solidFill>
+                  <a:srgbClr val="404040"/>
+                </a:solidFill>
+                <a:latin typeface="Corbel" panose="020B0503020204020204" pitchFamily="34" charset="0"/>
+              </a:rPr>
+              <a:t>120 lbs. of clay</a:t>
+            </a:r>
+          </a:p>
+          <a:p>
+            <a:pPr marL="742950" lvl="1" indent="-285750">
+              <a:buFont typeface="Arial" panose="020B0604020202020204" pitchFamily="34" charset="0"/>
+              <a:buChar char="•"/>
+            </a:pPr>
+            <a:endParaRPr lang="en-US" sz="2000" dirty="0">
+              <a:solidFill>
+                <a:srgbClr val="404040"/>
+              </a:solidFill>
+              <a:latin typeface="Corbel" panose="020B0503020204020204" pitchFamily="34" charset="0"/>
+            </a:endParaRPr>
+          </a:p>
+          <a:p>
+            <a:pPr marL="285750" indent="-285750">
+              <a:buFont typeface="Arial" panose="020B0604020202020204" pitchFamily="34" charset="0"/>
+              <a:buChar char="•"/>
+            </a:pPr>
+            <a:r>
+              <a:rPr lang="en-US" sz="2000" dirty="0">
+                <a:solidFill>
+                  <a:srgbClr val="404040"/>
+                </a:solidFill>
+                <a:latin typeface="Corbel" panose="020B0503020204020204" pitchFamily="34" charset="0"/>
+              </a:rPr>
+              <a:t>Profit</a:t>
+            </a:r>
+          </a:p>
+          <a:p>
+            <a:pPr marL="742950" lvl="1" indent="-285750">
+              <a:buFont typeface="Arial" panose="020B0604020202020204" pitchFamily="34" charset="0"/>
+              <a:buChar char="•"/>
+            </a:pPr>
+            <a:r>
+              <a:rPr lang="en-US" sz="2000" dirty="0">
+                <a:solidFill>
+                  <a:srgbClr val="404040"/>
+                </a:solidFill>
+                <a:latin typeface="Corbel" panose="020B0503020204020204" pitchFamily="34" charset="0"/>
+              </a:rPr>
+              <a:t>Bowls return profit of $40</a:t>
+            </a:r>
+          </a:p>
+          <a:p>
+            <a:pPr marL="742950" lvl="1" indent="-285750">
+              <a:buFont typeface="Arial" panose="020B0604020202020204" pitchFamily="34" charset="0"/>
+              <a:buChar char="•"/>
+            </a:pPr>
+            <a:r>
+              <a:rPr lang="en-US" sz="2000" dirty="0">
+                <a:solidFill>
+                  <a:srgbClr val="404040"/>
+                </a:solidFill>
+                <a:latin typeface="Corbel" panose="020B0503020204020204" pitchFamily="34" charset="0"/>
+              </a:rPr>
+              <a:t>Mugs return profit of $50</a:t>
+            </a:r>
+          </a:p>
+          <a:p>
+            <a:pPr marL="285750" indent="-285750">
+              <a:buFont typeface="Arial" panose="020B0604020202020204" pitchFamily="34" charset="0"/>
+              <a:buChar char="•"/>
+            </a:pPr>
+            <a:endParaRPr lang="en-US" sz="2000" dirty="0">
+              <a:solidFill>
+                <a:srgbClr val="404040"/>
+              </a:solidFill>
+              <a:latin typeface="Corbel" panose="020B0503020204020204" pitchFamily="34" charset="0"/>
+            </a:endParaRPr>
+          </a:p>
+          <a:p>
+            <a:pPr marL="285750" indent="-285750">
+              <a:buFont typeface="Arial" panose="020B0604020202020204" pitchFamily="34" charset="0"/>
+              <a:buChar char="•"/>
+            </a:pPr>
+            <a:r>
+              <a:rPr lang="en-US" sz="2000" dirty="0">
+                <a:solidFill>
+                  <a:srgbClr val="404040"/>
+                </a:solidFill>
+                <a:latin typeface="Corbel" panose="020B0503020204020204" pitchFamily="34" charset="0"/>
+              </a:rPr>
+              <a:t>Q: What number of clay bowls and mugs should the company make each day to maximize daily profit?</a:t>
+            </a:r>
+          </a:p>
+          <a:p>
+            <a:pPr marL="285750" indent="-285750">
+              <a:buFont typeface="Arial" panose="020B0604020202020204" pitchFamily="34" charset="0"/>
+              <a:buChar char="•"/>
+            </a:pPr>
+            <a:endParaRPr lang="en-US" sz="2000" dirty="0">
+              <a:solidFill>
+                <a:srgbClr val="A71B86"/>
+              </a:solidFill>
+              <a:latin typeface="Corbel" panose="020B0503020204020204" pitchFamily="34" charset="0"/>
+            </a:endParaRPr>
+          </a:p>
+          <a:p>
+            <a:pPr marL="285750" indent="-285750">
+              <a:buFont typeface="Arial" panose="020B0604020202020204" pitchFamily="34" charset="0"/>
+              <a:buChar char="•"/>
+            </a:pPr>
+            <a:endParaRPr lang="en-US" sz="2000" dirty="0">
+              <a:solidFill>
+                <a:srgbClr val="A71B86"/>
+              </a:solidFill>
+              <a:latin typeface="Corbel" panose="020B0503020204020204" pitchFamily="34" charset="0"/>
+            </a:endParaRPr>
+          </a:p>
+        </p:txBody>
+      </p:sp>
+      <p:pic>
+        <p:nvPicPr>
+          <p:cNvPr id="37" name="Graphic 36" descr="Palm tree">
+            <a:extLst>
+              <a:ext uri="{FF2B5EF4-FFF2-40B4-BE49-F238E27FC236}">
+                <a16:creationId xmlns:a16="http://schemas.microsoft.com/office/drawing/2014/main" id="{79F2EC1B-9713-4CCF-8301-82ED265F3940}"/>
+              </a:ext>
+            </a:extLst>
+          </p:cNvPr>
+          <p:cNvPicPr>
+            <a:picLocks noChangeAspect="1"/>
+          </p:cNvPicPr>
+          <p:nvPr/>
+        </p:nvPicPr>
+        <p:blipFill>
+          <a:blip r:embed="rId4">
+            <a:extLst>
+              <a:ext uri="{28A0092B-C50C-407E-A947-70E740481C1C}">
+                <a14:useLocalDpi xmlns:a14="http://schemas.microsoft.com/office/drawing/2010/main" val="0"/>
+              </a:ext>
+              <a:ext uri="{96DAC541-7B7A-43D3-8B79-37D633B846F1}">
+                <asvg:svgBlip xmlns:asvg="http://schemas.microsoft.com/office/drawing/2016/SVG/main" r:embed="rId5"/>
+              </a:ext>
+            </a:extLst>
+          </a:blip>
+          <a:stretch>
+            <a:fillRect/>
+          </a:stretch>
+        </p:blipFill>
+        <p:spPr>
+          <a:xfrm>
+            <a:off x="8964994" y="809490"/>
+            <a:ext cx="914400" cy="914400"/>
+          </a:xfrm>
+          <a:prstGeom prst="rect">
+            <a:avLst/>
+          </a:prstGeom>
+        </p:spPr>
+      </p:pic>
+      <p:pic>
+        <p:nvPicPr>
+          <p:cNvPr id="38" name="Graphic 37" descr="Palm tree">
+            <a:extLst>
+              <a:ext uri="{FF2B5EF4-FFF2-40B4-BE49-F238E27FC236}">
+                <a16:creationId xmlns:a16="http://schemas.microsoft.com/office/drawing/2014/main" id="{11C9CA6F-B5F0-4837-8E50-85C201ADA4F1}"/>
+              </a:ext>
+            </a:extLst>
+          </p:cNvPr>
+          <p:cNvPicPr>
+            <a:picLocks noChangeAspect="1"/>
+          </p:cNvPicPr>
+          <p:nvPr/>
+        </p:nvPicPr>
+        <p:blipFill>
+          <a:blip r:embed="rId4">
+            <a:extLst>
+              <a:ext uri="{28A0092B-C50C-407E-A947-70E740481C1C}">
+                <a14:useLocalDpi xmlns:a14="http://schemas.microsoft.com/office/drawing/2010/main" val="0"/>
+              </a:ext>
+              <a:ext uri="{96DAC541-7B7A-43D3-8B79-37D633B846F1}">
+                <asvg:svgBlip xmlns:asvg="http://schemas.microsoft.com/office/drawing/2016/SVG/main" r:embed="rId5"/>
+              </a:ext>
+            </a:extLst>
+          </a:blip>
+          <a:stretch>
+            <a:fillRect/>
+          </a:stretch>
+        </p:blipFill>
+        <p:spPr>
+          <a:xfrm>
+            <a:off x="8834542" y="1142112"/>
+            <a:ext cx="553133" cy="553133"/>
+          </a:xfrm>
+          <a:prstGeom prst="rect">
+            <a:avLst/>
+          </a:prstGeom>
+        </p:spPr>
+      </p:pic>
+      <p:pic>
+        <p:nvPicPr>
+          <p:cNvPr id="39" name="Graphic 38" descr="Palm tree">
+            <a:extLst>
+              <a:ext uri="{FF2B5EF4-FFF2-40B4-BE49-F238E27FC236}">
+                <a16:creationId xmlns:a16="http://schemas.microsoft.com/office/drawing/2014/main" id="{585AC1AD-01C8-4E2D-8361-4BEA62A48584}"/>
+              </a:ext>
+            </a:extLst>
+          </p:cNvPr>
+          <p:cNvPicPr>
+            <a:picLocks noChangeAspect="1"/>
+          </p:cNvPicPr>
+          <p:nvPr/>
+        </p:nvPicPr>
+        <p:blipFill>
+          <a:blip r:embed="rId4">
+            <a:extLst>
+              <a:ext uri="{28A0092B-C50C-407E-A947-70E740481C1C}">
+                <a14:useLocalDpi xmlns:a14="http://schemas.microsoft.com/office/drawing/2010/main" val="0"/>
+              </a:ext>
+              <a:ext uri="{96DAC541-7B7A-43D3-8B79-37D633B846F1}">
+                <asvg:svgBlip xmlns:asvg="http://schemas.microsoft.com/office/drawing/2016/SVG/main" r:embed="rId5"/>
+              </a:ext>
+            </a:extLst>
+          </a:blip>
+          <a:stretch>
+            <a:fillRect/>
+          </a:stretch>
+        </p:blipFill>
+        <p:spPr>
+          <a:xfrm>
+            <a:off x="9387675" y="1277468"/>
+            <a:ext cx="404329" cy="404329"/>
+          </a:xfrm>
+          <a:prstGeom prst="rect">
+            <a:avLst/>
+          </a:prstGeom>
+        </p:spPr>
+      </p:pic>
+    </p:spTree>
+    <p:extLst>
+      <p:ext uri="{BB962C8B-B14F-4D97-AF65-F5344CB8AC3E}">
+        <p14:creationId xmlns:p14="http://schemas.microsoft.com/office/powerpoint/2010/main" val="3960879485"/>
+      </p:ext>
+    </p:extLst>
+  </p:cSld>
+  <p:clrMapOvr>
+    <a:masterClrMapping/>
+  </p:clrMapOvr>
+</p:sld>
+</file>
+
+<file path=ppt/slides/slide6.xml><?xml version="1.0" encoding="utf-8"?>
+<p:sld xmlns:a="http://schemas.openxmlformats.org/drawingml/2006/main" xmlns:r="http://schemas.openxmlformats.org/officeDocument/2006/relationships" xmlns:p="http://schemas.openxmlformats.org/presentationml/2006/main">
+  <p:cSld>
+    <p:spTree>
+      <p:nvGrpSpPr>
+        <p:cNvPr id="1" name=""/>
+        <p:cNvGrpSpPr/>
+        <p:nvPr/>
+      </p:nvGrpSpPr>
+      <p:grpSpPr>
+        <a:xfrm>
+          <a:off x="0" y="0"/>
+          <a:ext cx="0" cy="0"/>
+          <a:chOff x="0" y="0"/>
+          <a:chExt cx="0" cy="0"/>
+        </a:xfrm>
+      </p:grpSpPr>
+      <p:sp>
+        <p:nvSpPr>
+          <p:cNvPr id="28" name="Rectangle 27">
+            <a:extLst>
+              <a:ext uri="{FF2B5EF4-FFF2-40B4-BE49-F238E27FC236}">
+                <a16:creationId xmlns:a16="http://schemas.microsoft.com/office/drawing/2014/main" id="{1568D3DA-67F7-464C-95FF-D7D56F4038D6}"/>
+              </a:ext>
+            </a:extLst>
+          </p:cNvPr>
+          <p:cNvSpPr/>
+          <p:nvPr/>
+        </p:nvSpPr>
+        <p:spPr>
+          <a:xfrm rot="19800000">
+            <a:off x="-597297" y="674901"/>
+            <a:ext cx="4026751" cy="269178"/>
+          </a:xfrm>
+          <a:prstGeom prst="rect">
+            <a:avLst/>
+          </a:prstGeom>
+          <a:solidFill>
+            <a:srgbClr val="A71B86"/>
+          </a:solidFill>
+          <a:ln>
+            <a:noFill/>
+          </a:ln>
+        </p:spPr>
+        <p:style>
+          <a:lnRef idx="2">
+            <a:schemeClr val="accent1">
+              <a:shade val="50000"/>
+            </a:schemeClr>
+          </a:lnRef>
+          <a:fillRef idx="1">
+            <a:schemeClr val="accent1"/>
+          </a:fillRef>
+          <a:effectRef idx="0">
+            <a:schemeClr val="accent1"/>
+          </a:effectRef>
+          <a:fontRef idx="minor">
+            <a:schemeClr val="lt1"/>
+          </a:fontRef>
+        </p:style>
+        <p:txBody>
+          <a:bodyPr rtlCol="0" anchor="ctr"/>
+          <a:lstStyle/>
+          <a:p>
+            <a:pPr algn="ctr"/>
+            <a:endParaRPr lang="en-US"/>
+          </a:p>
+        </p:txBody>
+      </p:sp>
+      <p:pic>
+        <p:nvPicPr>
+          <p:cNvPr id="11" name="Picture 10" descr="A large body of water&#10;&#10;Description automatically generated">
+            <a:extLst>
+              <a:ext uri="{FF2B5EF4-FFF2-40B4-BE49-F238E27FC236}">
+                <a16:creationId xmlns:a16="http://schemas.microsoft.com/office/drawing/2014/main" id="{B83B0471-BE25-41B4-B185-53BEB6528B89}"/>
+              </a:ext>
+            </a:extLst>
+          </p:cNvPr>
+          <p:cNvPicPr>
+            <a:picLocks noChangeAspect="1"/>
+          </p:cNvPicPr>
+          <p:nvPr/>
+        </p:nvPicPr>
+        <p:blipFill rotWithShape="1">
+          <a:blip r:embed="rId2">
+            <a:alphaModFix amt="20000"/>
+            <a:extLst>
+              <a:ext uri="{28A0092B-C50C-407E-A947-70E740481C1C}">
+                <a14:useLocalDpi xmlns:a14="http://schemas.microsoft.com/office/drawing/2010/main" val="0"/>
+              </a:ext>
+            </a:extLst>
+          </a:blip>
+          <a:srcRect t="34654" b="43573"/>
+          <a:stretch/>
+        </p:blipFill>
+        <p:spPr>
+          <a:xfrm>
+            <a:off x="773935" y="442465"/>
+            <a:ext cx="9018070" cy="1308226"/>
+          </a:xfrm>
+          <a:prstGeom prst="rect">
+            <a:avLst/>
+          </a:prstGeom>
+        </p:spPr>
+      </p:pic>
+      <p:sp>
+        <p:nvSpPr>
+          <p:cNvPr id="34" name="Rectangle 33">
+            <a:extLst>
+              <a:ext uri="{FF2B5EF4-FFF2-40B4-BE49-F238E27FC236}">
+                <a16:creationId xmlns:a16="http://schemas.microsoft.com/office/drawing/2014/main" id="{BFE7775A-1FAD-4E84-8B9E-DA4B39640B5E}"/>
+              </a:ext>
+            </a:extLst>
+          </p:cNvPr>
+          <p:cNvSpPr/>
+          <p:nvPr/>
+        </p:nvSpPr>
+        <p:spPr>
+          <a:xfrm rot="19800000">
+            <a:off x="9089102" y="5937184"/>
+            <a:ext cx="4026751" cy="269178"/>
+          </a:xfrm>
+          <a:prstGeom prst="rect">
+            <a:avLst/>
+          </a:prstGeom>
+          <a:solidFill>
+            <a:srgbClr val="A71B86"/>
+          </a:solidFill>
+          <a:ln>
+            <a:noFill/>
+          </a:ln>
+        </p:spPr>
+        <p:style>
+          <a:lnRef idx="2">
+            <a:schemeClr val="accent1">
+              <a:shade val="50000"/>
+            </a:schemeClr>
+          </a:lnRef>
+          <a:fillRef idx="1">
+            <a:schemeClr val="accent1"/>
+          </a:fillRef>
+          <a:effectRef idx="0">
+            <a:schemeClr val="accent1"/>
+          </a:effectRef>
+          <a:fontRef idx="minor">
+            <a:schemeClr val="lt1"/>
+          </a:fontRef>
+        </p:style>
+        <p:txBody>
+          <a:bodyPr rtlCol="0" anchor="ctr"/>
+          <a:lstStyle/>
+          <a:p>
+            <a:pPr algn="ctr"/>
+            <a:endParaRPr lang="en-US"/>
+          </a:p>
+        </p:txBody>
+      </p:sp>
+      <p:sp>
+        <p:nvSpPr>
+          <p:cNvPr id="2" name="Title 1">
+            <a:extLst>
+              <a:ext uri="{FF2B5EF4-FFF2-40B4-BE49-F238E27FC236}">
+                <a16:creationId xmlns:a16="http://schemas.microsoft.com/office/drawing/2014/main" id="{95D79E09-6E77-4F87-B358-F18D99FA343D}"/>
+              </a:ext>
+            </a:extLst>
+          </p:cNvPr>
+          <p:cNvSpPr>
+            <a:spLocks noGrp="1"/>
+          </p:cNvSpPr>
+          <p:nvPr>
+            <p:ph type="title"/>
+          </p:nvPr>
+        </p:nvSpPr>
+        <p:spPr>
+          <a:xfrm>
+            <a:off x="773934" y="425128"/>
+            <a:ext cx="9018070" cy="1325563"/>
+          </a:xfrm>
+          <a:noFill/>
+          <a:ln w="76200">
+            <a:solidFill>
+              <a:srgbClr val="11B29F"/>
+            </a:solidFill>
+          </a:ln>
+        </p:spPr>
+        <p:txBody>
+          <a:bodyPr/>
+          <a:lstStyle/>
+          <a:p>
+            <a:pPr algn="ctr"/>
+            <a:r>
+              <a:rPr lang="en-US" dirty="0">
+                <a:solidFill>
+                  <a:srgbClr val="404040"/>
+                </a:solidFill>
+                <a:latin typeface="Bodoni MT" panose="02070603080606020203" pitchFamily="18" charset="0"/>
+              </a:rPr>
               <a:t>Linear Programming</a:t>
             </a:r>
           </a:p>
@@ -19090,1132 +23450,6 @@
     <p:extLst>
       <p:ext uri="{BB962C8B-B14F-4D97-AF65-F5344CB8AC3E}">
         <p14:creationId xmlns:p14="http://schemas.microsoft.com/office/powerpoint/2010/main" val="3007929093"/>
-      </p:ext>
-    </p:extLst>
-  </p:cSld>
-  <p:clrMapOvr>
-    <a:masterClrMapping/>
-  </p:clrMapOvr>
-</p:sld>
-</file>
-
-<file path=ppt/slides/slide6.xml><?xml version="1.0" encoding="utf-8"?>
-<p:sld xmlns:a="http://schemas.openxmlformats.org/drawingml/2006/main" xmlns:r="http://schemas.openxmlformats.org/officeDocument/2006/relationships" xmlns:p="http://schemas.openxmlformats.org/presentationml/2006/main">
-  <p:cSld>
-    <p:spTree>
-      <p:nvGrpSpPr>
-        <p:cNvPr id="1" name=""/>
-        <p:cNvGrpSpPr/>
-        <p:nvPr/>
-      </p:nvGrpSpPr>
-      <p:grpSpPr>
-        <a:xfrm>
-          <a:off x="0" y="0"/>
-          <a:ext cx="0" cy="0"/>
-          <a:chOff x="0" y="0"/>
-          <a:chExt cx="0" cy="0"/>
-        </a:xfrm>
-      </p:grpSpPr>
-      <p:sp>
-        <p:nvSpPr>
-          <p:cNvPr id="28" name="Rectangle 27">
-            <a:extLst>
-              <a:ext uri="{FF2B5EF4-FFF2-40B4-BE49-F238E27FC236}">
-                <a16:creationId xmlns:a16="http://schemas.microsoft.com/office/drawing/2014/main" id="{1568D3DA-67F7-464C-95FF-D7D56F4038D6}"/>
-              </a:ext>
-            </a:extLst>
-          </p:cNvPr>
-          <p:cNvSpPr/>
-          <p:nvPr/>
-        </p:nvSpPr>
-        <p:spPr>
-          <a:xfrm rot="19800000">
-            <a:off x="-597297" y="674901"/>
-            <a:ext cx="4026751" cy="269178"/>
-          </a:xfrm>
-          <a:prstGeom prst="rect">
-            <a:avLst/>
-          </a:prstGeom>
-          <a:solidFill>
-            <a:srgbClr val="A71B86"/>
-          </a:solidFill>
-          <a:ln>
-            <a:noFill/>
-          </a:ln>
-        </p:spPr>
-        <p:style>
-          <a:lnRef idx="2">
-            <a:schemeClr val="accent1">
-              <a:shade val="50000"/>
-            </a:schemeClr>
-          </a:lnRef>
-          <a:fillRef idx="1">
-            <a:schemeClr val="accent1"/>
-          </a:fillRef>
-          <a:effectRef idx="0">
-            <a:schemeClr val="accent1"/>
-          </a:effectRef>
-          <a:fontRef idx="minor">
-            <a:schemeClr val="lt1"/>
-          </a:fontRef>
-        </p:style>
-        <p:txBody>
-          <a:bodyPr rtlCol="0" anchor="ctr"/>
-          <a:lstStyle/>
-          <a:p>
-            <a:pPr algn="ctr"/>
-            <a:endParaRPr lang="en-US"/>
-          </a:p>
-        </p:txBody>
-      </p:sp>
-      <p:pic>
-        <p:nvPicPr>
-          <p:cNvPr id="11" name="Picture 10" descr="A large body of water&#10;&#10;Description automatically generated">
-            <a:extLst>
-              <a:ext uri="{FF2B5EF4-FFF2-40B4-BE49-F238E27FC236}">
-                <a16:creationId xmlns:a16="http://schemas.microsoft.com/office/drawing/2014/main" id="{B83B0471-BE25-41B4-B185-53BEB6528B89}"/>
-              </a:ext>
-            </a:extLst>
-          </p:cNvPr>
-          <p:cNvPicPr>
-            <a:picLocks noChangeAspect="1"/>
-          </p:cNvPicPr>
-          <p:nvPr/>
-        </p:nvPicPr>
-        <p:blipFill rotWithShape="1">
-          <a:blip r:embed="rId2">
-            <a:alphaModFix amt="20000"/>
-            <a:extLst>
-              <a:ext uri="{28A0092B-C50C-407E-A947-70E740481C1C}">
-                <a14:useLocalDpi xmlns:a14="http://schemas.microsoft.com/office/drawing/2010/main" val="0"/>
-              </a:ext>
-            </a:extLst>
-          </a:blip>
-          <a:srcRect t="34654" b="43573"/>
-          <a:stretch/>
-        </p:blipFill>
-        <p:spPr>
-          <a:xfrm>
-            <a:off x="773935" y="442465"/>
-            <a:ext cx="9018070" cy="1308226"/>
-          </a:xfrm>
-          <a:prstGeom prst="rect">
-            <a:avLst/>
-          </a:prstGeom>
-        </p:spPr>
-      </p:pic>
-      <p:sp>
-        <p:nvSpPr>
-          <p:cNvPr id="34" name="Rectangle 33">
-            <a:extLst>
-              <a:ext uri="{FF2B5EF4-FFF2-40B4-BE49-F238E27FC236}">
-                <a16:creationId xmlns:a16="http://schemas.microsoft.com/office/drawing/2014/main" id="{BFE7775A-1FAD-4E84-8B9E-DA4B39640B5E}"/>
-              </a:ext>
-            </a:extLst>
-          </p:cNvPr>
-          <p:cNvSpPr/>
-          <p:nvPr/>
-        </p:nvSpPr>
-        <p:spPr>
-          <a:xfrm rot="19800000">
-            <a:off x="9089102" y="5937184"/>
-            <a:ext cx="4026751" cy="269178"/>
-          </a:xfrm>
-          <a:prstGeom prst="rect">
-            <a:avLst/>
-          </a:prstGeom>
-          <a:solidFill>
-            <a:srgbClr val="A71B86"/>
-          </a:solidFill>
-          <a:ln>
-            <a:noFill/>
-          </a:ln>
-        </p:spPr>
-        <p:style>
-          <a:lnRef idx="2">
-            <a:schemeClr val="accent1">
-              <a:shade val="50000"/>
-            </a:schemeClr>
-          </a:lnRef>
-          <a:fillRef idx="1">
-            <a:schemeClr val="accent1"/>
-          </a:fillRef>
-          <a:effectRef idx="0">
-            <a:schemeClr val="accent1"/>
-          </a:effectRef>
-          <a:fontRef idx="minor">
-            <a:schemeClr val="lt1"/>
-          </a:fontRef>
-        </p:style>
-        <p:txBody>
-          <a:bodyPr rtlCol="0" anchor="ctr"/>
-          <a:lstStyle/>
-          <a:p>
-            <a:pPr algn="ctr"/>
-            <a:endParaRPr lang="en-US"/>
-          </a:p>
-        </p:txBody>
-      </p:sp>
-      <p:sp>
-        <p:nvSpPr>
-          <p:cNvPr id="2" name="Title 1">
-            <a:extLst>
-              <a:ext uri="{FF2B5EF4-FFF2-40B4-BE49-F238E27FC236}">
-                <a16:creationId xmlns:a16="http://schemas.microsoft.com/office/drawing/2014/main" id="{95D79E09-6E77-4F87-B358-F18D99FA343D}"/>
-              </a:ext>
-            </a:extLst>
-          </p:cNvPr>
-          <p:cNvSpPr>
-            <a:spLocks noGrp="1"/>
-          </p:cNvSpPr>
-          <p:nvPr>
-            <p:ph type="title"/>
-          </p:nvPr>
-        </p:nvSpPr>
-        <p:spPr>
-          <a:xfrm>
-            <a:off x="773934" y="425128"/>
-            <a:ext cx="9018070" cy="1325563"/>
-          </a:xfrm>
-          <a:noFill/>
-          <a:ln w="76200">
-            <a:solidFill>
-              <a:srgbClr val="11B29F"/>
-            </a:solidFill>
-          </a:ln>
-        </p:spPr>
-        <p:txBody>
-          <a:bodyPr/>
-          <a:lstStyle/>
-          <a:p>
-            <a:pPr algn="ctr"/>
-            <a:r>
-              <a:rPr lang="en-US" dirty="0">
-                <a:solidFill>
-                  <a:srgbClr val="404040"/>
-                </a:solidFill>
-                <a:latin typeface="Bodoni MT" panose="02070603080606020203" pitchFamily="18" charset="0"/>
-              </a:rPr>
-              <a:t>Ex: Production of Pottery</a:t>
-            </a:r>
-          </a:p>
-        </p:txBody>
-      </p:sp>
-      <p:pic>
-        <p:nvPicPr>
-          <p:cNvPr id="5" name="Content Placeholder 4" descr="A picture containing cage&#10;&#10;Description automatically generated">
-            <a:extLst>
-              <a:ext uri="{FF2B5EF4-FFF2-40B4-BE49-F238E27FC236}">
-                <a16:creationId xmlns:a16="http://schemas.microsoft.com/office/drawing/2014/main" id="{EF817497-4F98-4236-83EE-74FD8376B077}"/>
-              </a:ext>
-            </a:extLst>
-          </p:cNvPr>
-          <p:cNvPicPr>
-            <a:picLocks noGrp="1" noChangeAspect="1"/>
-          </p:cNvPicPr>
-          <p:nvPr>
-            <p:ph idx="1"/>
-          </p:nvPr>
-        </p:nvPicPr>
-        <p:blipFill>
-          <a:blip r:embed="rId3">
-            <a:extLst>
-              <a:ext uri="{28A0092B-C50C-407E-A947-70E740481C1C}">
-                <a14:useLocalDpi xmlns:a14="http://schemas.microsoft.com/office/drawing/2010/main" val="0"/>
-              </a:ext>
-            </a:extLst>
-          </a:blip>
-          <a:stretch>
-            <a:fillRect/>
-          </a:stretch>
-        </p:blipFill>
-        <p:spPr>
-          <a:xfrm>
-            <a:off x="9887140" y="47697"/>
-            <a:ext cx="2143125" cy="2143125"/>
-          </a:xfrm>
-        </p:spPr>
-      </p:pic>
-      <p:sp>
-        <p:nvSpPr>
-          <p:cNvPr id="17" name="Rectangle 16">
-            <a:extLst>
-              <a:ext uri="{FF2B5EF4-FFF2-40B4-BE49-F238E27FC236}">
-                <a16:creationId xmlns:a16="http://schemas.microsoft.com/office/drawing/2014/main" id="{C723ED3C-F5E6-4121-9EF2-DD9574E1A49F}"/>
-              </a:ext>
-            </a:extLst>
-          </p:cNvPr>
-          <p:cNvSpPr/>
-          <p:nvPr/>
-        </p:nvSpPr>
-        <p:spPr>
-          <a:xfrm>
-            <a:off x="10085294" y="2008116"/>
-            <a:ext cx="1776920" cy="76178"/>
-          </a:xfrm>
-          <a:prstGeom prst="rect">
-            <a:avLst/>
-          </a:prstGeom>
-          <a:solidFill>
-            <a:srgbClr val="11B29F"/>
-          </a:solidFill>
-          <a:ln>
-            <a:noFill/>
-          </a:ln>
-        </p:spPr>
-        <p:style>
-          <a:lnRef idx="2">
-            <a:schemeClr val="accent1">
-              <a:shade val="50000"/>
-            </a:schemeClr>
-          </a:lnRef>
-          <a:fillRef idx="1">
-            <a:schemeClr val="accent1"/>
-          </a:fillRef>
-          <a:effectRef idx="0">
-            <a:schemeClr val="accent1"/>
-          </a:effectRef>
-          <a:fontRef idx="minor">
-            <a:schemeClr val="lt1"/>
-          </a:fontRef>
-        </p:style>
-        <p:txBody>
-          <a:bodyPr rtlCol="0" anchor="ctr"/>
-          <a:lstStyle/>
-          <a:p>
-            <a:pPr algn="ctr"/>
-            <a:endParaRPr lang="en-US"/>
-          </a:p>
-        </p:txBody>
-      </p:sp>
-      <p:sp>
-        <p:nvSpPr>
-          <p:cNvPr id="21" name="Rectangle 20">
-            <a:extLst>
-              <a:ext uri="{FF2B5EF4-FFF2-40B4-BE49-F238E27FC236}">
-                <a16:creationId xmlns:a16="http://schemas.microsoft.com/office/drawing/2014/main" id="{F9E0EC60-66D4-4536-A867-30142339BAA7}"/>
-              </a:ext>
-            </a:extLst>
-          </p:cNvPr>
-          <p:cNvSpPr/>
-          <p:nvPr/>
-        </p:nvSpPr>
-        <p:spPr>
-          <a:xfrm>
-            <a:off x="10085294" y="2129819"/>
-            <a:ext cx="1776920" cy="76178"/>
-          </a:xfrm>
-          <a:prstGeom prst="rect">
-            <a:avLst/>
-          </a:prstGeom>
-          <a:solidFill>
-            <a:srgbClr val="A71B86"/>
-          </a:solidFill>
-          <a:ln>
-            <a:noFill/>
-          </a:ln>
-        </p:spPr>
-        <p:style>
-          <a:lnRef idx="2">
-            <a:schemeClr val="accent1">
-              <a:shade val="50000"/>
-            </a:schemeClr>
-          </a:lnRef>
-          <a:fillRef idx="1">
-            <a:schemeClr val="accent1"/>
-          </a:fillRef>
-          <a:effectRef idx="0">
-            <a:schemeClr val="accent1"/>
-          </a:effectRef>
-          <a:fontRef idx="minor">
-            <a:schemeClr val="lt1"/>
-          </a:fontRef>
-        </p:style>
-        <p:txBody>
-          <a:bodyPr rtlCol="0" anchor="ctr"/>
-          <a:lstStyle/>
-          <a:p>
-            <a:pPr algn="ctr"/>
-            <a:endParaRPr lang="en-US"/>
-          </a:p>
-        </p:txBody>
-      </p:sp>
-      <p:sp>
-        <p:nvSpPr>
-          <p:cNvPr id="22" name="Rectangle 21">
-            <a:extLst>
-              <a:ext uri="{FF2B5EF4-FFF2-40B4-BE49-F238E27FC236}">
-                <a16:creationId xmlns:a16="http://schemas.microsoft.com/office/drawing/2014/main" id="{F95AED49-24A8-4D10-9D31-F944565EC1B2}"/>
-              </a:ext>
-            </a:extLst>
-          </p:cNvPr>
-          <p:cNvSpPr/>
-          <p:nvPr/>
-        </p:nvSpPr>
-        <p:spPr>
-          <a:xfrm>
-            <a:off x="10085294" y="2251522"/>
-            <a:ext cx="1776920" cy="150200"/>
-          </a:xfrm>
-          <a:prstGeom prst="rect">
-            <a:avLst/>
-          </a:prstGeom>
-          <a:solidFill>
-            <a:srgbClr val="11B29F"/>
-          </a:solidFill>
-          <a:ln>
-            <a:noFill/>
-          </a:ln>
-        </p:spPr>
-        <p:style>
-          <a:lnRef idx="2">
-            <a:schemeClr val="accent1">
-              <a:shade val="50000"/>
-            </a:schemeClr>
-          </a:lnRef>
-          <a:fillRef idx="1">
-            <a:schemeClr val="accent1"/>
-          </a:fillRef>
-          <a:effectRef idx="0">
-            <a:schemeClr val="accent1"/>
-          </a:effectRef>
-          <a:fontRef idx="minor">
-            <a:schemeClr val="lt1"/>
-          </a:fontRef>
-        </p:style>
-        <p:txBody>
-          <a:bodyPr rtlCol="0" anchor="ctr"/>
-          <a:lstStyle/>
-          <a:p>
-            <a:pPr algn="ctr"/>
-            <a:endParaRPr lang="en-US"/>
-          </a:p>
-        </p:txBody>
-      </p:sp>
-      <p:sp>
-        <p:nvSpPr>
-          <p:cNvPr id="24" name="Rectangle 23">
-            <a:extLst>
-              <a:ext uri="{FF2B5EF4-FFF2-40B4-BE49-F238E27FC236}">
-                <a16:creationId xmlns:a16="http://schemas.microsoft.com/office/drawing/2014/main" id="{993D5826-407C-4F65-BE3A-EB593B942A36}"/>
-              </a:ext>
-            </a:extLst>
-          </p:cNvPr>
-          <p:cNvSpPr/>
-          <p:nvPr/>
-        </p:nvSpPr>
-        <p:spPr>
-          <a:xfrm>
-            <a:off x="10085294" y="2447247"/>
-            <a:ext cx="1776920" cy="150200"/>
-          </a:xfrm>
-          <a:prstGeom prst="rect">
-            <a:avLst/>
-          </a:prstGeom>
-          <a:solidFill>
-            <a:srgbClr val="A71B86"/>
-          </a:solidFill>
-          <a:ln>
-            <a:noFill/>
-          </a:ln>
-        </p:spPr>
-        <p:style>
-          <a:lnRef idx="2">
-            <a:schemeClr val="accent1">
-              <a:shade val="50000"/>
-            </a:schemeClr>
-          </a:lnRef>
-          <a:fillRef idx="1">
-            <a:schemeClr val="accent1"/>
-          </a:fillRef>
-          <a:effectRef idx="0">
-            <a:schemeClr val="accent1"/>
-          </a:effectRef>
-          <a:fontRef idx="minor">
-            <a:schemeClr val="lt1"/>
-          </a:fontRef>
-        </p:style>
-        <p:txBody>
-          <a:bodyPr rtlCol="0" anchor="ctr"/>
-          <a:lstStyle/>
-          <a:p>
-            <a:pPr algn="ctr"/>
-            <a:endParaRPr lang="en-US"/>
-          </a:p>
-        </p:txBody>
-      </p:sp>
-      <p:sp>
-        <p:nvSpPr>
-          <p:cNvPr id="25" name="Rectangle 24">
-            <a:extLst>
-              <a:ext uri="{FF2B5EF4-FFF2-40B4-BE49-F238E27FC236}">
-                <a16:creationId xmlns:a16="http://schemas.microsoft.com/office/drawing/2014/main" id="{D2785A94-4D0B-4559-9303-3C963AA0EF9A}"/>
-              </a:ext>
-            </a:extLst>
-          </p:cNvPr>
-          <p:cNvSpPr/>
-          <p:nvPr/>
-        </p:nvSpPr>
-        <p:spPr>
-          <a:xfrm>
-            <a:off x="10085294" y="2642972"/>
-            <a:ext cx="1776920" cy="362446"/>
-          </a:xfrm>
-          <a:prstGeom prst="rect">
-            <a:avLst/>
-          </a:prstGeom>
-          <a:solidFill>
-            <a:srgbClr val="11B29F"/>
-          </a:solidFill>
-          <a:ln>
-            <a:noFill/>
-          </a:ln>
-        </p:spPr>
-        <p:style>
-          <a:lnRef idx="2">
-            <a:schemeClr val="accent1">
-              <a:shade val="50000"/>
-            </a:schemeClr>
-          </a:lnRef>
-          <a:fillRef idx="1">
-            <a:schemeClr val="accent1"/>
-          </a:fillRef>
-          <a:effectRef idx="0">
-            <a:schemeClr val="accent1"/>
-          </a:effectRef>
-          <a:fontRef idx="minor">
-            <a:schemeClr val="lt1"/>
-          </a:fontRef>
-        </p:style>
-        <p:txBody>
-          <a:bodyPr rtlCol="0" anchor="ctr"/>
-          <a:lstStyle/>
-          <a:p>
-            <a:pPr algn="ctr"/>
-            <a:endParaRPr lang="en-US"/>
-          </a:p>
-        </p:txBody>
-      </p:sp>
-      <p:sp>
-        <p:nvSpPr>
-          <p:cNvPr id="26" name="Rectangle 25">
-            <a:extLst>
-              <a:ext uri="{FF2B5EF4-FFF2-40B4-BE49-F238E27FC236}">
-                <a16:creationId xmlns:a16="http://schemas.microsoft.com/office/drawing/2014/main" id="{B235F2E9-4558-433D-9527-7EFF5C5E78A8}"/>
-              </a:ext>
-            </a:extLst>
-          </p:cNvPr>
-          <p:cNvSpPr/>
-          <p:nvPr/>
-        </p:nvSpPr>
-        <p:spPr>
-          <a:xfrm>
-            <a:off x="10085294" y="3050943"/>
-            <a:ext cx="1776920" cy="362446"/>
-          </a:xfrm>
-          <a:prstGeom prst="rect">
-            <a:avLst/>
-          </a:prstGeom>
-          <a:solidFill>
-            <a:srgbClr val="A71B86"/>
-          </a:solidFill>
-          <a:ln>
-            <a:noFill/>
-          </a:ln>
-        </p:spPr>
-        <p:style>
-          <a:lnRef idx="2">
-            <a:schemeClr val="accent1">
-              <a:shade val="50000"/>
-            </a:schemeClr>
-          </a:lnRef>
-          <a:fillRef idx="1">
-            <a:schemeClr val="accent1"/>
-          </a:fillRef>
-          <a:effectRef idx="0">
-            <a:schemeClr val="accent1"/>
-          </a:effectRef>
-          <a:fontRef idx="minor">
-            <a:schemeClr val="lt1"/>
-          </a:fontRef>
-        </p:style>
-        <p:txBody>
-          <a:bodyPr rtlCol="0" anchor="ctr"/>
-          <a:lstStyle/>
-          <a:p>
-            <a:pPr algn="ctr"/>
-            <a:endParaRPr lang="en-US"/>
-          </a:p>
-        </p:txBody>
-      </p:sp>
-      <p:sp>
-        <p:nvSpPr>
-          <p:cNvPr id="27" name="Rectangle 26">
-            <a:extLst>
-              <a:ext uri="{FF2B5EF4-FFF2-40B4-BE49-F238E27FC236}">
-                <a16:creationId xmlns:a16="http://schemas.microsoft.com/office/drawing/2014/main" id="{99613B87-411B-4008-BF30-F1A3B8F247B5}"/>
-              </a:ext>
-            </a:extLst>
-          </p:cNvPr>
-          <p:cNvSpPr/>
-          <p:nvPr/>
-        </p:nvSpPr>
-        <p:spPr>
-          <a:xfrm>
-            <a:off x="10085294" y="3490136"/>
-            <a:ext cx="1776920" cy="3367864"/>
-          </a:xfrm>
-          <a:prstGeom prst="rect">
-            <a:avLst/>
-          </a:prstGeom>
-          <a:solidFill>
-            <a:srgbClr val="11B29F"/>
-          </a:solidFill>
-          <a:ln>
-            <a:noFill/>
-          </a:ln>
-        </p:spPr>
-        <p:style>
-          <a:lnRef idx="2">
-            <a:schemeClr val="accent1">
-              <a:shade val="50000"/>
-            </a:schemeClr>
-          </a:lnRef>
-          <a:fillRef idx="1">
-            <a:schemeClr val="accent1"/>
-          </a:fillRef>
-          <a:effectRef idx="0">
-            <a:schemeClr val="accent1"/>
-          </a:effectRef>
-          <a:fontRef idx="minor">
-            <a:schemeClr val="lt1"/>
-          </a:fontRef>
-        </p:style>
-        <p:txBody>
-          <a:bodyPr rtlCol="0" anchor="ctr"/>
-          <a:lstStyle/>
-          <a:p>
-            <a:pPr algn="ctr"/>
-            <a:endParaRPr lang="en-US"/>
-          </a:p>
-        </p:txBody>
-      </p:sp>
-      <p:sp>
-        <p:nvSpPr>
-          <p:cNvPr id="32" name="Rectangle 31">
-            <a:extLst>
-              <a:ext uri="{FF2B5EF4-FFF2-40B4-BE49-F238E27FC236}">
-                <a16:creationId xmlns:a16="http://schemas.microsoft.com/office/drawing/2014/main" id="{145B3BD2-B1C1-4ED2-A4E0-5E17DD3736F1}"/>
-              </a:ext>
-            </a:extLst>
-          </p:cNvPr>
-          <p:cNvSpPr/>
-          <p:nvPr/>
-        </p:nvSpPr>
-        <p:spPr>
-          <a:xfrm rot="19800000">
-            <a:off x="-765351" y="385789"/>
-            <a:ext cx="4026751" cy="269178"/>
-          </a:xfrm>
-          <a:prstGeom prst="rect">
-            <a:avLst/>
-          </a:prstGeom>
-          <a:solidFill>
-            <a:srgbClr val="A71B86"/>
-          </a:solidFill>
-          <a:ln>
-            <a:noFill/>
-          </a:ln>
-        </p:spPr>
-        <p:style>
-          <a:lnRef idx="2">
-            <a:schemeClr val="accent1">
-              <a:shade val="50000"/>
-            </a:schemeClr>
-          </a:lnRef>
-          <a:fillRef idx="1">
-            <a:schemeClr val="accent1"/>
-          </a:fillRef>
-          <a:effectRef idx="0">
-            <a:schemeClr val="accent1"/>
-          </a:effectRef>
-          <a:fontRef idx="minor">
-            <a:schemeClr val="lt1"/>
-          </a:fontRef>
-        </p:style>
-        <p:txBody>
-          <a:bodyPr rtlCol="0" anchor="ctr"/>
-          <a:lstStyle/>
-          <a:p>
-            <a:pPr algn="ctr"/>
-            <a:endParaRPr lang="en-US"/>
-          </a:p>
-        </p:txBody>
-      </p:sp>
-      <p:sp>
-        <p:nvSpPr>
-          <p:cNvPr id="33" name="Rectangle 32">
-            <a:extLst>
-              <a:ext uri="{FF2B5EF4-FFF2-40B4-BE49-F238E27FC236}">
-                <a16:creationId xmlns:a16="http://schemas.microsoft.com/office/drawing/2014/main" id="{DC3B2826-65DD-408B-8F18-8CCD6C052D8D}"/>
-              </a:ext>
-            </a:extLst>
-          </p:cNvPr>
-          <p:cNvSpPr/>
-          <p:nvPr/>
-        </p:nvSpPr>
-        <p:spPr>
-          <a:xfrm rot="19800000">
-            <a:off x="9257156" y="6226296"/>
-            <a:ext cx="4026751" cy="269178"/>
-          </a:xfrm>
-          <a:prstGeom prst="rect">
-            <a:avLst/>
-          </a:prstGeom>
-          <a:solidFill>
-            <a:srgbClr val="A71B86"/>
-          </a:solidFill>
-          <a:ln>
-            <a:noFill/>
-          </a:ln>
-        </p:spPr>
-        <p:style>
-          <a:lnRef idx="2">
-            <a:schemeClr val="accent1">
-              <a:shade val="50000"/>
-            </a:schemeClr>
-          </a:lnRef>
-          <a:fillRef idx="1">
-            <a:schemeClr val="accent1"/>
-          </a:fillRef>
-          <a:effectRef idx="0">
-            <a:schemeClr val="accent1"/>
-          </a:effectRef>
-          <a:fontRef idx="minor">
-            <a:schemeClr val="lt1"/>
-          </a:fontRef>
-        </p:style>
-        <p:txBody>
-          <a:bodyPr rtlCol="0" anchor="ctr"/>
-          <a:lstStyle/>
-          <a:p>
-            <a:pPr algn="ctr"/>
-            <a:endParaRPr lang="en-US"/>
-          </a:p>
-        </p:txBody>
-      </p:sp>
-      <p:sp>
-        <p:nvSpPr>
-          <p:cNvPr id="35" name="Rectangle 34">
-            <a:extLst>
-              <a:ext uri="{FF2B5EF4-FFF2-40B4-BE49-F238E27FC236}">
-                <a16:creationId xmlns:a16="http://schemas.microsoft.com/office/drawing/2014/main" id="{4935F901-F632-4698-8C7A-AC29B2397A6C}"/>
-              </a:ext>
-            </a:extLst>
-          </p:cNvPr>
-          <p:cNvSpPr/>
-          <p:nvPr/>
-        </p:nvSpPr>
-        <p:spPr>
-          <a:xfrm rot="19800000">
-            <a:off x="8263809" y="5824178"/>
-            <a:ext cx="4731177" cy="269178"/>
-          </a:xfrm>
-          <a:prstGeom prst="rect">
-            <a:avLst/>
-          </a:prstGeom>
-          <a:solidFill>
-            <a:srgbClr val="A71B86"/>
-          </a:solidFill>
-          <a:ln>
-            <a:noFill/>
-          </a:ln>
-        </p:spPr>
-        <p:style>
-          <a:lnRef idx="2">
-            <a:schemeClr val="accent1">
-              <a:shade val="50000"/>
-            </a:schemeClr>
-          </a:lnRef>
-          <a:fillRef idx="1">
-            <a:schemeClr val="accent1"/>
-          </a:fillRef>
-          <a:effectRef idx="0">
-            <a:schemeClr val="accent1"/>
-          </a:effectRef>
-          <a:fontRef idx="minor">
-            <a:schemeClr val="lt1"/>
-          </a:fontRef>
-        </p:style>
-        <p:txBody>
-          <a:bodyPr rtlCol="0" anchor="ctr"/>
-          <a:lstStyle/>
-          <a:p>
-            <a:pPr algn="ctr"/>
-            <a:endParaRPr lang="en-US"/>
-          </a:p>
-        </p:txBody>
-      </p:sp>
-      <p:sp>
-        <p:nvSpPr>
-          <p:cNvPr id="36" name="TextBox 35">
-            <a:extLst>
-              <a:ext uri="{FF2B5EF4-FFF2-40B4-BE49-F238E27FC236}">
-                <a16:creationId xmlns:a16="http://schemas.microsoft.com/office/drawing/2014/main" id="{389720C5-6DCB-428D-8C4F-A02DEC239333}"/>
-              </a:ext>
-            </a:extLst>
-          </p:cNvPr>
-          <p:cNvSpPr txBox="1"/>
-          <p:nvPr/>
-        </p:nvSpPr>
-        <p:spPr>
-          <a:xfrm>
-            <a:off x="838199" y="1957466"/>
-            <a:ext cx="9048941" cy="5016758"/>
-          </a:xfrm>
-          <a:prstGeom prst="rect">
-            <a:avLst/>
-          </a:prstGeom>
-          <a:noFill/>
-        </p:spPr>
-        <p:txBody>
-          <a:bodyPr wrap="square" rtlCol="0">
-            <a:spAutoFit/>
-          </a:bodyPr>
-          <a:lstStyle/>
-          <a:p>
-            <a:pPr marL="285750" indent="-285750">
-              <a:buFont typeface="Arial" panose="020B0604020202020204" pitchFamily="34" charset="0"/>
-              <a:buChar char="•"/>
-            </a:pPr>
-            <a:r>
-              <a:rPr lang="en-US" sz="2000" dirty="0">
-                <a:solidFill>
-                  <a:srgbClr val="404040"/>
-                </a:solidFill>
-                <a:latin typeface="Corbel" panose="020B0503020204020204" pitchFamily="34" charset="0"/>
-              </a:rPr>
-              <a:t>Beaver Creek Pottery produces the hottest clay bowls and mugs</a:t>
-            </a:r>
-          </a:p>
-          <a:p>
-            <a:pPr marL="742950" lvl="1" indent="-285750">
-              <a:buFont typeface="Arial" panose="020B0604020202020204" pitchFamily="34" charset="0"/>
-              <a:buChar char="•"/>
-            </a:pPr>
-            <a:r>
-              <a:rPr lang="en-US" sz="2000" dirty="0">
-                <a:solidFill>
-                  <a:srgbClr val="404040"/>
-                </a:solidFill>
-                <a:latin typeface="Corbel" panose="020B0503020204020204" pitchFamily="34" charset="0"/>
-              </a:rPr>
-              <a:t>Bowls require 1 hr. of labor and 4 lbs. of clay</a:t>
-            </a:r>
-          </a:p>
-          <a:p>
-            <a:pPr marL="742950" lvl="1" indent="-285750">
-              <a:buFont typeface="Arial" panose="020B0604020202020204" pitchFamily="34" charset="0"/>
-              <a:buChar char="•"/>
-            </a:pPr>
-            <a:r>
-              <a:rPr lang="en-US" sz="2000" dirty="0">
-                <a:solidFill>
-                  <a:srgbClr val="404040"/>
-                </a:solidFill>
-                <a:latin typeface="Corbel" panose="020B0503020204020204" pitchFamily="34" charset="0"/>
-              </a:rPr>
-              <a:t>Mugs require 2 hrs. of labor and 3 lbs. of clay</a:t>
-            </a:r>
-          </a:p>
-          <a:p>
-            <a:pPr marL="285750" indent="-285750">
-              <a:buFont typeface="Arial" panose="020B0604020202020204" pitchFamily="34" charset="0"/>
-              <a:buChar char="•"/>
-            </a:pPr>
-            <a:endParaRPr lang="en-US" sz="2000" dirty="0">
-              <a:solidFill>
-                <a:srgbClr val="404040"/>
-              </a:solidFill>
-              <a:latin typeface="Corbel" panose="020B0503020204020204" pitchFamily="34" charset="0"/>
-            </a:endParaRPr>
-          </a:p>
-          <a:p>
-            <a:pPr marL="285750" indent="-285750">
-              <a:buFont typeface="Arial" panose="020B0604020202020204" pitchFamily="34" charset="0"/>
-              <a:buChar char="•"/>
-            </a:pPr>
-            <a:r>
-              <a:rPr lang="en-US" sz="2000" dirty="0">
-                <a:solidFill>
-                  <a:srgbClr val="404040"/>
-                </a:solidFill>
-                <a:latin typeface="Corbel" panose="020B0503020204020204" pitchFamily="34" charset="0"/>
-              </a:rPr>
-              <a:t>Daily Limitations of resources</a:t>
-            </a:r>
-          </a:p>
-          <a:p>
-            <a:pPr marL="742950" lvl="1" indent="-285750">
-              <a:buFont typeface="Arial" panose="020B0604020202020204" pitchFamily="34" charset="0"/>
-              <a:buChar char="•"/>
-            </a:pPr>
-            <a:r>
-              <a:rPr lang="en-US" sz="2000" dirty="0">
-                <a:solidFill>
-                  <a:srgbClr val="404040"/>
-                </a:solidFill>
-                <a:latin typeface="Corbel" panose="020B0503020204020204" pitchFamily="34" charset="0"/>
-              </a:rPr>
-              <a:t>40 hrs. of labor</a:t>
-            </a:r>
-          </a:p>
-          <a:p>
-            <a:pPr marL="742950" lvl="1" indent="-285750">
-              <a:buFont typeface="Arial" panose="020B0604020202020204" pitchFamily="34" charset="0"/>
-              <a:buChar char="•"/>
-            </a:pPr>
-            <a:r>
-              <a:rPr lang="en-US" sz="2000" dirty="0">
-                <a:solidFill>
-                  <a:srgbClr val="404040"/>
-                </a:solidFill>
-                <a:latin typeface="Corbel" panose="020B0503020204020204" pitchFamily="34" charset="0"/>
-              </a:rPr>
-              <a:t>120 lbs. of clay</a:t>
-            </a:r>
-          </a:p>
-          <a:p>
-            <a:pPr marL="742950" lvl="1" indent="-285750">
-              <a:buFont typeface="Arial" panose="020B0604020202020204" pitchFamily="34" charset="0"/>
-              <a:buChar char="•"/>
-            </a:pPr>
-            <a:endParaRPr lang="en-US" sz="2000" dirty="0">
-              <a:solidFill>
-                <a:srgbClr val="404040"/>
-              </a:solidFill>
-              <a:latin typeface="Corbel" panose="020B0503020204020204" pitchFamily="34" charset="0"/>
-            </a:endParaRPr>
-          </a:p>
-          <a:p>
-            <a:pPr marL="285750" indent="-285750">
-              <a:buFont typeface="Arial" panose="020B0604020202020204" pitchFamily="34" charset="0"/>
-              <a:buChar char="•"/>
-            </a:pPr>
-            <a:r>
-              <a:rPr lang="en-US" sz="2000" dirty="0">
-                <a:solidFill>
-                  <a:srgbClr val="404040"/>
-                </a:solidFill>
-                <a:latin typeface="Corbel" panose="020B0503020204020204" pitchFamily="34" charset="0"/>
-              </a:rPr>
-              <a:t>Profit</a:t>
-            </a:r>
-          </a:p>
-          <a:p>
-            <a:pPr marL="742950" lvl="1" indent="-285750">
-              <a:buFont typeface="Arial" panose="020B0604020202020204" pitchFamily="34" charset="0"/>
-              <a:buChar char="•"/>
-            </a:pPr>
-            <a:r>
-              <a:rPr lang="en-US" sz="2000" dirty="0">
-                <a:solidFill>
-                  <a:srgbClr val="404040"/>
-                </a:solidFill>
-                <a:latin typeface="Corbel" panose="020B0503020204020204" pitchFamily="34" charset="0"/>
-              </a:rPr>
-              <a:t>Bowls return profit of $40</a:t>
-            </a:r>
-          </a:p>
-          <a:p>
-            <a:pPr marL="742950" lvl="1" indent="-285750">
-              <a:buFont typeface="Arial" panose="020B0604020202020204" pitchFamily="34" charset="0"/>
-              <a:buChar char="•"/>
-            </a:pPr>
-            <a:r>
-              <a:rPr lang="en-US" sz="2000" dirty="0">
-                <a:solidFill>
-                  <a:srgbClr val="404040"/>
-                </a:solidFill>
-                <a:latin typeface="Corbel" panose="020B0503020204020204" pitchFamily="34" charset="0"/>
-              </a:rPr>
-              <a:t>Mugs return profit of $50</a:t>
-            </a:r>
-          </a:p>
-          <a:p>
-            <a:pPr marL="285750" indent="-285750">
-              <a:buFont typeface="Arial" panose="020B0604020202020204" pitchFamily="34" charset="0"/>
-              <a:buChar char="•"/>
-            </a:pPr>
-            <a:endParaRPr lang="en-US" sz="2000" dirty="0">
-              <a:solidFill>
-                <a:srgbClr val="404040"/>
-              </a:solidFill>
-              <a:latin typeface="Corbel" panose="020B0503020204020204" pitchFamily="34" charset="0"/>
-            </a:endParaRPr>
-          </a:p>
-          <a:p>
-            <a:pPr marL="285750" indent="-285750">
-              <a:buFont typeface="Arial" panose="020B0604020202020204" pitchFamily="34" charset="0"/>
-              <a:buChar char="•"/>
-            </a:pPr>
-            <a:r>
-              <a:rPr lang="en-US" sz="2000" dirty="0">
-                <a:solidFill>
-                  <a:srgbClr val="404040"/>
-                </a:solidFill>
-                <a:latin typeface="Corbel" panose="020B0503020204020204" pitchFamily="34" charset="0"/>
-              </a:rPr>
-              <a:t>Q: What number of clay bowls and mugs should the company make each day to maximize daily profit?</a:t>
-            </a:r>
-          </a:p>
-          <a:p>
-            <a:pPr marL="285750" indent="-285750">
-              <a:buFont typeface="Arial" panose="020B0604020202020204" pitchFamily="34" charset="0"/>
-              <a:buChar char="•"/>
-            </a:pPr>
-            <a:endParaRPr lang="en-US" sz="2000" dirty="0">
-              <a:solidFill>
-                <a:srgbClr val="A71B86"/>
-              </a:solidFill>
-              <a:latin typeface="Corbel" panose="020B0503020204020204" pitchFamily="34" charset="0"/>
-            </a:endParaRPr>
-          </a:p>
-          <a:p>
-            <a:pPr marL="285750" indent="-285750">
-              <a:buFont typeface="Arial" panose="020B0604020202020204" pitchFamily="34" charset="0"/>
-              <a:buChar char="•"/>
-            </a:pPr>
-            <a:endParaRPr lang="en-US" sz="2000" dirty="0">
-              <a:solidFill>
-                <a:srgbClr val="A71B86"/>
-              </a:solidFill>
-              <a:latin typeface="Corbel" panose="020B0503020204020204" pitchFamily="34" charset="0"/>
-            </a:endParaRPr>
-          </a:p>
-        </p:txBody>
-      </p:sp>
-      <p:pic>
-        <p:nvPicPr>
-          <p:cNvPr id="37" name="Graphic 36" descr="Palm tree">
-            <a:extLst>
-              <a:ext uri="{FF2B5EF4-FFF2-40B4-BE49-F238E27FC236}">
-                <a16:creationId xmlns:a16="http://schemas.microsoft.com/office/drawing/2014/main" id="{79F2EC1B-9713-4CCF-8301-82ED265F3940}"/>
-              </a:ext>
-            </a:extLst>
-          </p:cNvPr>
-          <p:cNvPicPr>
-            <a:picLocks noChangeAspect="1"/>
-          </p:cNvPicPr>
-          <p:nvPr/>
-        </p:nvPicPr>
-        <p:blipFill>
-          <a:blip r:embed="rId4">
-            <a:extLst>
-              <a:ext uri="{28A0092B-C50C-407E-A947-70E740481C1C}">
-                <a14:useLocalDpi xmlns:a14="http://schemas.microsoft.com/office/drawing/2010/main" val="0"/>
-              </a:ext>
-              <a:ext uri="{96DAC541-7B7A-43D3-8B79-37D633B846F1}">
-                <asvg:svgBlip xmlns:asvg="http://schemas.microsoft.com/office/drawing/2016/SVG/main" r:embed="rId5"/>
-              </a:ext>
-            </a:extLst>
-          </a:blip>
-          <a:stretch>
-            <a:fillRect/>
-          </a:stretch>
-        </p:blipFill>
-        <p:spPr>
-          <a:xfrm>
-            <a:off x="8964994" y="809490"/>
-            <a:ext cx="914400" cy="914400"/>
-          </a:xfrm>
-          <a:prstGeom prst="rect">
-            <a:avLst/>
-          </a:prstGeom>
-        </p:spPr>
-      </p:pic>
-      <p:pic>
-        <p:nvPicPr>
-          <p:cNvPr id="38" name="Graphic 37" descr="Palm tree">
-            <a:extLst>
-              <a:ext uri="{FF2B5EF4-FFF2-40B4-BE49-F238E27FC236}">
-                <a16:creationId xmlns:a16="http://schemas.microsoft.com/office/drawing/2014/main" id="{11C9CA6F-B5F0-4837-8E50-85C201ADA4F1}"/>
-              </a:ext>
-            </a:extLst>
-          </p:cNvPr>
-          <p:cNvPicPr>
-            <a:picLocks noChangeAspect="1"/>
-          </p:cNvPicPr>
-          <p:nvPr/>
-        </p:nvPicPr>
-        <p:blipFill>
-          <a:blip r:embed="rId4">
-            <a:extLst>
-              <a:ext uri="{28A0092B-C50C-407E-A947-70E740481C1C}">
-                <a14:useLocalDpi xmlns:a14="http://schemas.microsoft.com/office/drawing/2010/main" val="0"/>
-              </a:ext>
-              <a:ext uri="{96DAC541-7B7A-43D3-8B79-37D633B846F1}">
-                <asvg:svgBlip xmlns:asvg="http://schemas.microsoft.com/office/drawing/2016/SVG/main" r:embed="rId5"/>
-              </a:ext>
-            </a:extLst>
-          </a:blip>
-          <a:stretch>
-            <a:fillRect/>
-          </a:stretch>
-        </p:blipFill>
-        <p:spPr>
-          <a:xfrm>
-            <a:off x="8834542" y="1142112"/>
-            <a:ext cx="553133" cy="553133"/>
-          </a:xfrm>
-          <a:prstGeom prst="rect">
-            <a:avLst/>
-          </a:prstGeom>
-        </p:spPr>
-      </p:pic>
-      <p:pic>
-        <p:nvPicPr>
-          <p:cNvPr id="39" name="Graphic 38" descr="Palm tree">
-            <a:extLst>
-              <a:ext uri="{FF2B5EF4-FFF2-40B4-BE49-F238E27FC236}">
-                <a16:creationId xmlns:a16="http://schemas.microsoft.com/office/drawing/2014/main" id="{585AC1AD-01C8-4E2D-8361-4BEA62A48584}"/>
-              </a:ext>
-            </a:extLst>
-          </p:cNvPr>
-          <p:cNvPicPr>
-            <a:picLocks noChangeAspect="1"/>
-          </p:cNvPicPr>
-          <p:nvPr/>
-        </p:nvPicPr>
-        <p:blipFill>
-          <a:blip r:embed="rId4">
-            <a:extLst>
-              <a:ext uri="{28A0092B-C50C-407E-A947-70E740481C1C}">
-                <a14:useLocalDpi xmlns:a14="http://schemas.microsoft.com/office/drawing/2010/main" val="0"/>
-              </a:ext>
-              <a:ext uri="{96DAC541-7B7A-43D3-8B79-37D633B846F1}">
-                <asvg:svgBlip xmlns:asvg="http://schemas.microsoft.com/office/drawing/2016/SVG/main" r:embed="rId5"/>
-              </a:ext>
-            </a:extLst>
-          </a:blip>
-          <a:stretch>
-            <a:fillRect/>
-          </a:stretch>
-        </p:blipFill>
-        <p:spPr>
-          <a:xfrm>
-            <a:off x="9387675" y="1277468"/>
-            <a:ext cx="404329" cy="404329"/>
-          </a:xfrm>
-          <a:prstGeom prst="rect">
-            <a:avLst/>
-          </a:prstGeom>
-        </p:spPr>
-      </p:pic>
-    </p:spTree>
-    <p:extLst>
-      <p:ext uri="{BB962C8B-B14F-4D97-AF65-F5344CB8AC3E}">
-        <p14:creationId xmlns:p14="http://schemas.microsoft.com/office/powerpoint/2010/main" val="3960879485"/>
       </p:ext>
     </p:extLst>
   </p:cSld>
